--- a/Weekly-Reports/InverterDesignConsideration.pptx
+++ b/Weekly-Reports/InverterDesignConsideration.pptx
@@ -5,19 +5,20 @@
     <p:sldMasterId id="2147483648" r:id="rId1"/>
   </p:sldMasterIdLst>
   <p:notesMasterIdLst>
-    <p:notesMasterId r:id="rId12"/>
+    <p:notesMasterId r:id="rId13"/>
   </p:notesMasterIdLst>
   <p:sldIdLst>
     <p:sldId id="256" r:id="rId2"/>
     <p:sldId id="274" r:id="rId3"/>
     <p:sldId id="275" r:id="rId4"/>
-    <p:sldId id="280" r:id="rId5"/>
-    <p:sldId id="281" r:id="rId6"/>
+    <p:sldId id="282" r:id="rId5"/>
+    <p:sldId id="280" r:id="rId6"/>
     <p:sldId id="276" r:id="rId7"/>
     <p:sldId id="277" r:id="rId8"/>
     <p:sldId id="278" r:id="rId9"/>
-    <p:sldId id="279" r:id="rId10"/>
-    <p:sldId id="261" r:id="rId11"/>
+    <p:sldId id="283" r:id="rId10"/>
+    <p:sldId id="279" r:id="rId11"/>
+    <p:sldId id="261" r:id="rId12"/>
   </p:sldIdLst>
   <p:sldSz cx="12192000" cy="6858000"/>
   <p:notesSz cx="6858000" cy="9144000"/>
@@ -124,11 +125,12 @@
             <p14:sldId id="256"/>
             <p14:sldId id="274"/>
             <p14:sldId id="275"/>
+            <p14:sldId id="282"/>
             <p14:sldId id="280"/>
-            <p14:sldId id="281"/>
             <p14:sldId id="276"/>
             <p14:sldId id="277"/>
             <p14:sldId id="278"/>
+            <p14:sldId id="283"/>
             <p14:sldId id="279"/>
             <p14:sldId id="261"/>
           </p14:sldIdLst>
@@ -224,7 +226,7 @@
           <a:p>
             <a:fld id="{F4F1A71A-9BFD-4E2F-8CB1-3FF418E5A8DE}" type="datetimeFigureOut">
               <a:rPr lang="sv-SE" smtClean="0"/>
-              <a:t>2023-05-26</a:t>
+              <a:t>2023-05-31</a:t>
             </a:fld>
             <a:endParaRPr lang="sv-SE"/>
           </a:p>
@@ -623,7 +625,7 @@
           <a:p>
             <a:fld id="{F1EF6EBA-2446-4F83-BF27-4368AC2AD5AA}" type="datetimeFigureOut">
               <a:rPr lang="sv-SE" smtClean="0"/>
-              <a:t>2023-05-26</a:t>
+              <a:t>2023-05-31</a:t>
             </a:fld>
             <a:endParaRPr lang="sv-SE"/>
           </a:p>
@@ -793,7 +795,7 @@
           <a:p>
             <a:fld id="{F1EF6EBA-2446-4F83-BF27-4368AC2AD5AA}" type="datetimeFigureOut">
               <a:rPr lang="sv-SE" smtClean="0"/>
-              <a:t>2023-05-26</a:t>
+              <a:t>2023-05-31</a:t>
             </a:fld>
             <a:endParaRPr lang="sv-SE"/>
           </a:p>
@@ -973,7 +975,7 @@
           <a:p>
             <a:fld id="{F1EF6EBA-2446-4F83-BF27-4368AC2AD5AA}" type="datetimeFigureOut">
               <a:rPr lang="sv-SE" smtClean="0"/>
-              <a:t>2023-05-26</a:t>
+              <a:t>2023-05-31</a:t>
             </a:fld>
             <a:endParaRPr lang="sv-SE"/>
           </a:p>
@@ -1143,7 +1145,7 @@
           <a:p>
             <a:fld id="{F1EF6EBA-2446-4F83-BF27-4368AC2AD5AA}" type="datetimeFigureOut">
               <a:rPr lang="sv-SE" smtClean="0"/>
-              <a:t>2023-05-26</a:t>
+              <a:t>2023-05-31</a:t>
             </a:fld>
             <a:endParaRPr lang="sv-SE"/>
           </a:p>
@@ -1389,7 +1391,7 @@
           <a:p>
             <a:fld id="{F1EF6EBA-2446-4F83-BF27-4368AC2AD5AA}" type="datetimeFigureOut">
               <a:rPr lang="sv-SE" smtClean="0"/>
-              <a:t>2023-05-26</a:t>
+              <a:t>2023-05-31</a:t>
             </a:fld>
             <a:endParaRPr lang="sv-SE"/>
           </a:p>
@@ -1621,7 +1623,7 @@
           <a:p>
             <a:fld id="{F1EF6EBA-2446-4F83-BF27-4368AC2AD5AA}" type="datetimeFigureOut">
               <a:rPr lang="sv-SE" smtClean="0"/>
-              <a:t>2023-05-26</a:t>
+              <a:t>2023-05-31</a:t>
             </a:fld>
             <a:endParaRPr lang="sv-SE"/>
           </a:p>
@@ -1988,7 +1990,7 @@
           <a:p>
             <a:fld id="{F1EF6EBA-2446-4F83-BF27-4368AC2AD5AA}" type="datetimeFigureOut">
               <a:rPr lang="sv-SE" smtClean="0"/>
-              <a:t>2023-05-26</a:t>
+              <a:t>2023-05-31</a:t>
             </a:fld>
             <a:endParaRPr lang="sv-SE"/>
           </a:p>
@@ -2106,7 +2108,7 @@
           <a:p>
             <a:fld id="{F1EF6EBA-2446-4F83-BF27-4368AC2AD5AA}" type="datetimeFigureOut">
               <a:rPr lang="sv-SE" smtClean="0"/>
-              <a:t>2023-05-26</a:t>
+              <a:t>2023-05-31</a:t>
             </a:fld>
             <a:endParaRPr lang="sv-SE"/>
           </a:p>
@@ -2201,7 +2203,7 @@
           <a:p>
             <a:fld id="{F1EF6EBA-2446-4F83-BF27-4368AC2AD5AA}" type="datetimeFigureOut">
               <a:rPr lang="sv-SE" smtClean="0"/>
-              <a:t>2023-05-26</a:t>
+              <a:t>2023-05-31</a:t>
             </a:fld>
             <a:endParaRPr lang="sv-SE"/>
           </a:p>
@@ -2478,7 +2480,7 @@
           <a:p>
             <a:fld id="{F1EF6EBA-2446-4F83-BF27-4368AC2AD5AA}" type="datetimeFigureOut">
               <a:rPr lang="sv-SE" smtClean="0"/>
-              <a:t>2023-05-26</a:t>
+              <a:t>2023-05-31</a:t>
             </a:fld>
             <a:endParaRPr lang="sv-SE"/>
           </a:p>
@@ -2731,7 +2733,7 @@
           <a:p>
             <a:fld id="{F1EF6EBA-2446-4F83-BF27-4368AC2AD5AA}" type="datetimeFigureOut">
               <a:rPr lang="sv-SE" smtClean="0"/>
-              <a:t>2023-05-26</a:t>
+              <a:t>2023-05-31</a:t>
             </a:fld>
             <a:endParaRPr lang="sv-SE"/>
           </a:p>
@@ -2944,7 +2946,7 @@
           <a:p>
             <a:fld id="{F1EF6EBA-2446-4F83-BF27-4368AC2AD5AA}" type="datetimeFigureOut">
               <a:rPr lang="sv-SE" smtClean="0"/>
-              <a:t>2023-05-26</a:t>
+              <a:t>2023-05-31</a:t>
             </a:fld>
             <a:endParaRPr lang="sv-SE"/>
           </a:p>
@@ -3459,7 +3461,12 @@
             <p:ph type="subTitle" idx="1"/>
           </p:nvPr>
         </p:nvSpPr>
-        <p:spPr/>
+        <p:spPr>
+          <a:xfrm>
+            <a:off x="1276350" y="3627438"/>
+            <a:ext cx="9144000" cy="1655762"/>
+          </a:xfrm>
+        </p:spPr>
         <p:txBody>
           <a:bodyPr/>
           <a:lstStyle/>
@@ -3526,7 +3533,39 @@
                   <a:srgbClr val="C00000"/>
                 </a:solidFill>
               </a:rPr>
-              <a:t>References</a:t>
+              <a:t>Efficiency and Power </a:t>
+            </a:r>
+            <a:r>
+              <a:rPr lang="en-US" dirty="0">
+                <a:solidFill>
+                  <a:srgbClr val="C00000"/>
+                </a:solidFill>
+              </a:rPr>
+              <a:t>D</a:t>
+            </a:r>
+            <a:r>
+              <a:rPr lang="en-US" dirty="0" smtClean="0">
+                <a:solidFill>
+                  <a:srgbClr val="C00000"/>
+                </a:solidFill>
+              </a:rPr>
+              <a:t>ensity </a:t>
+            </a:r>
+            <a:r>
+              <a:rPr lang="en-US" dirty="0">
+                <a:solidFill>
+                  <a:srgbClr val="C00000"/>
+                </a:solidFill>
+              </a:rPr>
+              <a:t>T</a:t>
+            </a:r>
+            <a:r>
+              <a:rPr lang="en-US" dirty="0" smtClean="0">
+                <a:solidFill>
+                  <a:srgbClr val="C00000"/>
+                </a:solidFill>
+              </a:rPr>
+              <a:t>argets</a:t>
             </a:r>
             <a:endParaRPr lang="sv-SE" dirty="0">
               <a:solidFill>
@@ -3548,8 +3587,88 @@
         </p:nvSpPr>
         <p:spPr/>
         <p:txBody>
+          <a:bodyPr/>
+          <a:lstStyle/>
+          <a:p>
+            <a:endParaRPr lang="sv-SE" dirty="0"/>
+          </a:p>
+        </p:txBody>
+      </p:sp>
+    </p:spTree>
+    <p:extLst>
+      <p:ext uri="{BB962C8B-B14F-4D97-AF65-F5344CB8AC3E}">
+        <p14:creationId xmlns:p14="http://schemas.microsoft.com/office/powerpoint/2010/main" val="4062049576"/>
+      </p:ext>
+    </p:extLst>
+  </p:cSld>
+  <p:clrMapOvr>
+    <a:masterClrMapping/>
+  </p:clrMapOvr>
+</p:sld>
+</file>
+
+<file path=ppt/slides/slide11.xml><?xml version="1.0" encoding="utf-8"?>
+<p:sld xmlns:a="http://schemas.openxmlformats.org/drawingml/2006/main" xmlns:r="http://schemas.openxmlformats.org/officeDocument/2006/relationships" xmlns:p="http://schemas.openxmlformats.org/presentationml/2006/main">
+  <p:cSld>
+    <p:spTree>
+      <p:nvGrpSpPr>
+        <p:cNvPr id="1" name=""/>
+        <p:cNvGrpSpPr/>
+        <p:nvPr/>
+      </p:nvGrpSpPr>
+      <p:grpSpPr>
+        <a:xfrm>
+          <a:off x="0" y="0"/>
+          <a:ext cx="0" cy="0"/>
+          <a:chOff x="0" y="0"/>
+          <a:chExt cx="0" cy="0"/>
+        </a:xfrm>
+      </p:grpSpPr>
+      <p:sp>
+        <p:nvSpPr>
+          <p:cNvPr id="2" name="Title 1"/>
+          <p:cNvSpPr>
+            <a:spLocks noGrp="1"/>
+          </p:cNvSpPr>
+          <p:nvPr>
+            <p:ph type="title"/>
+          </p:nvPr>
+        </p:nvSpPr>
+        <p:spPr/>
+        <p:txBody>
+          <a:bodyPr/>
+          <a:lstStyle/>
+          <a:p>
+            <a:r>
+              <a:rPr lang="en-US" dirty="0" smtClean="0">
+                <a:solidFill>
+                  <a:srgbClr val="C00000"/>
+                </a:solidFill>
+              </a:rPr>
+              <a:t>References</a:t>
+            </a:r>
+            <a:endParaRPr lang="sv-SE" dirty="0">
+              <a:solidFill>
+                <a:srgbClr val="C00000"/>
+              </a:solidFill>
+            </a:endParaRPr>
+          </a:p>
+        </p:txBody>
+      </p:sp>
+      <p:sp>
+        <p:nvSpPr>
+          <p:cNvPr id="3" name="Content Placeholder 2"/>
+          <p:cNvSpPr>
+            <a:spLocks noGrp="1"/>
+          </p:cNvSpPr>
+          <p:nvPr>
+            <p:ph idx="1"/>
+          </p:nvPr>
+        </p:nvSpPr>
+        <p:spPr/>
+        <p:txBody>
           <a:bodyPr>
-            <a:normAutofit/>
+            <a:normAutofit fontScale="92500"/>
           </a:bodyPr>
           <a:lstStyle/>
           <a:p>
@@ -3593,9 +3712,39 @@
             </a:r>
             <a:r>
               <a:rPr lang="en-US" dirty="0"/>
-              <a:t>Design of High Power Density 100 kW Surface Permanent Magnet Machine with No Heavy Rare Earth Material Using Current Source Inverter for Traction Application</a:t>
-            </a:r>
-            <a:endParaRPr lang="sv-SE" dirty="0"/>
+              <a:t>Design of High Power Density 100 kW Surface Permanent Magnet Machine with No Heavy Rare Earth Material Using Current Source Inverter for Traction </a:t>
+            </a:r>
+            <a:r>
+              <a:rPr lang="en-US" dirty="0" smtClean="0"/>
+              <a:t>Application</a:t>
+            </a:r>
+          </a:p>
+          <a:p>
+            <a:r>
+              <a:rPr lang="en-US" dirty="0" smtClean="0"/>
+              <a:t>[5] </a:t>
+            </a:r>
+            <a:r>
+              <a:rPr lang="en-US" dirty="0"/>
+              <a:t>Modulation and Power Losses of a </a:t>
+            </a:r>
+            <a:r>
+              <a:rPr lang="en-US" dirty="0" smtClean="0"/>
+              <a:t>Stacked </a:t>
+            </a:r>
+            <a:r>
+              <a:rPr lang="en-US" dirty="0" err="1" smtClean="0"/>
+              <a:t>Polyphase</a:t>
+            </a:r>
+            <a:r>
+              <a:rPr lang="en-US" dirty="0" smtClean="0"/>
+              <a:t> </a:t>
+            </a:r>
+            <a:r>
+              <a:rPr lang="en-US" dirty="0"/>
+              <a:t>Bridge Converter</a:t>
+            </a:r>
+            <a:endParaRPr lang="en-US" dirty="0" smtClean="0"/>
           </a:p>
         </p:txBody>
       </p:sp>
@@ -3641,8 +3790,8 @@
         </p:nvSpPr>
         <p:spPr>
           <a:xfrm>
-            <a:off x="768350" y="36512"/>
-            <a:ext cx="10515600" cy="1325563"/>
+            <a:off x="768350" y="38100"/>
+            <a:ext cx="10515600" cy="873125"/>
           </a:xfrm>
         </p:spPr>
         <p:txBody>
@@ -3694,7 +3843,7 @@
         </p:nvSpPr>
         <p:spPr>
           <a:xfrm>
-            <a:off x="895350" y="1171575"/>
+            <a:off x="768350" y="860425"/>
             <a:ext cx="10515600" cy="5394325"/>
           </a:xfrm>
         </p:spPr>
@@ -3724,11 +3873,7 @@
             <a:pPr lvl="1"/>
             <a:r>
               <a:rPr lang="en-US" sz="1600" dirty="0" smtClean="0"/>
-              <a:t>Air cooling and heat-sink </a:t>
-            </a:r>
-            <a:r>
-              <a:rPr lang="en-US" sz="1600" dirty="0" smtClean="0"/>
-              <a:t>design</a:t>
+              <a:t>Air cooling and heat-sink design</a:t>
             </a:r>
             <a:endParaRPr lang="en-US" sz="1600" dirty="0"/>
           </a:p>
@@ -3772,7 +3917,18 @@
             </a:r>
             <a:r>
               <a:rPr lang="en-US" sz="1600" dirty="0" smtClean="0"/>
-              <a:t>modules, Common-collector modules</a:t>
+              <a:t>modules, Common-collector </a:t>
+            </a:r>
+            <a:r>
+              <a:rPr lang="en-US" sz="1600" dirty="0" smtClean="0"/>
+              <a:t>modules</a:t>
+            </a:r>
+          </a:p>
+          <a:p>
+            <a:pPr lvl="1"/>
+            <a:r>
+              <a:rPr lang="en-US" sz="1600" dirty="0" smtClean="0"/>
+              <a:t>Segmented/multi module/phase structures</a:t>
             </a:r>
             <a:endParaRPr lang="en-US" sz="1600" dirty="0"/>
           </a:p>
@@ -3954,7 +4110,15 @@
                   <a:srgbClr val="C00000"/>
                 </a:solidFill>
               </a:rPr>
-              <a:t>evel Design [2]</a:t>
+              <a:t>evel Design [</a:t>
+            </a:r>
+            <a:r>
+              <a:rPr lang="en-US" dirty="0" smtClean="0">
+                <a:solidFill>
+                  <a:srgbClr val="C00000"/>
+                </a:solidFill>
+              </a:rPr>
+              <a:t>2,5]</a:t>
             </a:r>
             <a:endParaRPr lang="sv-SE" dirty="0">
               <a:solidFill>
@@ -4035,6 +4199,7 @@
               <a:rPr lang="en-US" sz="2000" dirty="0" smtClean="0"/>
               <a:t>)</a:t>
             </a:r>
+            <a:endParaRPr lang="en-US" sz="2000" dirty="0" smtClean="0"/>
           </a:p>
           <a:p>
             <a:pPr marL="914400" lvl="1" indent="-457200">
@@ -4043,8 +4208,13 @@
             </a:pPr>
             <a:r>
               <a:rPr lang="en-US" sz="2000" dirty="0" smtClean="0"/>
-              <a:t>Still medium frequency range 10-25kHz ????</a:t>
-            </a:r>
+              <a:t>Still medium frequency range 10-25kHz </a:t>
+            </a:r>
+            <a:r>
+              <a:rPr lang="en-US" sz="2000" dirty="0" smtClean="0"/>
+              <a:t>????</a:t>
+            </a:r>
+            <a:endParaRPr lang="en-US" sz="2000" dirty="0" smtClean="0"/>
           </a:p>
           <a:p>
             <a:pPr marL="914400" lvl="1" indent="-457200">
@@ -4057,46 +4227,46 @@
             </a:r>
           </a:p>
           <a:p>
-            <a:pPr lvl="2"/>
-            <a:r>
-              <a:rPr lang="en-US" dirty="0" smtClean="0"/>
+            <a:pPr lvl="3"/>
+            <a:r>
+              <a:rPr lang="en-US" i="1" dirty="0" smtClean="0"/>
               <a:t>Higher output voltage harmonics</a:t>
             </a:r>
           </a:p>
           <a:p>
-            <a:pPr lvl="2"/>
-            <a:r>
-              <a:rPr lang="en-US" dirty="0" smtClean="0"/>
+            <a:pPr lvl="3"/>
+            <a:r>
+              <a:rPr lang="en-US" i="1" dirty="0" smtClean="0"/>
               <a:t>Lower efficiency at higher switching frequency, which is vital to decrease the volume</a:t>
             </a:r>
           </a:p>
           <a:p>
-            <a:pPr lvl="2"/>
-            <a:r>
-              <a:rPr lang="en-US" dirty="0" smtClean="0"/>
+            <a:pPr lvl="3"/>
+            <a:r>
+              <a:rPr lang="en-US" i="1" dirty="0" smtClean="0"/>
               <a:t>Higher dv/</a:t>
             </a:r>
             <a:r>
-              <a:rPr lang="en-US" dirty="0" err="1" smtClean="0"/>
+              <a:rPr lang="en-US" i="1" dirty="0" err="1" smtClean="0"/>
               <a:t>dt</a:t>
             </a:r>
             <a:r>
-              <a:rPr lang="en-US" dirty="0" smtClean="0"/>
+              <a:rPr lang="en-US" i="1" dirty="0" smtClean="0"/>
               <a:t> and EMI, which causes common mode problems at the motor side</a:t>
             </a:r>
           </a:p>
           <a:p>
-            <a:pPr lvl="2"/>
-            <a:r>
-              <a:rPr lang="en-US" dirty="0" smtClean="0"/>
+            <a:pPr lvl="3"/>
+            <a:r>
+              <a:rPr lang="en-US" i="1" dirty="0" smtClean="0"/>
               <a:t>Higher voltage </a:t>
             </a:r>
             <a:r>
-              <a:rPr lang="en-US" dirty="0"/>
+              <a:rPr lang="en-US" i="1" dirty="0"/>
               <a:t>ratings</a:t>
             </a:r>
             <a:r>
-              <a:rPr lang="en-US" dirty="0" smtClean="0"/>
+              <a:rPr lang="en-US" i="1" dirty="0" smtClean="0"/>
               <a:t> for switches</a:t>
             </a:r>
           </a:p>
@@ -4106,27 +4276,35 @@
             </a:pPr>
             <a:r>
               <a:rPr lang="en-US" sz="2000" dirty="0" smtClean="0"/>
-              <a:t>	But  3L inverters (NPC, ANPC, T-type) have </a:t>
-            </a:r>
-          </a:p>
-          <a:p>
-            <a:pPr lvl="2"/>
-            <a:r>
-              <a:rPr lang="en-US" dirty="0" smtClean="0"/>
+              <a:t>	</a:t>
+            </a:r>
+            <a:r>
+              <a:rPr lang="en-US" sz="2000" dirty="0" smtClean="0"/>
+              <a:t>But  </a:t>
+            </a:r>
+            <a:r>
+              <a:rPr lang="en-US" sz="2000" dirty="0"/>
+              <a:t>3L inverters (NPC, ANPC, T-type) have </a:t>
+            </a:r>
+          </a:p>
+          <a:p>
+            <a:pPr lvl="3"/>
+            <a:r>
+              <a:rPr lang="en-US" i="1" dirty="0"/>
               <a:t>increased number of switches</a:t>
             </a:r>
           </a:p>
           <a:p>
-            <a:pPr lvl="2"/>
-            <a:r>
-              <a:rPr lang="en-US" dirty="0" smtClean="0"/>
+            <a:pPr lvl="3"/>
+            <a:r>
+              <a:rPr lang="en-US" i="1" dirty="0"/>
               <a:t>increased isolated gate drives</a:t>
             </a:r>
           </a:p>
           <a:p>
-            <a:pPr lvl="2"/>
-            <a:r>
-              <a:rPr lang="en-US" dirty="0" smtClean="0"/>
+            <a:pPr lvl="3"/>
+            <a:r>
+              <a:rPr lang="en-US" i="1" dirty="0"/>
               <a:t>Increased cost and complexity</a:t>
             </a:r>
           </a:p>
@@ -4136,13 +4314,17 @@
             </a:pPr>
             <a:r>
               <a:rPr lang="en-US" sz="2000" dirty="0" smtClean="0"/>
-              <a:t>	NPC and ANPC have</a:t>
-            </a:r>
-          </a:p>
-          <a:p>
-            <a:pPr lvl="2"/>
-            <a:r>
-              <a:rPr lang="en-US" dirty="0" smtClean="0"/>
+              <a:t>	NPC </a:t>
+            </a:r>
+            <a:r>
+              <a:rPr lang="en-US" sz="2000" dirty="0"/>
+              <a:t>and ANPC have</a:t>
+            </a:r>
+          </a:p>
+          <a:p>
+            <a:pPr lvl="3"/>
+            <a:r>
+              <a:rPr lang="en-US" i="1" dirty="0"/>
               <a:t>Higher conduction losses due to the series connection of two devices</a:t>
             </a:r>
           </a:p>
@@ -4151,23 +4333,29 @@
               <a:buNone/>
             </a:pPr>
             <a:r>
-              <a:rPr lang="en-US" sz="2000" dirty="0" smtClean="0"/>
+              <a:rPr lang="en-US" sz="2000" dirty="0"/>
               <a:t>	T-type </a:t>
             </a:r>
           </a:p>
           <a:p>
-            <a:pPr lvl="2"/>
-            <a:r>
-              <a:rPr lang="en-US" dirty="0" smtClean="0"/>
+            <a:pPr lvl="3"/>
+            <a:r>
+              <a:rPr lang="en-US" i="1" dirty="0"/>
               <a:t>Higher voltage ratings for some of the switches</a:t>
             </a:r>
           </a:p>
           <a:p>
-            <a:pPr lvl="2"/>
-            <a:r>
-              <a:rPr lang="en-US" dirty="0" smtClean="0"/>
+            <a:pPr lvl="3"/>
+            <a:r>
+              <a:rPr lang="en-US" i="1" dirty="0"/>
               <a:t>Higher switching losses because of higher voltage stress on single-switches</a:t>
             </a:r>
+          </a:p>
+          <a:p>
+            <a:pPr marL="457200" lvl="1" indent="0">
+              <a:buNone/>
+            </a:pPr>
+            <a:endParaRPr lang="en-US" dirty="0" smtClean="0"/>
           </a:p>
         </p:txBody>
       </p:sp>
@@ -4203,6 +4391,137 @@
       </p:grpSpPr>
       <p:sp>
         <p:nvSpPr>
+          <p:cNvPr id="3" name="Content Placeholder 2"/>
+          <p:cNvSpPr>
+            <a:spLocks noGrp="1"/>
+          </p:cNvSpPr>
+          <p:nvPr>
+            <p:ph idx="1"/>
+          </p:nvPr>
+        </p:nvSpPr>
+        <p:spPr>
+          <a:xfrm>
+            <a:off x="654050" y="511175"/>
+            <a:ext cx="10515600" cy="5832475"/>
+          </a:xfrm>
+        </p:spPr>
+        <p:txBody>
+          <a:bodyPr>
+            <a:noAutofit/>
+          </a:bodyPr>
+          <a:lstStyle/>
+          <a:p>
+            <a:pPr marL="457200" lvl="1" indent="0">
+              <a:buNone/>
+            </a:pPr>
+            <a:r>
+              <a:rPr lang="en-US" sz="2000" dirty="0"/>
+              <a:t>	</a:t>
+            </a:r>
+            <a:r>
+              <a:rPr lang="en-US" sz="2000" dirty="0" smtClean="0"/>
+              <a:t>4. Modular Motor Drives, Stacked Poly-Phase </a:t>
+            </a:r>
+            <a:r>
+              <a:rPr lang="en-US" sz="2000" dirty="0"/>
+              <a:t>B</a:t>
+            </a:r>
+            <a:r>
+              <a:rPr lang="en-US" sz="2000" dirty="0" smtClean="0"/>
+              <a:t>ridges [5] </a:t>
+            </a:r>
+          </a:p>
+          <a:p>
+            <a:pPr lvl="3"/>
+            <a:r>
+              <a:rPr lang="en-US" sz="2000" i="1" dirty="0" smtClean="0"/>
+              <a:t>Series or parallel connected </a:t>
+            </a:r>
+            <a:endParaRPr lang="en-US" sz="2000" i="1" dirty="0" smtClean="0"/>
+          </a:p>
+          <a:p>
+            <a:pPr lvl="3"/>
+            <a:r>
+              <a:rPr lang="en-US" sz="2000" i="1" dirty="0" smtClean="0"/>
+              <a:t>Lower semiconductor voltage/current ratings</a:t>
+            </a:r>
+          </a:p>
+          <a:p>
+            <a:pPr lvl="3"/>
+            <a:r>
+              <a:rPr lang="en-US" sz="2000" i="1" dirty="0" smtClean="0"/>
+              <a:t>High switching frequency</a:t>
+            </a:r>
+          </a:p>
+          <a:p>
+            <a:pPr lvl="3"/>
+            <a:r>
+              <a:rPr lang="en-US" sz="2000" i="1" dirty="0" smtClean="0"/>
+              <a:t>Compact design</a:t>
+            </a:r>
+          </a:p>
+          <a:p>
+            <a:pPr lvl="3"/>
+            <a:r>
+              <a:rPr lang="en-US" sz="2000" i="1" dirty="0" smtClean="0"/>
+              <a:t>Phase shift/ interleaving to reduce DC-link ripple</a:t>
+            </a:r>
+            <a:endParaRPr lang="en-US" sz="2000" i="1" dirty="0" smtClean="0"/>
+          </a:p>
+          <a:p>
+            <a:pPr marL="914400" lvl="2" indent="0">
+              <a:buNone/>
+            </a:pPr>
+            <a:r>
+              <a:rPr lang="en-US" dirty="0"/>
+              <a:t>	</a:t>
+            </a:r>
+            <a:r>
+              <a:rPr lang="en-US" dirty="0" smtClean="0"/>
+              <a:t>	</a:t>
+            </a:r>
+            <a:endParaRPr lang="en-US" dirty="0" smtClean="0"/>
+          </a:p>
+          <a:p>
+            <a:pPr marL="0" indent="0">
+              <a:buNone/>
+            </a:pPr>
+            <a:endParaRPr lang="en-US" sz="2000" dirty="0" smtClean="0"/>
+          </a:p>
+        </p:txBody>
+      </p:sp>
+    </p:spTree>
+    <p:extLst>
+      <p:ext uri="{BB962C8B-B14F-4D97-AF65-F5344CB8AC3E}">
+        <p14:creationId xmlns:p14="http://schemas.microsoft.com/office/powerpoint/2010/main" val="1159710758"/>
+      </p:ext>
+    </p:extLst>
+  </p:cSld>
+  <p:clrMapOvr>
+    <a:masterClrMapping/>
+  </p:clrMapOvr>
+</p:sld>
+</file>
+
+<file path=ppt/slides/slide5.xml><?xml version="1.0" encoding="utf-8"?>
+<p:sld xmlns:a="http://schemas.openxmlformats.org/drawingml/2006/main" xmlns:r="http://schemas.openxmlformats.org/officeDocument/2006/relationships" xmlns:p="http://schemas.openxmlformats.org/presentationml/2006/main">
+  <p:cSld>
+    <p:spTree>
+      <p:nvGrpSpPr>
+        <p:cNvPr id="1" name=""/>
+        <p:cNvGrpSpPr/>
+        <p:nvPr/>
+      </p:nvGrpSpPr>
+      <p:grpSpPr>
+        <a:xfrm>
+          <a:off x="0" y="0"/>
+          <a:ext cx="0" cy="0"/>
+          <a:chOff x="0" y="0"/>
+          <a:chExt cx="0" cy="0"/>
+        </a:xfrm>
+      </p:grpSpPr>
+      <p:sp>
+        <p:nvSpPr>
           <p:cNvPr id="2" name="Title 1"/>
           <p:cNvSpPr>
             <a:spLocks noGrp="1"/>
@@ -4249,7 +4568,7 @@
         </p:blipFill>
         <p:spPr>
           <a:xfrm>
-            <a:off x="3203575" y="1585061"/>
+            <a:off x="2878994" y="1642211"/>
             <a:ext cx="6321425" cy="2644560"/>
           </a:xfrm>
           <a:prstGeom prst="rect">
@@ -4272,8 +4591,8 @@
         </p:blipFill>
         <p:spPr>
           <a:xfrm>
-            <a:off x="2066926" y="4405406"/>
-            <a:ext cx="2379663" cy="1962269"/>
+            <a:off x="10151731" y="1795938"/>
+            <a:ext cx="1570038" cy="1294653"/>
           </a:xfrm>
           <a:prstGeom prst="rect">
             <a:avLst/>
@@ -4295,8 +4614,8 @@
         </p:blipFill>
         <p:spPr>
           <a:xfrm>
-            <a:off x="487361" y="4546600"/>
-            <a:ext cx="387351" cy="1968500"/>
+            <a:off x="9157032" y="1953633"/>
+            <a:ext cx="255564" cy="1298765"/>
           </a:xfrm>
           <a:prstGeom prst="rect">
             <a:avLst/>
@@ -4311,8 +4630,8 @@
         </p:nvCxnSpPr>
         <p:spPr>
           <a:xfrm>
-            <a:off x="1282700" y="5316691"/>
-            <a:ext cx="355600" cy="0"/>
+            <a:off x="9665957" y="2446007"/>
+            <a:ext cx="234615" cy="0"/>
           </a:xfrm>
           <a:prstGeom prst="line">
             <a:avLst/>
@@ -4342,8 +4661,8 @@
         </p:nvCxnSpPr>
         <p:spPr>
           <a:xfrm>
-            <a:off x="1282700" y="5473700"/>
-            <a:ext cx="355600" cy="0"/>
+            <a:off x="9665957" y="2603016"/>
+            <a:ext cx="234615" cy="0"/>
           </a:xfrm>
           <a:prstGeom prst="line">
             <a:avLst/>
@@ -4380,8 +4699,8 @@
         </p:blipFill>
         <p:spPr>
           <a:xfrm>
-            <a:off x="7886701" y="4387958"/>
-            <a:ext cx="730250" cy="1979717"/>
+            <a:off x="138157" y="1932490"/>
+            <a:ext cx="486869" cy="1319908"/>
           </a:xfrm>
           <a:prstGeom prst="rect">
             <a:avLst/>
@@ -4396,8 +4715,8 @@
         </p:nvCxnSpPr>
         <p:spPr>
           <a:xfrm>
-            <a:off x="9347200" y="5210756"/>
-            <a:ext cx="355600" cy="0"/>
+            <a:off x="1049646" y="2446007"/>
+            <a:ext cx="288187" cy="0"/>
           </a:xfrm>
           <a:prstGeom prst="line">
             <a:avLst/>
@@ -4427,8 +4746,8 @@
         </p:nvCxnSpPr>
         <p:spPr>
           <a:xfrm>
-            <a:off x="9347200" y="5367765"/>
-            <a:ext cx="355600" cy="0"/>
+            <a:off x="1049646" y="2603016"/>
+            <a:ext cx="288187" cy="0"/>
           </a:xfrm>
           <a:prstGeom prst="line">
             <a:avLst/>
@@ -4465,85 +4784,23 @@
         </p:blipFill>
         <p:spPr>
           <a:xfrm>
-            <a:off x="10321927" y="4229621"/>
-            <a:ext cx="669924" cy="1962269"/>
+            <a:off x="1588992" y="1585061"/>
+            <a:ext cx="550867" cy="1613540"/>
           </a:xfrm>
           <a:prstGeom prst="rect">
             <a:avLst/>
           </a:prstGeom>
         </p:spPr>
       </p:pic>
-    </p:spTree>
-    <p:extLst>
-      <p:ext uri="{BB962C8B-B14F-4D97-AF65-F5344CB8AC3E}">
-        <p14:creationId xmlns:p14="http://schemas.microsoft.com/office/powerpoint/2010/main" val="1989784284"/>
-      </p:ext>
-    </p:extLst>
-  </p:cSld>
-  <p:clrMapOvr>
-    <a:masterClrMapping/>
-  </p:clrMapOvr>
-</p:sld>
-</file>
-
-<file path=ppt/slides/slide5.xml><?xml version="1.0" encoding="utf-8"?>
-<p:sld xmlns:a="http://schemas.openxmlformats.org/drawingml/2006/main" xmlns:r="http://schemas.openxmlformats.org/officeDocument/2006/relationships" xmlns:p="http://schemas.openxmlformats.org/presentationml/2006/main">
-  <p:cSld>
-    <p:spTree>
-      <p:nvGrpSpPr>
-        <p:cNvPr id="1" name=""/>
-        <p:cNvGrpSpPr/>
-        <p:nvPr/>
-      </p:nvGrpSpPr>
-      <p:grpSpPr>
-        <a:xfrm>
-          <a:off x="0" y="0"/>
-          <a:ext cx="0" cy="0"/>
-          <a:chOff x="0" y="0"/>
-          <a:chExt cx="0" cy="0"/>
-        </a:xfrm>
-      </p:grpSpPr>
-      <p:sp>
-        <p:nvSpPr>
-          <p:cNvPr id="2" name="Title 1"/>
-          <p:cNvSpPr>
-            <a:spLocks noGrp="1"/>
-          </p:cNvSpPr>
-          <p:nvPr>
-            <p:ph type="title"/>
-          </p:nvPr>
-        </p:nvSpPr>
-        <p:spPr/>
-        <p:txBody>
-          <a:bodyPr/>
-          <a:lstStyle/>
-          <a:p>
-            <a:pPr algn="ctr"/>
-            <a:r>
-              <a:rPr lang="en-US" dirty="0" smtClean="0">
-                <a:solidFill>
-                  <a:srgbClr val="C00000"/>
-                </a:solidFill>
-              </a:rPr>
-              <a:t>Comparisons</a:t>
-            </a:r>
-            <a:endParaRPr lang="sv-SE" dirty="0">
-              <a:solidFill>
-                <a:srgbClr val="C00000"/>
-              </a:solidFill>
-            </a:endParaRPr>
-          </a:p>
-        </p:txBody>
-      </p:sp>
-      <p:sp>
-        <p:nvSpPr>
-          <p:cNvPr id="3" name="TextBox 2"/>
+      <p:sp>
+        <p:nvSpPr>
+          <p:cNvPr id="26" name="TextBox 25"/>
           <p:cNvSpPr txBox="1"/>
           <p:nvPr/>
         </p:nvSpPr>
         <p:spPr>
           <a:xfrm>
-            <a:off x="933450" y="1690688"/>
+            <a:off x="2057400" y="4286771"/>
             <a:ext cx="7289800" cy="2862322"/>
           </a:xfrm>
           <a:prstGeom prst="rect">
@@ -4648,7 +4905,7 @@
     </p:spTree>
     <p:extLst>
       <p:ext uri="{BB962C8B-B14F-4D97-AF65-F5344CB8AC3E}">
-        <p14:creationId xmlns:p14="http://schemas.microsoft.com/office/powerpoint/2010/main" val="4141099191"/>
+        <p14:creationId xmlns:p14="http://schemas.microsoft.com/office/powerpoint/2010/main" val="1989784284"/>
       </p:ext>
     </p:extLst>
   </p:cSld>
@@ -4675,8 +4932,8 @@
           <a:chExt cx="0" cy="0"/>
         </a:xfrm>
       </p:grpSpPr>
-      <mc:AlternateContent xmlns:mc="http://schemas.openxmlformats.org/markup-compatibility/2006" xmlns:a14="http://schemas.microsoft.com/office/drawing/2010/main">
-        <mc:Choice Requires="a14">
+      <mc:AlternateContent xmlns:mc="http://schemas.openxmlformats.org/markup-compatibility/2006">
+        <mc:Choice xmlns:a14="http://schemas.microsoft.com/office/drawing/2010/main" Requires="a14">
           <p:sp>
             <p:nvSpPr>
               <p:cNvPr id="2" name="Title 1"/>
@@ -4687,7 +4944,12 @@
                 <p:ph type="title"/>
               </p:nvPr>
             </p:nvSpPr>
-            <p:spPr/>
+            <p:spPr>
+              <a:xfrm>
+                <a:off x="311150" y="288925"/>
+                <a:ext cx="10515600" cy="1325563"/>
+              </a:xfrm>
+            </p:spPr>
             <p:txBody>
               <a:bodyPr/>
               <a:lstStyle/>
@@ -4729,7 +4991,7 @@
             </p:txBody>
           </p:sp>
         </mc:Choice>
-        <mc:Fallback xmlns="">
+        <mc:Fallback>
           <p:sp>
             <p:nvSpPr>
               <p:cNvPr id="2" name="Title 1"/>
@@ -4741,6 +5003,10 @@
               </p:nvPr>
             </p:nvSpPr>
             <p:spPr>
+              <a:xfrm>
+                <a:off x="311150" y="288925"/>
+                <a:ext cx="10515600" cy="1325563"/>
+              </a:xfrm>
               <a:blipFill>
                 <a:blip r:embed="rId2"/>
                 <a:stretch>
@@ -4781,7 +5047,7 @@
         </p:blipFill>
         <p:spPr>
           <a:xfrm>
-            <a:off x="285614" y="2375243"/>
+            <a:off x="488814" y="2375241"/>
             <a:ext cx="4127867" cy="1946653"/>
           </a:xfrm>
           <a:prstGeom prst="rect">
@@ -4797,7 +5063,7 @@
         </p:nvSpPr>
         <p:spPr>
           <a:xfrm>
-            <a:off x="4562033" y="1794297"/>
+            <a:off x="4873183" y="1794297"/>
             <a:ext cx="7177690" cy="3108543"/>
           </a:xfrm>
           <a:prstGeom prst="rect">
@@ -5574,74 +5840,245 @@
             <p:ph type="title"/>
           </p:nvPr>
         </p:nvSpPr>
-        <p:spPr/>
+        <p:spPr>
+          <a:xfrm>
+            <a:off x="863600" y="155575"/>
+            <a:ext cx="10515600" cy="1325563"/>
+          </a:xfrm>
+        </p:spPr>
         <p:txBody>
           <a:bodyPr/>
           <a:lstStyle/>
           <a:p>
-            <a:r>
-              <a:rPr lang="en-US" dirty="0" smtClean="0">
+            <a:pPr algn="ctr"/>
+            <a:r>
+              <a:rPr lang="sv-SE" dirty="0">
                 <a:solidFill>
                   <a:srgbClr val="C00000"/>
                 </a:solidFill>
               </a:rPr>
-              <a:t>Efficiency and Power </a:t>
-            </a:r>
-            <a:r>
-              <a:rPr lang="en-US" dirty="0">
-                <a:solidFill>
-                  <a:srgbClr val="C00000"/>
-                </a:solidFill>
-              </a:rPr>
-              <a:t>D</a:t>
-            </a:r>
-            <a:r>
-              <a:rPr lang="en-US" dirty="0" smtClean="0">
-                <a:solidFill>
-                  <a:srgbClr val="C00000"/>
-                </a:solidFill>
-              </a:rPr>
-              <a:t>ensity </a:t>
-            </a:r>
-            <a:r>
-              <a:rPr lang="en-US" dirty="0">
-                <a:solidFill>
-                  <a:srgbClr val="C00000"/>
-                </a:solidFill>
-              </a:rPr>
-              <a:t>T</a:t>
-            </a:r>
-            <a:r>
-              <a:rPr lang="en-US" dirty="0" smtClean="0">
-                <a:solidFill>
-                  <a:srgbClr val="C00000"/>
-                </a:solidFill>
-              </a:rPr>
-              <a:t>argets</a:t>
-            </a:r>
-            <a:endParaRPr lang="sv-SE" dirty="0">
-              <a:solidFill>
-                <a:srgbClr val="C00000"/>
-              </a:solidFill>
-            </a:endParaRPr>
-          </a:p>
-        </p:txBody>
-      </p:sp>
-      <p:sp>
-        <p:nvSpPr>
-          <p:cNvPr id="3" name="Content Placeholder 2"/>
-          <p:cNvSpPr>
-            <a:spLocks noGrp="1"/>
-          </p:cNvSpPr>
+              <a:t>SPB</a:t>
+            </a:r>
+          </a:p>
+        </p:txBody>
+      </p:sp>
+      <p:pic>
+        <p:nvPicPr>
+          <p:cNvPr id="4" name="Content Placeholder 3"/>
+          <p:cNvPicPr>
+            <a:picLocks noGrp="1" noChangeAspect="1"/>
+          </p:cNvPicPr>
           <p:nvPr>
             <p:ph idx="1"/>
           </p:nvPr>
-        </p:nvSpPr>
-        <p:spPr/>
-        <p:txBody>
-          <a:bodyPr/>
+        </p:nvPicPr>
+        <p:blipFill rotWithShape="1">
+          <a:blip r:embed="rId2"/>
+          <a:srcRect l="20064" r="5668" b="10723"/>
+          <a:stretch/>
+        </p:blipFill>
+        <p:spPr>
+          <a:xfrm>
+            <a:off x="247650" y="2247920"/>
+            <a:ext cx="4959350" cy="2400300"/>
+          </a:xfrm>
+          <a:prstGeom prst="rect">
+            <a:avLst/>
+          </a:prstGeom>
+        </p:spPr>
+      </p:pic>
+      <p:sp>
+        <p:nvSpPr>
+          <p:cNvPr id="5" name="TextBox 4"/>
+          <p:cNvSpPr txBox="1"/>
+          <p:nvPr/>
+        </p:nvSpPr>
+        <p:spPr>
+          <a:xfrm>
+            <a:off x="5505450" y="1481138"/>
+            <a:ext cx="6280150" cy="6155531"/>
+          </a:xfrm>
+          <a:prstGeom prst="rect">
+            <a:avLst/>
+          </a:prstGeom>
+          <a:noFill/>
+        </p:spPr>
+        <p:txBody>
+          <a:bodyPr wrap="square" rtlCol="0">
+            <a:spAutoFit/>
+          </a:bodyPr>
           <a:lstStyle/>
           <a:p>
+            <a:pPr marL="342900" indent="-342900">
+              <a:buFont typeface="+mj-lt"/>
+              <a:buAutoNum type="arabicPeriod"/>
+            </a:pPr>
+            <a:r>
+              <a:rPr lang="en-US" sz="2200" dirty="0" smtClean="0"/>
+              <a:t>The  voltage ratings of the switches depends on the number </a:t>
+            </a:r>
+            <a:r>
+              <a:rPr lang="en-US" sz="2200" dirty="0"/>
+              <a:t>of series connected </a:t>
+            </a:r>
+            <a:r>
+              <a:rPr lang="en-US" sz="2200" dirty="0" smtClean="0"/>
+              <a:t>submodules.</a:t>
+            </a:r>
+          </a:p>
+          <a:p>
+            <a:pPr marL="342900" indent="-342900">
+              <a:buFont typeface="+mj-lt"/>
+              <a:buAutoNum type="arabicPeriod"/>
+            </a:pPr>
+            <a:r>
+              <a:rPr lang="en-US" sz="2200" dirty="0"/>
+              <a:t>C</a:t>
+            </a:r>
+            <a:r>
+              <a:rPr lang="en-US" sz="2200" dirty="0" smtClean="0"/>
+              <a:t>an drive multi-phase or multi-3-phase machines</a:t>
+            </a:r>
+          </a:p>
+          <a:p>
+            <a:pPr marL="342900" indent="-342900">
+              <a:buFont typeface="+mj-lt"/>
+              <a:buAutoNum type="arabicPeriod"/>
+            </a:pPr>
+            <a:r>
+              <a:rPr lang="en-US" sz="2200" dirty="0" smtClean="0"/>
+              <a:t>Reduces capacitor size </a:t>
+            </a:r>
+            <a:r>
+              <a:rPr lang="en-US" sz="2200" dirty="0"/>
+              <a:t>in submodules, allowing for high switching </a:t>
+            </a:r>
+            <a:r>
+              <a:rPr lang="en-US" sz="2200" dirty="0" smtClean="0"/>
+              <a:t>frequencies.</a:t>
+            </a:r>
+          </a:p>
+          <a:p>
+            <a:pPr marL="342900" indent="-342900">
+              <a:buFont typeface="+mj-lt"/>
+              <a:buAutoNum type="arabicPeriod"/>
+            </a:pPr>
+            <a:r>
+              <a:rPr lang="en-US" sz="2200" dirty="0" smtClean="0"/>
+              <a:t>Possesses </a:t>
+            </a:r>
+            <a:r>
+              <a:rPr lang="en-US" sz="2200" dirty="0"/>
+              <a:t>an inherent fault-tolerant capability.</a:t>
+            </a:r>
+            <a:endParaRPr lang="en-US" sz="2200" dirty="0" smtClean="0"/>
+          </a:p>
+          <a:p>
+            <a:pPr marL="342900" indent="-342900">
+              <a:buFont typeface="+mj-lt"/>
+              <a:buAutoNum type="arabicPeriod"/>
+            </a:pPr>
+            <a:r>
+              <a:rPr lang="en-US" sz="2200" dirty="0"/>
+              <a:t>I</a:t>
+            </a:r>
+            <a:r>
+              <a:rPr lang="en-US" sz="2200" dirty="0" smtClean="0"/>
+              <a:t>ntegration </a:t>
+            </a:r>
+            <a:r>
+              <a:rPr lang="en-US" sz="2200" dirty="0"/>
+              <a:t>and </a:t>
+            </a:r>
+            <a:r>
+              <a:rPr lang="en-US" sz="2200" dirty="0" smtClean="0"/>
+              <a:t>scalability</a:t>
+            </a:r>
+            <a:r>
+              <a:rPr lang="en-US" sz="2200" dirty="0"/>
+              <a:t> </a:t>
+            </a:r>
+          </a:p>
+          <a:p>
+            <a:pPr marL="342900" indent="-342900">
+              <a:buFont typeface="+mj-lt"/>
+              <a:buAutoNum type="arabicPeriod"/>
+            </a:pPr>
+            <a:endParaRPr lang="en-US" sz="2200" dirty="0"/>
+          </a:p>
+          <a:p>
+            <a:endParaRPr lang="en-US" sz="2200" dirty="0"/>
+          </a:p>
+          <a:p>
+            <a:pPr marL="342900" indent="-342900">
+              <a:buFont typeface="+mj-lt"/>
+              <a:buAutoNum type="arabicPeriod"/>
+            </a:pPr>
+            <a:r>
+              <a:rPr lang="en-US" sz="2200" dirty="0"/>
+              <a:t>Since the series connected submodules are sharing the dc </a:t>
+            </a:r>
+            <a:r>
+              <a:rPr lang="en-US" sz="2200" dirty="0" smtClean="0"/>
+              <a:t>voltage, submodule capacitor voltage </a:t>
+            </a:r>
+            <a:r>
+              <a:rPr lang="en-US" sz="2200" dirty="0"/>
+              <a:t>balance </a:t>
+            </a:r>
+            <a:r>
+              <a:rPr lang="en-US" sz="2200" dirty="0" smtClean="0"/>
+              <a:t>should be </a:t>
+            </a:r>
+            <a:r>
+              <a:rPr lang="en-US" sz="2200" dirty="0"/>
+              <a:t>maintained under both normal and fault conditions</a:t>
+            </a:r>
+            <a:r>
+              <a:rPr lang="en-US" sz="2200" dirty="0" smtClean="0"/>
+              <a:t>. </a:t>
+            </a:r>
+          </a:p>
+          <a:p>
+            <a:pPr marL="285750" indent="-285750">
+              <a:buFont typeface="Arial" panose="020B0604020202020204" pitchFamily="34" charset="0"/>
+              <a:buChar char="•"/>
+            </a:pPr>
+            <a:endParaRPr lang="en-US" dirty="0"/>
+          </a:p>
+          <a:p>
+            <a:pPr marL="285750" indent="-285750">
+              <a:buFont typeface="Arial" panose="020B0604020202020204" pitchFamily="34" charset="0"/>
+              <a:buChar char="•"/>
+            </a:pPr>
+            <a:endParaRPr lang="en-US" dirty="0" smtClean="0"/>
+          </a:p>
+          <a:p>
+            <a:pPr marL="285750" indent="-285750">
+              <a:buFont typeface="Arial" panose="020B0604020202020204" pitchFamily="34" charset="0"/>
+              <a:buChar char="•"/>
+            </a:pPr>
+            <a:endParaRPr lang="en-US" dirty="0"/>
+          </a:p>
+          <a:p>
+            <a:pPr marL="285750" indent="-285750">
+              <a:buFont typeface="Arial" panose="020B0604020202020204" pitchFamily="34" charset="0"/>
+              <a:buChar char="•"/>
+            </a:pPr>
+            <a:endParaRPr lang="en-US" dirty="0" smtClean="0"/>
+          </a:p>
+          <a:p>
+            <a:pPr marL="285750" indent="-285750">
+              <a:buFont typeface="Arial" panose="020B0604020202020204" pitchFamily="34" charset="0"/>
+              <a:buChar char="•"/>
+            </a:pPr>
+            <a:endParaRPr lang="en-US" dirty="0"/>
+          </a:p>
+          <a:p>
+            <a:pPr marL="285750" indent="-285750">
+              <a:buFont typeface="Arial" panose="020B0604020202020204" pitchFamily="34" charset="0"/>
+              <a:buChar char="•"/>
+            </a:pPr>
             <a:endParaRPr lang="sv-SE" dirty="0"/>
           </a:p>
         </p:txBody>
@@ -5649,7 +6086,7 @@
     </p:spTree>
     <p:extLst>
       <p:ext uri="{BB962C8B-B14F-4D97-AF65-F5344CB8AC3E}">
-        <p14:creationId xmlns:p14="http://schemas.microsoft.com/office/powerpoint/2010/main" val="4062049576"/>
+        <p14:creationId xmlns:p14="http://schemas.microsoft.com/office/powerpoint/2010/main" val="2912227968"/>
       </p:ext>
     </p:extLst>
   </p:cSld>

--- a/Weekly-Reports/InverterDesignConsideration.pptx
+++ b/Weekly-Reports/InverterDesignConsideration.pptx
@@ -5,20 +5,31 @@
     <p:sldMasterId id="2147483648" r:id="rId1"/>
   </p:sldMasterIdLst>
   <p:notesMasterIdLst>
-    <p:notesMasterId r:id="rId13"/>
+    <p:notesMasterId r:id="rId24"/>
   </p:notesMasterIdLst>
   <p:sldIdLst>
     <p:sldId id="256" r:id="rId2"/>
     <p:sldId id="274" r:id="rId3"/>
-    <p:sldId id="275" r:id="rId4"/>
-    <p:sldId id="282" r:id="rId5"/>
-    <p:sldId id="280" r:id="rId6"/>
-    <p:sldId id="276" r:id="rId7"/>
-    <p:sldId id="277" r:id="rId8"/>
-    <p:sldId id="278" r:id="rId9"/>
-    <p:sldId id="283" r:id="rId10"/>
-    <p:sldId id="279" r:id="rId11"/>
-    <p:sldId id="261" r:id="rId12"/>
+    <p:sldId id="292" r:id="rId4"/>
+    <p:sldId id="275" r:id="rId5"/>
+    <p:sldId id="282" r:id="rId6"/>
+    <p:sldId id="280" r:id="rId7"/>
+    <p:sldId id="276" r:id="rId8"/>
+    <p:sldId id="277" r:id="rId9"/>
+    <p:sldId id="278" r:id="rId10"/>
+    <p:sldId id="283" r:id="rId11"/>
+    <p:sldId id="287" r:id="rId12"/>
+    <p:sldId id="288" r:id="rId13"/>
+    <p:sldId id="289" r:id="rId14"/>
+    <p:sldId id="279" r:id="rId15"/>
+    <p:sldId id="290" r:id="rId16"/>
+    <p:sldId id="285" r:id="rId17"/>
+    <p:sldId id="293" r:id="rId18"/>
+    <p:sldId id="294" r:id="rId19"/>
+    <p:sldId id="295" r:id="rId20"/>
+    <p:sldId id="296" r:id="rId21"/>
+    <p:sldId id="261" r:id="rId22"/>
+    <p:sldId id="291" r:id="rId23"/>
   </p:sldIdLst>
   <p:sldSz cx="12192000" cy="6858000"/>
   <p:notesSz cx="6858000" cy="9144000"/>
@@ -124,6 +135,7 @@
           <p14:sldIdLst>
             <p14:sldId id="256"/>
             <p14:sldId id="274"/>
+            <p14:sldId id="292"/>
             <p14:sldId id="275"/>
             <p14:sldId id="282"/>
             <p14:sldId id="280"/>
@@ -131,8 +143,18 @@
             <p14:sldId id="277"/>
             <p14:sldId id="278"/>
             <p14:sldId id="283"/>
+            <p14:sldId id="287"/>
+            <p14:sldId id="288"/>
+            <p14:sldId id="289"/>
             <p14:sldId id="279"/>
+            <p14:sldId id="290"/>
+            <p14:sldId id="285"/>
+            <p14:sldId id="293"/>
+            <p14:sldId id="294"/>
+            <p14:sldId id="295"/>
+            <p14:sldId id="296"/>
             <p14:sldId id="261"/>
+            <p14:sldId id="291"/>
           </p14:sldIdLst>
         </p14:section>
       </p14:sectionLst>
@@ -226,7 +248,7 @@
           <a:p>
             <a:fld id="{F4F1A71A-9BFD-4E2F-8CB1-3FF418E5A8DE}" type="datetimeFigureOut">
               <a:rPr lang="sv-SE" smtClean="0"/>
-              <a:t>2023-05-31</a:t>
+              <a:t>2023-06-02</a:t>
             </a:fld>
             <a:endParaRPr lang="sv-SE"/>
           </a:p>
@@ -625,7 +647,7 @@
           <a:p>
             <a:fld id="{F1EF6EBA-2446-4F83-BF27-4368AC2AD5AA}" type="datetimeFigureOut">
               <a:rPr lang="sv-SE" smtClean="0"/>
-              <a:t>2023-05-31</a:t>
+              <a:t>2023-06-02</a:t>
             </a:fld>
             <a:endParaRPr lang="sv-SE"/>
           </a:p>
@@ -795,7 +817,7 @@
           <a:p>
             <a:fld id="{F1EF6EBA-2446-4F83-BF27-4368AC2AD5AA}" type="datetimeFigureOut">
               <a:rPr lang="sv-SE" smtClean="0"/>
-              <a:t>2023-05-31</a:t>
+              <a:t>2023-06-02</a:t>
             </a:fld>
             <a:endParaRPr lang="sv-SE"/>
           </a:p>
@@ -975,7 +997,7 @@
           <a:p>
             <a:fld id="{F1EF6EBA-2446-4F83-BF27-4368AC2AD5AA}" type="datetimeFigureOut">
               <a:rPr lang="sv-SE" smtClean="0"/>
-              <a:t>2023-05-31</a:t>
+              <a:t>2023-06-02</a:t>
             </a:fld>
             <a:endParaRPr lang="sv-SE"/>
           </a:p>
@@ -1145,7 +1167,7 @@
           <a:p>
             <a:fld id="{F1EF6EBA-2446-4F83-BF27-4368AC2AD5AA}" type="datetimeFigureOut">
               <a:rPr lang="sv-SE" smtClean="0"/>
-              <a:t>2023-05-31</a:t>
+              <a:t>2023-06-02</a:t>
             </a:fld>
             <a:endParaRPr lang="sv-SE"/>
           </a:p>
@@ -1391,7 +1413,7 @@
           <a:p>
             <a:fld id="{F1EF6EBA-2446-4F83-BF27-4368AC2AD5AA}" type="datetimeFigureOut">
               <a:rPr lang="sv-SE" smtClean="0"/>
-              <a:t>2023-05-31</a:t>
+              <a:t>2023-06-02</a:t>
             </a:fld>
             <a:endParaRPr lang="sv-SE"/>
           </a:p>
@@ -1623,7 +1645,7 @@
           <a:p>
             <a:fld id="{F1EF6EBA-2446-4F83-BF27-4368AC2AD5AA}" type="datetimeFigureOut">
               <a:rPr lang="sv-SE" smtClean="0"/>
-              <a:t>2023-05-31</a:t>
+              <a:t>2023-06-02</a:t>
             </a:fld>
             <a:endParaRPr lang="sv-SE"/>
           </a:p>
@@ -1990,7 +2012,7 @@
           <a:p>
             <a:fld id="{F1EF6EBA-2446-4F83-BF27-4368AC2AD5AA}" type="datetimeFigureOut">
               <a:rPr lang="sv-SE" smtClean="0"/>
-              <a:t>2023-05-31</a:t>
+              <a:t>2023-06-02</a:t>
             </a:fld>
             <a:endParaRPr lang="sv-SE"/>
           </a:p>
@@ -2108,7 +2130,7 @@
           <a:p>
             <a:fld id="{F1EF6EBA-2446-4F83-BF27-4368AC2AD5AA}" type="datetimeFigureOut">
               <a:rPr lang="sv-SE" smtClean="0"/>
-              <a:t>2023-05-31</a:t>
+              <a:t>2023-06-02</a:t>
             </a:fld>
             <a:endParaRPr lang="sv-SE"/>
           </a:p>
@@ -2203,7 +2225,7 @@
           <a:p>
             <a:fld id="{F1EF6EBA-2446-4F83-BF27-4368AC2AD5AA}" type="datetimeFigureOut">
               <a:rPr lang="sv-SE" smtClean="0"/>
-              <a:t>2023-05-31</a:t>
+              <a:t>2023-06-02</a:t>
             </a:fld>
             <a:endParaRPr lang="sv-SE"/>
           </a:p>
@@ -2480,7 +2502,7 @@
           <a:p>
             <a:fld id="{F1EF6EBA-2446-4F83-BF27-4368AC2AD5AA}" type="datetimeFigureOut">
               <a:rPr lang="sv-SE" smtClean="0"/>
-              <a:t>2023-05-31</a:t>
+              <a:t>2023-06-02</a:t>
             </a:fld>
             <a:endParaRPr lang="sv-SE"/>
           </a:p>
@@ -2733,7 +2755,7 @@
           <a:p>
             <a:fld id="{F1EF6EBA-2446-4F83-BF27-4368AC2AD5AA}" type="datetimeFigureOut">
               <a:rPr lang="sv-SE" smtClean="0"/>
-              <a:t>2023-05-31</a:t>
+              <a:t>2023-06-02</a:t>
             </a:fld>
             <a:endParaRPr lang="sv-SE"/>
           </a:p>
@@ -2946,7 +2968,7 @@
           <a:p>
             <a:fld id="{F1EF6EBA-2446-4F83-BF27-4368AC2AD5AA}" type="datetimeFigureOut">
               <a:rPr lang="sv-SE" smtClean="0"/>
-              <a:t>2023-05-31</a:t>
+              <a:t>2023-06-02</a:t>
             </a:fld>
             <a:endParaRPr lang="sv-SE"/>
           </a:p>
@@ -3371,7 +3393,7 @@
             </p:spPr>
             <p:txBody>
               <a:bodyPr>
-                <a:normAutofit/>
+                <a:normAutofit fontScale="90000"/>
               </a:bodyPr>
               <a:lstStyle/>
               <a:p>
@@ -3402,7 +3424,22 @@
                       <a:srgbClr val="C00000"/>
                     </a:solidFill>
                   </a:rPr>
-                  <a:t> Traction Inverter Consideration</a:t>
+                  <a:t> Traction Inverter</a:t>
+                </a:r>
+                <a:br>
+                  <a:rPr lang="en-US" dirty="0" smtClean="0">
+                    <a:solidFill>
+                      <a:srgbClr val="C00000"/>
+                    </a:solidFill>
+                  </a:rPr>
+                </a:br>
+                <a:r>
+                  <a:rPr lang="en-US" dirty="0" smtClean="0">
+                    <a:solidFill>
+                      <a:srgbClr val="C00000"/>
+                    </a:solidFill>
+                  </a:rPr>
+                  <a:t>System Level Design  Consideration</a:t>
                 </a:r>
                 <a:endParaRPr lang="sv-SE" dirty="0">
                   <a:solidFill>
@@ -3432,7 +3469,7 @@
               <a:blipFill>
                 <a:blip r:embed="rId2"/>
                 <a:stretch>
-                  <a:fillRect b="-17391"/>
+                  <a:fillRect t="-7417" b="-15857"/>
                 </a:stretch>
               </a:blipFill>
             </p:spPr>
@@ -3468,7 +3505,9 @@
           </a:xfrm>
         </p:spPr>
         <p:txBody>
-          <a:bodyPr/>
+          <a:bodyPr>
+            <a:normAutofit fontScale="92500" lnSpcReduction="20000"/>
+          </a:bodyPr>
           <a:lstStyle/>
           <a:p>
             <a:r>
@@ -3479,6 +3518,43 @@
               </a:rPr>
               <a:t>Enes Ayaz</a:t>
             </a:r>
+          </a:p>
+          <a:p>
+            <a:r>
+              <a:rPr lang="en-US" dirty="0" smtClean="0">
+                <a:solidFill>
+                  <a:srgbClr val="002060"/>
+                </a:solidFill>
+              </a:rPr>
+              <a:t>First Draft : 2023.06.01</a:t>
+            </a:r>
+          </a:p>
+          <a:p>
+            <a:r>
+              <a:rPr lang="en-US" dirty="0" smtClean="0">
+                <a:solidFill>
+                  <a:srgbClr val="002060"/>
+                </a:solidFill>
+              </a:rPr>
+              <a:t>It will be expanded with details. Also, </a:t>
+            </a:r>
+            <a:r>
+              <a:rPr lang="en-US" dirty="0">
+                <a:solidFill>
+                  <a:srgbClr val="002060"/>
+                </a:solidFill>
+              </a:rPr>
+              <a:t>analytical calculations and simulations will be created to compare several options considering both the system and subsystem level</a:t>
+            </a:r>
+            <a:r>
+              <a:rPr lang="en-US" dirty="0"/>
+              <a:t>.</a:t>
+            </a:r>
+            <a:endParaRPr lang="en-US" dirty="0" smtClean="0">
+              <a:solidFill>
+                <a:srgbClr val="002060"/>
+              </a:solidFill>
+            </a:endParaRPr>
           </a:p>
         </p:txBody>
       </p:sp>
@@ -3522,50 +3598,24 @@
             <p:ph type="title"/>
           </p:nvPr>
         </p:nvSpPr>
-        <p:spPr/>
+        <p:spPr>
+          <a:xfrm>
+            <a:off x="863600" y="155575"/>
+            <a:ext cx="10515600" cy="1325563"/>
+          </a:xfrm>
+        </p:spPr>
         <p:txBody>
           <a:bodyPr/>
           <a:lstStyle/>
           <a:p>
-            <a:r>
-              <a:rPr lang="en-US" dirty="0" smtClean="0">
+            <a:pPr algn="ctr"/>
+            <a:r>
+              <a:rPr lang="sv-SE" dirty="0" smtClean="0">
                 <a:solidFill>
                   <a:srgbClr val="C00000"/>
                 </a:solidFill>
               </a:rPr>
-              <a:t>Efficiency and Power </a:t>
-            </a:r>
-            <a:r>
-              <a:rPr lang="en-US" dirty="0">
-                <a:solidFill>
-                  <a:srgbClr val="C00000"/>
-                </a:solidFill>
-              </a:rPr>
-              <a:t>D</a:t>
-            </a:r>
-            <a:r>
-              <a:rPr lang="en-US" dirty="0" smtClean="0">
-                <a:solidFill>
-                  <a:srgbClr val="C00000"/>
-                </a:solidFill>
-              </a:rPr>
-              <a:t>ensity </a:t>
-            </a:r>
-            <a:r>
-              <a:rPr lang="en-US" dirty="0">
-                <a:solidFill>
-                  <a:srgbClr val="C00000"/>
-                </a:solidFill>
-              </a:rPr>
-              <a:t>T</a:t>
-            </a:r>
-            <a:r>
-              <a:rPr lang="en-US" dirty="0" smtClean="0">
-                <a:solidFill>
-                  <a:srgbClr val="C00000"/>
-                </a:solidFill>
-              </a:rPr>
-              <a:t>argets</a:t>
+              <a:t>SPB [5]</a:t>
             </a:r>
             <a:endParaRPr lang="sv-SE" dirty="0">
               <a:solidFill>
@@ -3575,21 +3625,223 @@
           </a:p>
         </p:txBody>
       </p:sp>
-      <p:sp>
-        <p:nvSpPr>
-          <p:cNvPr id="3" name="Content Placeholder 2"/>
-          <p:cNvSpPr>
-            <a:spLocks noGrp="1"/>
-          </p:cNvSpPr>
+      <p:pic>
+        <p:nvPicPr>
+          <p:cNvPr id="4" name="Content Placeholder 3"/>
+          <p:cNvPicPr>
+            <a:picLocks noGrp="1" noChangeAspect="1"/>
+          </p:cNvPicPr>
           <p:nvPr>
             <p:ph idx="1"/>
           </p:nvPr>
-        </p:nvSpPr>
-        <p:spPr/>
-        <p:txBody>
-          <a:bodyPr/>
+        </p:nvPicPr>
+        <p:blipFill rotWithShape="1">
+          <a:blip r:embed="rId2"/>
+          <a:srcRect l="20064" r="5668" b="10723"/>
+          <a:stretch/>
+        </p:blipFill>
+        <p:spPr>
+          <a:xfrm>
+            <a:off x="247650" y="2247920"/>
+            <a:ext cx="4959350" cy="2400300"/>
+          </a:xfrm>
+          <a:prstGeom prst="rect">
+            <a:avLst/>
+          </a:prstGeom>
+        </p:spPr>
+      </p:pic>
+      <p:sp>
+        <p:nvSpPr>
+          <p:cNvPr id="5" name="TextBox 4"/>
+          <p:cNvSpPr txBox="1"/>
+          <p:nvPr/>
+        </p:nvSpPr>
+        <p:spPr>
+          <a:xfrm>
+            <a:off x="5505450" y="1481138"/>
+            <a:ext cx="6280150" cy="6155531"/>
+          </a:xfrm>
+          <a:prstGeom prst="rect">
+            <a:avLst/>
+          </a:prstGeom>
+          <a:noFill/>
+        </p:spPr>
+        <p:txBody>
+          <a:bodyPr wrap="square" rtlCol="0">
+            <a:spAutoFit/>
+          </a:bodyPr>
           <a:lstStyle/>
           <a:p>
+            <a:pPr marL="342900" indent="-342900">
+              <a:buFont typeface="+mj-lt"/>
+              <a:buAutoNum type="arabicPeriod"/>
+            </a:pPr>
+            <a:r>
+              <a:rPr lang="en-US" sz="2200" dirty="0" smtClean="0"/>
+              <a:t>The  voltage ratings of the switches depends on the number </a:t>
+            </a:r>
+            <a:r>
+              <a:rPr lang="en-US" sz="2200" dirty="0"/>
+              <a:t>of series connected </a:t>
+            </a:r>
+            <a:r>
+              <a:rPr lang="en-US" sz="2200" dirty="0" smtClean="0"/>
+              <a:t>submodules.</a:t>
+            </a:r>
+          </a:p>
+          <a:p>
+            <a:pPr marL="342900" indent="-342900">
+              <a:buFont typeface="+mj-lt"/>
+              <a:buAutoNum type="arabicPeriod"/>
+            </a:pPr>
+            <a:r>
+              <a:rPr lang="en-US" sz="2200" dirty="0"/>
+              <a:t>C</a:t>
+            </a:r>
+            <a:r>
+              <a:rPr lang="en-US" sz="2200" dirty="0" smtClean="0"/>
+              <a:t>an drive multi-phase or multi-3-phase machines</a:t>
+            </a:r>
+          </a:p>
+          <a:p>
+            <a:pPr marL="342900" indent="-342900">
+              <a:buFont typeface="+mj-lt"/>
+              <a:buAutoNum type="arabicPeriod"/>
+            </a:pPr>
+            <a:r>
+              <a:rPr lang="en-US" sz="2200" dirty="0" smtClean="0"/>
+              <a:t>Reduces capacitor size </a:t>
+            </a:r>
+            <a:r>
+              <a:rPr lang="en-US" sz="2200" dirty="0"/>
+              <a:t>in submodules, allowing for high switching </a:t>
+            </a:r>
+            <a:r>
+              <a:rPr lang="en-US" sz="2200" dirty="0" smtClean="0"/>
+              <a:t>frequencies.</a:t>
+            </a:r>
+          </a:p>
+          <a:p>
+            <a:pPr marL="342900" indent="-342900">
+              <a:buFont typeface="+mj-lt"/>
+              <a:buAutoNum type="arabicPeriod"/>
+            </a:pPr>
+            <a:r>
+              <a:rPr lang="en-US" sz="2200" dirty="0" smtClean="0"/>
+              <a:t>Possesses </a:t>
+            </a:r>
+            <a:r>
+              <a:rPr lang="en-US" sz="2200" dirty="0"/>
+              <a:t>an inherent fault-tolerant capability.</a:t>
+            </a:r>
+            <a:endParaRPr lang="en-US" sz="2200" dirty="0" smtClean="0"/>
+          </a:p>
+          <a:p>
+            <a:pPr marL="342900" indent="-342900">
+              <a:buFont typeface="+mj-lt"/>
+              <a:buAutoNum type="arabicPeriod"/>
+            </a:pPr>
+            <a:r>
+              <a:rPr lang="en-US" sz="2200" dirty="0"/>
+              <a:t>I</a:t>
+            </a:r>
+            <a:r>
+              <a:rPr lang="en-US" sz="2200" dirty="0" smtClean="0"/>
+              <a:t>ntegration </a:t>
+            </a:r>
+            <a:r>
+              <a:rPr lang="en-US" sz="2200" dirty="0"/>
+              <a:t>and </a:t>
+            </a:r>
+            <a:r>
+              <a:rPr lang="en-US" sz="2200" dirty="0" smtClean="0"/>
+              <a:t>scalability</a:t>
+            </a:r>
+            <a:r>
+              <a:rPr lang="en-US" sz="2200" dirty="0"/>
+              <a:t> </a:t>
+            </a:r>
+          </a:p>
+          <a:p>
+            <a:pPr marL="342900" indent="-342900">
+              <a:buFont typeface="+mj-lt"/>
+              <a:buAutoNum type="arabicPeriod"/>
+            </a:pPr>
+            <a:endParaRPr lang="en-US" sz="2200" dirty="0"/>
+          </a:p>
+          <a:p>
+            <a:endParaRPr lang="en-US" sz="2200" dirty="0"/>
+          </a:p>
+          <a:p>
+            <a:pPr marL="342900" indent="-342900">
+              <a:buFont typeface="+mj-lt"/>
+              <a:buAutoNum type="arabicPeriod"/>
+            </a:pPr>
+            <a:r>
+              <a:rPr lang="en-US" sz="2200" dirty="0"/>
+              <a:t>Since the series connected submodules are sharing the dc </a:t>
+            </a:r>
+            <a:r>
+              <a:rPr lang="en-US" sz="2200" dirty="0" smtClean="0"/>
+              <a:t>voltage, submodule capacitor voltage </a:t>
+            </a:r>
+            <a:r>
+              <a:rPr lang="en-US" sz="2200" dirty="0"/>
+              <a:t>balance </a:t>
+            </a:r>
+            <a:r>
+              <a:rPr lang="en-US" sz="2200" dirty="0" smtClean="0"/>
+              <a:t>should be </a:t>
+            </a:r>
+            <a:r>
+              <a:rPr lang="en-US" sz="2200" dirty="0"/>
+              <a:t>maintained under both normal and fault conditions</a:t>
+            </a:r>
+            <a:r>
+              <a:rPr lang="en-US" sz="2200" dirty="0" smtClean="0"/>
+              <a:t>. </a:t>
+            </a:r>
+          </a:p>
+          <a:p>
+            <a:pPr marL="285750" indent="-285750">
+              <a:buFont typeface="Arial" panose="020B0604020202020204" pitchFamily="34" charset="0"/>
+              <a:buChar char="•"/>
+            </a:pPr>
+            <a:endParaRPr lang="en-US" dirty="0"/>
+          </a:p>
+          <a:p>
+            <a:pPr marL="285750" indent="-285750">
+              <a:buFont typeface="Arial" panose="020B0604020202020204" pitchFamily="34" charset="0"/>
+              <a:buChar char="•"/>
+            </a:pPr>
+            <a:endParaRPr lang="en-US" dirty="0" smtClean="0"/>
+          </a:p>
+          <a:p>
+            <a:pPr marL="285750" indent="-285750">
+              <a:buFont typeface="Arial" panose="020B0604020202020204" pitchFamily="34" charset="0"/>
+              <a:buChar char="•"/>
+            </a:pPr>
+            <a:endParaRPr lang="en-US" dirty="0"/>
+          </a:p>
+          <a:p>
+            <a:pPr marL="285750" indent="-285750">
+              <a:buFont typeface="Arial" panose="020B0604020202020204" pitchFamily="34" charset="0"/>
+              <a:buChar char="•"/>
+            </a:pPr>
+            <a:endParaRPr lang="en-US" dirty="0" smtClean="0"/>
+          </a:p>
+          <a:p>
+            <a:pPr marL="285750" indent="-285750">
+              <a:buFont typeface="Arial" panose="020B0604020202020204" pitchFamily="34" charset="0"/>
+              <a:buChar char="•"/>
+            </a:pPr>
+            <a:endParaRPr lang="en-US" dirty="0"/>
+          </a:p>
+          <a:p>
+            <a:pPr marL="285750" indent="-285750">
+              <a:buFont typeface="Arial" panose="020B0604020202020204" pitchFamily="34" charset="0"/>
+              <a:buChar char="•"/>
+            </a:pPr>
             <a:endParaRPr lang="sv-SE" dirty="0"/>
           </a:p>
         </p:txBody>
@@ -3597,7 +3849,7 @@
     </p:spTree>
     <p:extLst>
       <p:ext uri="{BB962C8B-B14F-4D97-AF65-F5344CB8AC3E}">
-        <p14:creationId xmlns:p14="http://schemas.microsoft.com/office/powerpoint/2010/main" val="4062049576"/>
+        <p14:creationId xmlns:p14="http://schemas.microsoft.com/office/powerpoint/2010/main" val="2912227968"/>
       </p:ext>
     </p:extLst>
   </p:cSld>
@@ -3634,18 +3886,31 @@
             <p:ph type="title"/>
           </p:nvPr>
         </p:nvSpPr>
-        <p:spPr/>
+        <p:spPr>
+          <a:xfrm>
+            <a:off x="726281" y="144094"/>
+            <a:ext cx="11037094" cy="1325563"/>
+          </a:xfrm>
+        </p:spPr>
         <p:txBody>
           <a:bodyPr/>
           <a:lstStyle/>
           <a:p>
+            <a:r>
+              <a:rPr lang="en-US" dirty="0">
+                <a:solidFill>
+                  <a:srgbClr val="C00000"/>
+                </a:solidFill>
+              </a:rPr>
+              <a:t>Thermal </a:t>
+            </a:r>
             <a:r>
               <a:rPr lang="en-US" dirty="0" smtClean="0">
                 <a:solidFill>
                   <a:srgbClr val="C00000"/>
                 </a:solidFill>
               </a:rPr>
-              <a:t>References</a:t>
+              <a:t>Management [6,7]</a:t>
             </a:r>
             <a:endParaRPr lang="sv-SE" dirty="0">
               <a:solidFill>
@@ -3665,93 +3930,2460 @@
             <p:ph idx="1"/>
           </p:nvPr>
         </p:nvSpPr>
-        <p:spPr/>
+        <p:spPr>
+          <a:xfrm>
+            <a:off x="838200" y="1400175"/>
+            <a:ext cx="10515600" cy="4819650"/>
+          </a:xfrm>
+        </p:spPr>
         <p:txBody>
           <a:bodyPr>
-            <a:normAutofit fontScale="92500"/>
+            <a:normAutofit/>
           </a:bodyPr>
           <a:lstStyle/>
           <a:p>
             <a:r>
-              <a:rPr lang="en-US" dirty="0" smtClean="0"/>
-              <a:t>[1</a:t>
-            </a:r>
-            <a:r>
-              <a:rPr lang="en-US" dirty="0"/>
-              <a:t>] A Compact 250 kW Silicon Carbide MOSFET based Three-Level Traction Inverter for Heavy Equipment </a:t>
-            </a:r>
-            <a:r>
-              <a:rPr lang="en-US" dirty="0" smtClean="0"/>
-              <a:t>Applications</a:t>
-            </a:r>
-          </a:p>
-          <a:p>
-            <a:r>
-              <a:rPr lang="en-US" dirty="0"/>
-              <a:t>[2] Design and Validation of A 250-kW All-Silicon Carbide High-Density Three-Level T-Type </a:t>
-            </a:r>
-            <a:r>
-              <a:rPr lang="en-US" dirty="0" smtClean="0"/>
-              <a:t>Inverter</a:t>
-            </a:r>
-          </a:p>
-          <a:p>
-            <a:r>
-              <a:rPr lang="en-US" dirty="0"/>
-              <a:t>[3] Comparative Study of Conducted Common-Mode EMI in WBG-Enabled DC-Fed Three-Phase Current-Source </a:t>
-            </a:r>
-            <a:r>
-              <a:rPr lang="en-US" dirty="0" smtClean="0"/>
-              <a:t>Inverter</a:t>
-            </a:r>
-          </a:p>
-          <a:p>
-            <a:r>
-              <a:rPr lang="en-US" dirty="0" smtClean="0"/>
-              <a:t>[4] </a:t>
-            </a:r>
-            <a:r>
-              <a:rPr lang="en-US" dirty="0"/>
-              <a:t>Design of High Power Density 100 kW Surface Permanent Magnet Machine with No Heavy Rare Earth Material Using Current Source Inverter for Traction </a:t>
-            </a:r>
-            <a:r>
-              <a:rPr lang="en-US" dirty="0" smtClean="0"/>
-              <a:t>Application</a:t>
-            </a:r>
-          </a:p>
-          <a:p>
-            <a:r>
-              <a:rPr lang="en-US" dirty="0" smtClean="0"/>
-              <a:t>[5] </a:t>
-            </a:r>
-            <a:r>
-              <a:rPr lang="en-US" dirty="0"/>
-              <a:t>Modulation and Power Losses of a </a:t>
-            </a:r>
-            <a:r>
-              <a:rPr lang="en-US" dirty="0" smtClean="0"/>
-              <a:t>Stacked </a:t>
-            </a:r>
-            <a:r>
-              <a:rPr lang="en-US" dirty="0" err="1" smtClean="0"/>
-              <a:t>Polyphase</a:t>
-            </a:r>
-            <a:r>
-              <a:rPr lang="en-US" dirty="0" smtClean="0"/>
+              <a:rPr lang="en-US" sz="2000" dirty="0" smtClean="0"/>
+              <a:t>The </a:t>
+            </a:r>
+            <a:r>
+              <a:rPr lang="en-US" sz="2000" dirty="0"/>
+              <a:t>size of the </a:t>
+            </a:r>
+            <a:r>
+              <a:rPr lang="en-US" sz="2000" dirty="0" err="1"/>
+              <a:t>SiC</a:t>
+            </a:r>
+            <a:r>
+              <a:rPr lang="en-US" sz="2000" dirty="0"/>
+              <a:t> device is smaller than the Si counterpart, and its power loss caused by high switching frequency makes it a </a:t>
+            </a:r>
+            <a:r>
+              <a:rPr lang="en-US" sz="2000" b="1" dirty="0"/>
+              <a:t>high-heat-flux</a:t>
+            </a:r>
+            <a:r>
+              <a:rPr lang="en-US" sz="2000" dirty="0"/>
               <a:t> </a:t>
             </a:r>
             <a:r>
-              <a:rPr lang="en-US" dirty="0"/>
-              <a:t>Bridge Converter</a:t>
-            </a:r>
-            <a:endParaRPr lang="en-US" dirty="0" smtClean="0"/>
-          </a:p>
-        </p:txBody>
-      </p:sp>
+              <a:rPr lang="en-US" sz="2000" dirty="0" smtClean="0"/>
+              <a:t>scenario</a:t>
+            </a:r>
+            <a:r>
+              <a:rPr lang="en-US" sz="2000" dirty="0"/>
+              <a:t>. </a:t>
+            </a:r>
+            <a:endParaRPr lang="en-US" sz="2000" dirty="0" smtClean="0"/>
+          </a:p>
+          <a:p>
+            <a:r>
+              <a:rPr lang="en-US" sz="2000" dirty="0" smtClean="0"/>
+              <a:t>Overheating </a:t>
+            </a:r>
+            <a:r>
+              <a:rPr lang="en-US" sz="2000" dirty="0"/>
+              <a:t>is typically a main cause that can lead to device </a:t>
+            </a:r>
+            <a:r>
+              <a:rPr lang="en-US" sz="2000" b="1" dirty="0"/>
+              <a:t>failure</a:t>
+            </a:r>
+            <a:r>
+              <a:rPr lang="en-US" sz="2000" dirty="0"/>
+              <a:t>, system malfunction, or even the vehicle break down</a:t>
+            </a:r>
+            <a:r>
+              <a:rPr lang="en-US" sz="2000" dirty="0" smtClean="0"/>
+              <a:t>.</a:t>
+            </a:r>
+          </a:p>
+          <a:p>
+            <a:r>
+              <a:rPr lang="en-US" sz="2000" dirty="0" smtClean="0"/>
+              <a:t>Especially </a:t>
+            </a:r>
+            <a:r>
+              <a:rPr lang="en-US" sz="2000" dirty="0"/>
+              <a:t>when modern automotive industry continuously drives for higher system performance and smaller packing size, proper thermal management is critically required to achieve </a:t>
+            </a:r>
+            <a:r>
+              <a:rPr lang="en-US" sz="2000" b="1" dirty="0"/>
+              <a:t>better heat dissipation</a:t>
+            </a:r>
+            <a:r>
+              <a:rPr lang="en-US" sz="2000" dirty="0"/>
+              <a:t>, </a:t>
+            </a:r>
+            <a:r>
+              <a:rPr lang="en-US" sz="2000" b="1" dirty="0"/>
+              <a:t>avoid local heat concentration</a:t>
+            </a:r>
+            <a:r>
+              <a:rPr lang="en-US" sz="2000" dirty="0"/>
+              <a:t>, </a:t>
+            </a:r>
+            <a:r>
+              <a:rPr lang="en-US" sz="2000" b="1" dirty="0"/>
+              <a:t>improve reliability</a:t>
+            </a:r>
+            <a:r>
+              <a:rPr lang="en-US" sz="2000" dirty="0"/>
+              <a:t>, and </a:t>
+            </a:r>
+            <a:r>
+              <a:rPr lang="en-US" sz="2000" b="1" dirty="0"/>
+              <a:t>reduce packaging size</a:t>
+            </a:r>
+            <a:r>
+              <a:rPr lang="en-US" sz="2000" dirty="0" smtClean="0"/>
+              <a:t>.</a:t>
+            </a:r>
+          </a:p>
+          <a:p>
+            <a:endParaRPr lang="en-US" sz="2000" dirty="0"/>
+          </a:p>
+        </p:txBody>
+      </p:sp>
+      <p:pic>
+        <p:nvPicPr>
+          <p:cNvPr id="7" name="Picture 6"/>
+          <p:cNvPicPr>
+            <a:picLocks noChangeAspect="1"/>
+          </p:cNvPicPr>
+          <p:nvPr/>
+        </p:nvPicPr>
+        <p:blipFill>
+          <a:blip r:embed="rId2"/>
+          <a:stretch>
+            <a:fillRect/>
+          </a:stretch>
+        </p:blipFill>
+        <p:spPr>
+          <a:xfrm>
+            <a:off x="1803320" y="3939401"/>
+            <a:ext cx="3914775" cy="2503509"/>
+          </a:xfrm>
+          <a:prstGeom prst="rect">
+            <a:avLst/>
+          </a:prstGeom>
+        </p:spPr>
+      </p:pic>
+      <p:pic>
+        <p:nvPicPr>
+          <p:cNvPr id="9" name="Picture 8"/>
+          <p:cNvPicPr>
+            <a:picLocks noChangeAspect="1"/>
+          </p:cNvPicPr>
+          <p:nvPr/>
+        </p:nvPicPr>
+        <p:blipFill>
+          <a:blip r:embed="rId3"/>
+          <a:stretch>
+            <a:fillRect/>
+          </a:stretch>
+        </p:blipFill>
+        <p:spPr>
+          <a:xfrm>
+            <a:off x="6454140" y="3739924"/>
+            <a:ext cx="3771900" cy="2902461"/>
+          </a:xfrm>
+          <a:prstGeom prst="rect">
+            <a:avLst/>
+          </a:prstGeom>
+        </p:spPr>
+      </p:pic>
     </p:spTree>
     <p:extLst>
       <p:ext uri="{BB962C8B-B14F-4D97-AF65-F5344CB8AC3E}">
-        <p14:creationId xmlns:p14="http://schemas.microsoft.com/office/powerpoint/2010/main" val="3359806929"/>
+        <p14:creationId xmlns:p14="http://schemas.microsoft.com/office/powerpoint/2010/main" val="479104915"/>
+      </p:ext>
+    </p:extLst>
+  </p:cSld>
+  <p:clrMapOvr>
+    <a:masterClrMapping/>
+  </p:clrMapOvr>
+</p:sld>
+</file>
+
+<file path=ppt/slides/slide12.xml><?xml version="1.0" encoding="utf-8"?>
+<p:sld xmlns:a="http://schemas.openxmlformats.org/drawingml/2006/main" xmlns:r="http://schemas.openxmlformats.org/officeDocument/2006/relationships" xmlns:p="http://schemas.openxmlformats.org/presentationml/2006/main">
+  <p:cSld>
+    <p:spTree>
+      <p:nvGrpSpPr>
+        <p:cNvPr id="1" name=""/>
+        <p:cNvGrpSpPr/>
+        <p:nvPr/>
+      </p:nvGrpSpPr>
+      <p:grpSpPr>
+        <a:xfrm>
+          <a:off x="0" y="0"/>
+          <a:ext cx="0" cy="0"/>
+          <a:chOff x="0" y="0"/>
+          <a:chExt cx="0" cy="0"/>
+        </a:xfrm>
+      </p:grpSpPr>
+      <p:sp>
+        <p:nvSpPr>
+          <p:cNvPr id="2" name="Title 1"/>
+          <p:cNvSpPr>
+            <a:spLocks noGrp="1"/>
+          </p:cNvSpPr>
+          <p:nvPr>
+            <p:ph type="title"/>
+          </p:nvPr>
+        </p:nvSpPr>
+        <p:spPr>
+          <a:xfrm>
+            <a:off x="726281" y="144094"/>
+            <a:ext cx="11037094" cy="1325563"/>
+          </a:xfrm>
+        </p:spPr>
+        <p:txBody>
+          <a:bodyPr/>
+          <a:lstStyle/>
+          <a:p>
+            <a:r>
+              <a:rPr lang="en-US" dirty="0">
+                <a:solidFill>
+                  <a:srgbClr val="C00000"/>
+                </a:solidFill>
+              </a:rPr>
+              <a:t>Thermal </a:t>
+            </a:r>
+            <a:r>
+              <a:rPr lang="en-US" dirty="0" smtClean="0">
+                <a:solidFill>
+                  <a:srgbClr val="C00000"/>
+                </a:solidFill>
+              </a:rPr>
+              <a:t>Management [7]</a:t>
+            </a:r>
+            <a:endParaRPr lang="sv-SE" dirty="0">
+              <a:solidFill>
+                <a:srgbClr val="C00000"/>
+              </a:solidFill>
+            </a:endParaRPr>
+          </a:p>
+        </p:txBody>
+      </p:sp>
+      <p:sp>
+        <p:nvSpPr>
+          <p:cNvPr id="3" name="Content Placeholder 2"/>
+          <p:cNvSpPr>
+            <a:spLocks noGrp="1"/>
+          </p:cNvSpPr>
+          <p:nvPr>
+            <p:ph idx="1"/>
+          </p:nvPr>
+        </p:nvSpPr>
+        <p:spPr>
+          <a:xfrm>
+            <a:off x="857250" y="1133474"/>
+            <a:ext cx="10515600" cy="5562601"/>
+          </a:xfrm>
+        </p:spPr>
+        <p:txBody>
+          <a:bodyPr>
+            <a:noAutofit/>
+          </a:bodyPr>
+          <a:lstStyle/>
+          <a:p>
+            <a:pPr marL="0" indent="0">
+              <a:buNone/>
+            </a:pPr>
+            <a:r>
+              <a:rPr lang="en-US" sz="2000" dirty="0"/>
+              <a:t>Different cooling technologies for power electronics are based on</a:t>
+            </a:r>
+          </a:p>
+          <a:p>
+            <a:pPr lvl="1"/>
+            <a:r>
+              <a:rPr lang="en-US" sz="2000" dirty="0"/>
+              <a:t>The heat transfer mechanism </a:t>
+            </a:r>
+          </a:p>
+          <a:p>
+            <a:pPr lvl="1"/>
+            <a:r>
+              <a:rPr lang="en-US" sz="2000" dirty="0"/>
+              <a:t>Coolant agent</a:t>
+            </a:r>
+          </a:p>
+          <a:p>
+            <a:pPr lvl="1"/>
+            <a:r>
+              <a:rPr lang="en-US" sz="2000" dirty="0"/>
+              <a:t>Heat sink (Aluminum is the cheapest and simplest)</a:t>
+            </a:r>
+          </a:p>
+          <a:p>
+            <a:pPr lvl="1"/>
+            <a:r>
+              <a:rPr lang="en-US" sz="2000" dirty="0"/>
+              <a:t>Advanced thermal interface materials (TIM) such as silicone based greases, aluminum-filled polyesters, and epoxy adhesives with silver </a:t>
+            </a:r>
+            <a:r>
+              <a:rPr lang="en-US" sz="2000" dirty="0" smtClean="0"/>
+              <a:t>particles</a:t>
+            </a:r>
+          </a:p>
+          <a:p>
+            <a:pPr marL="457200" lvl="1" indent="0">
+              <a:buNone/>
+            </a:pPr>
+            <a:endParaRPr lang="en-US" sz="2000" dirty="0" smtClean="0">
+              <a:solidFill>
+                <a:srgbClr val="7030A0"/>
+              </a:solidFill>
+            </a:endParaRPr>
+          </a:p>
+          <a:p>
+            <a:pPr marL="0" indent="0">
+              <a:buNone/>
+            </a:pPr>
+            <a:r>
+              <a:rPr lang="en-US" sz="2000" dirty="0" smtClean="0">
+                <a:solidFill>
+                  <a:srgbClr val="7030A0"/>
+                </a:solidFill>
+              </a:rPr>
+              <a:t>1. Air cooling technologies</a:t>
+            </a:r>
+          </a:p>
+          <a:p>
+            <a:pPr lvl="1"/>
+            <a:r>
+              <a:rPr lang="en-US" sz="2000" dirty="0"/>
+              <a:t>convection heat transfer </a:t>
+            </a:r>
+            <a:r>
+              <a:rPr lang="en-US" sz="2000" dirty="0" smtClean="0"/>
+              <a:t>mechanism</a:t>
+            </a:r>
+          </a:p>
+          <a:p>
+            <a:pPr marL="457200" lvl="1" indent="0">
+              <a:buNone/>
+            </a:pPr>
+            <a:r>
+              <a:rPr lang="en-US" sz="2000" b="1" dirty="0"/>
+              <a:t>N</a:t>
+            </a:r>
+            <a:r>
+              <a:rPr lang="en-US" sz="2000" b="1" dirty="0" smtClean="0"/>
+              <a:t>atural </a:t>
+            </a:r>
+            <a:r>
+              <a:rPr lang="en-US" sz="2000" b="1" dirty="0"/>
+              <a:t>air convection </a:t>
+            </a:r>
+            <a:endParaRPr lang="en-US" sz="2000" dirty="0" smtClean="0"/>
+          </a:p>
+          <a:p>
+            <a:pPr lvl="2"/>
+            <a:r>
+              <a:rPr lang="en-US" dirty="0" smtClean="0"/>
+              <a:t> </a:t>
+            </a:r>
+            <a:r>
+              <a:rPr lang="en-US" dirty="0"/>
+              <a:t>the </a:t>
+            </a:r>
+            <a:r>
+              <a:rPr lang="en-US" dirty="0" err="1"/>
+              <a:t>the</a:t>
+            </a:r>
+            <a:r>
+              <a:rPr lang="en-US" dirty="0"/>
+              <a:t> </a:t>
+            </a:r>
+            <a:r>
+              <a:rPr lang="en-US" dirty="0" smtClean="0"/>
+              <a:t>simplest one</a:t>
+            </a:r>
+          </a:p>
+          <a:p>
+            <a:pPr lvl="2"/>
+            <a:r>
+              <a:rPr lang="en-US" dirty="0"/>
+              <a:t>I</a:t>
+            </a:r>
+            <a:r>
+              <a:rPr lang="en-US" dirty="0" smtClean="0"/>
+              <a:t>ncreasing </a:t>
+            </a:r>
+            <a:r>
+              <a:rPr lang="en-US" dirty="0"/>
+              <a:t>the surface area of heat transfer with added fins </a:t>
+            </a:r>
+            <a:endParaRPr lang="en-US" dirty="0" smtClean="0"/>
+          </a:p>
+          <a:p>
+            <a:pPr lvl="2"/>
+            <a:r>
+              <a:rPr lang="en-US" dirty="0"/>
+              <a:t>H</a:t>
+            </a:r>
+            <a:r>
+              <a:rPr lang="en-US" dirty="0" smtClean="0"/>
+              <a:t>eat spreaders</a:t>
+            </a:r>
+          </a:p>
+          <a:p>
+            <a:pPr marL="457200" lvl="1" indent="0">
+              <a:buNone/>
+            </a:pPr>
+            <a:r>
+              <a:rPr lang="en-US" sz="2000" b="1" dirty="0"/>
+              <a:t>F</a:t>
+            </a:r>
+            <a:r>
+              <a:rPr lang="en-US" sz="2000" b="1" dirty="0" smtClean="0"/>
+              <a:t>orced </a:t>
+            </a:r>
+            <a:r>
+              <a:rPr lang="en-US" sz="2000" b="1" dirty="0"/>
+              <a:t>air-cooling </a:t>
+            </a:r>
+            <a:r>
+              <a:rPr lang="en-US" sz="2000" b="1" dirty="0" smtClean="0"/>
+              <a:t>systems</a:t>
+            </a:r>
+          </a:p>
+          <a:p>
+            <a:pPr lvl="2"/>
+            <a:r>
+              <a:rPr lang="en-US" dirty="0" smtClean="0"/>
+              <a:t>piezoelectric </a:t>
+            </a:r>
+            <a:r>
+              <a:rPr lang="en-US" dirty="0"/>
+              <a:t>fans </a:t>
+            </a:r>
+            <a:endParaRPr lang="en-US" dirty="0" smtClean="0"/>
+          </a:p>
+          <a:p>
+            <a:pPr lvl="2"/>
+            <a:r>
+              <a:rPr lang="en-US" dirty="0" smtClean="0"/>
+              <a:t>synthetic </a:t>
+            </a:r>
+            <a:r>
+              <a:rPr lang="en-US" dirty="0"/>
+              <a:t>jet </a:t>
+            </a:r>
+            <a:r>
+              <a:rPr lang="en-US" dirty="0" smtClean="0"/>
+              <a:t>diaphragm</a:t>
+            </a:r>
+          </a:p>
+        </p:txBody>
+      </p:sp>
+    </p:spTree>
+    <p:extLst>
+      <p:ext uri="{BB962C8B-B14F-4D97-AF65-F5344CB8AC3E}">
+        <p14:creationId xmlns:p14="http://schemas.microsoft.com/office/powerpoint/2010/main" val="2268030001"/>
+      </p:ext>
+    </p:extLst>
+  </p:cSld>
+  <p:clrMapOvr>
+    <a:masterClrMapping/>
+  </p:clrMapOvr>
+</p:sld>
+</file>
+
+<file path=ppt/slides/slide13.xml><?xml version="1.0" encoding="utf-8"?>
+<p:sld xmlns:a="http://schemas.openxmlformats.org/drawingml/2006/main" xmlns:r="http://schemas.openxmlformats.org/officeDocument/2006/relationships" xmlns:p="http://schemas.openxmlformats.org/presentationml/2006/main">
+  <p:cSld>
+    <p:spTree>
+      <p:nvGrpSpPr>
+        <p:cNvPr id="1" name=""/>
+        <p:cNvGrpSpPr/>
+        <p:nvPr/>
+      </p:nvGrpSpPr>
+      <p:grpSpPr>
+        <a:xfrm>
+          <a:off x="0" y="0"/>
+          <a:ext cx="0" cy="0"/>
+          <a:chOff x="0" y="0"/>
+          <a:chExt cx="0" cy="0"/>
+        </a:xfrm>
+      </p:grpSpPr>
+      <p:sp>
+        <p:nvSpPr>
+          <p:cNvPr id="2" name="Title 1"/>
+          <p:cNvSpPr>
+            <a:spLocks noGrp="1"/>
+          </p:cNvSpPr>
+          <p:nvPr>
+            <p:ph type="title"/>
+          </p:nvPr>
+        </p:nvSpPr>
+        <p:spPr>
+          <a:xfrm>
+            <a:off x="726281" y="144094"/>
+            <a:ext cx="11037094" cy="1325563"/>
+          </a:xfrm>
+        </p:spPr>
+        <p:txBody>
+          <a:bodyPr/>
+          <a:lstStyle/>
+          <a:p>
+            <a:r>
+              <a:rPr lang="en-US" dirty="0">
+                <a:solidFill>
+                  <a:srgbClr val="C00000"/>
+                </a:solidFill>
+              </a:rPr>
+              <a:t>Thermal </a:t>
+            </a:r>
+            <a:r>
+              <a:rPr lang="en-US" dirty="0" smtClean="0">
+                <a:solidFill>
+                  <a:srgbClr val="C00000"/>
+                </a:solidFill>
+              </a:rPr>
+              <a:t>Management [7]</a:t>
+            </a:r>
+            <a:endParaRPr lang="sv-SE" dirty="0">
+              <a:solidFill>
+                <a:srgbClr val="C00000"/>
+              </a:solidFill>
+            </a:endParaRPr>
+          </a:p>
+        </p:txBody>
+      </p:sp>
+      <p:sp>
+        <p:nvSpPr>
+          <p:cNvPr id="3" name="Content Placeholder 2"/>
+          <p:cNvSpPr>
+            <a:spLocks noGrp="1"/>
+          </p:cNvSpPr>
+          <p:nvPr>
+            <p:ph idx="1"/>
+          </p:nvPr>
+        </p:nvSpPr>
+        <p:spPr>
+          <a:xfrm>
+            <a:off x="857250" y="1133474"/>
+            <a:ext cx="10515600" cy="5562601"/>
+          </a:xfrm>
+        </p:spPr>
+        <p:txBody>
+          <a:bodyPr>
+            <a:noAutofit/>
+          </a:bodyPr>
+          <a:lstStyle/>
+          <a:p>
+            <a:pPr marL="0" indent="0">
+              <a:buNone/>
+            </a:pPr>
+            <a:r>
+              <a:rPr lang="en-US" sz="2000" dirty="0" smtClean="0">
+                <a:solidFill>
+                  <a:srgbClr val="7030A0"/>
+                </a:solidFill>
+              </a:rPr>
+              <a:t>2.  Liquid </a:t>
+            </a:r>
+            <a:r>
+              <a:rPr lang="en-US" sz="2000" dirty="0">
+                <a:solidFill>
+                  <a:srgbClr val="7030A0"/>
+                </a:solidFill>
+              </a:rPr>
+              <a:t>cooling technologies</a:t>
+            </a:r>
+          </a:p>
+          <a:p>
+            <a:pPr lvl="1"/>
+            <a:r>
+              <a:rPr lang="en-US" sz="2000" dirty="0"/>
+              <a:t>higher device power density</a:t>
+            </a:r>
+          </a:p>
+          <a:p>
+            <a:pPr lvl="1"/>
+            <a:r>
+              <a:rPr lang="en-US" sz="2000" dirty="0"/>
+              <a:t>microchannel heat sink can achieve around 1000 W/cm2 heat flux (State-of-the-art)</a:t>
+            </a:r>
+          </a:p>
+          <a:p>
+            <a:pPr lvl="1"/>
+            <a:r>
+              <a:rPr lang="en-US" sz="2000" dirty="0" smtClean="0"/>
+              <a:t>Electro-wetting</a:t>
+            </a:r>
+            <a:r>
+              <a:rPr lang="en-US" sz="2000" dirty="0"/>
+              <a:t>, jet impingement; Immersion; Two-phase spray cooling</a:t>
+            </a:r>
+          </a:p>
+          <a:p>
+            <a:pPr lvl="1"/>
+            <a:r>
+              <a:rPr lang="en-US" sz="2000" b="1" dirty="0"/>
+              <a:t>However</a:t>
+            </a:r>
+            <a:r>
+              <a:rPr lang="en-US" sz="2000" dirty="0"/>
+              <a:t>, liquid cooling also brings </a:t>
+            </a:r>
+            <a:r>
+              <a:rPr lang="en-US" sz="2000" b="1" dirty="0"/>
+              <a:t>in extra weight, complexity, and cos</a:t>
+            </a:r>
+            <a:r>
+              <a:rPr lang="en-US" sz="2000" dirty="0"/>
+              <a:t>t to the system.</a:t>
+            </a:r>
+          </a:p>
+          <a:p>
+            <a:pPr lvl="1"/>
+            <a:r>
+              <a:rPr lang="en-US" sz="2000" dirty="0"/>
+              <a:t>Acoustic noise, coolant leakage, corrosion, toxicity are also other factors</a:t>
+            </a:r>
+          </a:p>
+          <a:p>
+            <a:pPr lvl="1"/>
+            <a:r>
+              <a:rPr lang="en-US" sz="2000" dirty="0"/>
+              <a:t>Cutting-edge cooling: magnetic cooling, thermoelectric cooling, </a:t>
+            </a:r>
+            <a:r>
+              <a:rPr lang="en-US" sz="2000" dirty="0" smtClean="0"/>
+              <a:t>thermo-tunneling </a:t>
+            </a:r>
+            <a:r>
+              <a:rPr lang="en-US" sz="2000" dirty="0"/>
+              <a:t>and </a:t>
+            </a:r>
+            <a:r>
+              <a:rPr lang="en-US" sz="2000" dirty="0" smtClean="0"/>
+              <a:t>thermo-ionic </a:t>
+            </a:r>
+            <a:r>
+              <a:rPr lang="en-US" sz="2000" dirty="0"/>
+              <a:t>cooling, </a:t>
+            </a:r>
+            <a:r>
+              <a:rPr lang="en-US" sz="2000" b="1" dirty="0"/>
+              <a:t>phase change materials</a:t>
+            </a:r>
+          </a:p>
+          <a:p>
+            <a:pPr marL="0" indent="0">
+              <a:buNone/>
+            </a:pPr>
+            <a:endParaRPr lang="en-US" sz="2000" b="1" dirty="0"/>
+          </a:p>
+          <a:p>
+            <a:pPr marL="0" indent="0">
+              <a:buNone/>
+            </a:pPr>
+            <a:r>
+              <a:rPr lang="en-US" sz="2000" b="1" dirty="0" smtClean="0"/>
+              <a:t>DBC</a:t>
+            </a:r>
+            <a:r>
+              <a:rPr lang="en-US" sz="2000" dirty="0" smtClean="0"/>
+              <a:t> </a:t>
+            </a:r>
+            <a:r>
+              <a:rPr lang="en-US" sz="2000" dirty="0"/>
+              <a:t>direct bond copper: </a:t>
+            </a:r>
+          </a:p>
+          <a:p>
+            <a:pPr marL="0" indent="0">
+              <a:buNone/>
+            </a:pPr>
+            <a:r>
+              <a:rPr lang="en-US" sz="2000" dirty="0"/>
+              <a:t>	This type of substrate contains a ceramic layer sandwiched in between two copper layers.</a:t>
+            </a:r>
+          </a:p>
+          <a:p>
+            <a:pPr marL="0" indent="0">
+              <a:buNone/>
+            </a:pPr>
+            <a:r>
+              <a:rPr lang="en-US" sz="2000" dirty="0"/>
+              <a:t>	In order to spread better the heat and to increase the mechanical strength of the module, 	the substrate is bonded to a </a:t>
+            </a:r>
+            <a:r>
+              <a:rPr lang="en-US" sz="2000" b="1" dirty="0"/>
+              <a:t>base plate</a:t>
+            </a:r>
+            <a:r>
+              <a:rPr lang="en-US" sz="2000" dirty="0" smtClean="0"/>
+              <a:t>.</a:t>
+            </a:r>
+          </a:p>
+          <a:p>
+            <a:pPr marL="0" indent="0">
+              <a:buNone/>
+            </a:pPr>
+            <a:r>
+              <a:rPr lang="en-US" sz="2000" b="1" dirty="0" smtClean="0"/>
+              <a:t>DSC </a:t>
+            </a:r>
+            <a:r>
+              <a:rPr lang="en-US" sz="2000" dirty="0" smtClean="0"/>
+              <a:t>double sided cooling: </a:t>
+            </a:r>
+            <a:endParaRPr lang="en-US" sz="2000" dirty="0"/>
+          </a:p>
+          <a:p>
+            <a:pPr marL="0" indent="0">
+              <a:buNone/>
+            </a:pPr>
+            <a:endParaRPr lang="en-US" sz="2000" b="1" dirty="0"/>
+          </a:p>
+          <a:p>
+            <a:pPr marL="0" indent="0">
+              <a:buNone/>
+            </a:pPr>
+            <a:r>
+              <a:rPr lang="en-US" sz="2000" dirty="0"/>
+              <a:t>	</a:t>
+            </a:r>
+          </a:p>
+          <a:p>
+            <a:pPr marL="0" indent="0">
+              <a:buNone/>
+            </a:pPr>
+            <a:r>
+              <a:rPr lang="en-US" sz="2000" dirty="0" smtClean="0"/>
+              <a:t>	</a:t>
+            </a:r>
+          </a:p>
+        </p:txBody>
+      </p:sp>
+    </p:spTree>
+    <p:extLst>
+      <p:ext uri="{BB962C8B-B14F-4D97-AF65-F5344CB8AC3E}">
+        <p14:creationId xmlns:p14="http://schemas.microsoft.com/office/powerpoint/2010/main" val="1008188513"/>
+      </p:ext>
+    </p:extLst>
+  </p:cSld>
+  <p:clrMapOvr>
+    <a:masterClrMapping/>
+  </p:clrMapOvr>
+</p:sld>
+</file>
+
+<file path=ppt/slides/slide14.xml><?xml version="1.0" encoding="utf-8"?>
+<p:sld xmlns:a="http://schemas.openxmlformats.org/drawingml/2006/main" xmlns:r="http://schemas.openxmlformats.org/officeDocument/2006/relationships" xmlns:p="http://schemas.openxmlformats.org/presentationml/2006/main">
+  <p:cSld>
+    <p:spTree>
+      <p:nvGrpSpPr>
+        <p:cNvPr id="1" name=""/>
+        <p:cNvGrpSpPr/>
+        <p:nvPr/>
+      </p:nvGrpSpPr>
+      <p:grpSpPr>
+        <a:xfrm>
+          <a:off x="0" y="0"/>
+          <a:ext cx="0" cy="0"/>
+          <a:chOff x="0" y="0"/>
+          <a:chExt cx="0" cy="0"/>
+        </a:xfrm>
+      </p:grpSpPr>
+      <p:sp>
+        <p:nvSpPr>
+          <p:cNvPr id="2" name="Title 1"/>
+          <p:cNvSpPr>
+            <a:spLocks noGrp="1"/>
+          </p:cNvSpPr>
+          <p:nvPr>
+            <p:ph type="title"/>
+          </p:nvPr>
+        </p:nvSpPr>
+        <p:spPr>
+          <a:xfrm>
+            <a:off x="697706" y="258394"/>
+            <a:ext cx="11037094" cy="1325563"/>
+          </a:xfrm>
+        </p:spPr>
+        <p:txBody>
+          <a:bodyPr/>
+          <a:lstStyle/>
+          <a:p>
+            <a:r>
+              <a:rPr lang="en-US" dirty="0" smtClean="0">
+                <a:solidFill>
+                  <a:srgbClr val="C00000"/>
+                </a:solidFill>
+              </a:rPr>
+              <a:t>STATE-OF-THE-ART [6]</a:t>
+            </a:r>
+            <a:endParaRPr lang="sv-SE" dirty="0">
+              <a:solidFill>
+                <a:srgbClr val="C00000"/>
+              </a:solidFill>
+            </a:endParaRPr>
+          </a:p>
+        </p:txBody>
+      </p:sp>
+      <p:pic>
+        <p:nvPicPr>
+          <p:cNvPr id="4" name="Picture 3"/>
+          <p:cNvPicPr>
+            <a:picLocks noChangeAspect="1"/>
+          </p:cNvPicPr>
+          <p:nvPr/>
+        </p:nvPicPr>
+        <p:blipFill rotWithShape="1">
+          <a:blip r:embed="rId2"/>
+          <a:srcRect t="3163" b="55364"/>
+          <a:stretch/>
+        </p:blipFill>
+        <p:spPr>
+          <a:xfrm>
+            <a:off x="153801" y="1252219"/>
+            <a:ext cx="6299386" cy="3269859"/>
+          </a:xfrm>
+          <a:prstGeom prst="rect">
+            <a:avLst/>
+          </a:prstGeom>
+        </p:spPr>
+      </p:pic>
+      <p:pic>
+        <p:nvPicPr>
+          <p:cNvPr id="5" name="Picture 4"/>
+          <p:cNvPicPr>
+            <a:picLocks noChangeAspect="1"/>
+          </p:cNvPicPr>
+          <p:nvPr/>
+        </p:nvPicPr>
+        <p:blipFill rotWithShape="1">
+          <a:blip r:embed="rId2"/>
+          <a:srcRect t="44670" b="12115"/>
+          <a:stretch/>
+        </p:blipFill>
+        <p:spPr>
+          <a:xfrm>
+            <a:off x="5779635" y="1174615"/>
+            <a:ext cx="6391784" cy="3457140"/>
+          </a:xfrm>
+          <a:prstGeom prst="rect">
+            <a:avLst/>
+          </a:prstGeom>
+        </p:spPr>
+      </p:pic>
+      <p:pic>
+        <p:nvPicPr>
+          <p:cNvPr id="6" name="Picture 5"/>
+          <p:cNvPicPr>
+            <a:picLocks noChangeAspect="1"/>
+          </p:cNvPicPr>
+          <p:nvPr/>
+        </p:nvPicPr>
+        <p:blipFill rotWithShape="1">
+          <a:blip r:embed="rId2"/>
+          <a:srcRect t="89119" b="2556"/>
+          <a:stretch/>
+        </p:blipFill>
+        <p:spPr>
+          <a:xfrm>
+            <a:off x="2705100" y="4648917"/>
+            <a:ext cx="7496175" cy="781050"/>
+          </a:xfrm>
+          <a:prstGeom prst="rect">
+            <a:avLst/>
+          </a:prstGeom>
+        </p:spPr>
+      </p:pic>
+      <p:sp>
+        <p:nvSpPr>
+          <p:cNvPr id="8" name="Rectangle 7"/>
+          <p:cNvSpPr/>
+          <p:nvPr/>
+        </p:nvSpPr>
+        <p:spPr>
+          <a:xfrm>
+            <a:off x="457200" y="5683644"/>
+            <a:ext cx="11097816" cy="646331"/>
+          </a:xfrm>
+          <a:prstGeom prst="rect">
+            <a:avLst/>
+          </a:prstGeom>
+        </p:spPr>
+        <p:txBody>
+          <a:bodyPr wrap="square">
+            <a:spAutoFit/>
+          </a:bodyPr>
+          <a:lstStyle/>
+          <a:p>
+            <a:r>
+              <a:rPr lang="sv-SE" dirty="0" err="1"/>
+              <a:t>However</a:t>
+            </a:r>
+            <a:r>
+              <a:rPr lang="sv-SE" dirty="0"/>
+              <a:t>, the </a:t>
+            </a:r>
+            <a:r>
+              <a:rPr lang="sv-SE" dirty="0" err="1"/>
+              <a:t>volume</a:t>
+            </a:r>
+            <a:r>
+              <a:rPr lang="sv-SE" dirty="0"/>
+              <a:t> </a:t>
+            </a:r>
+            <a:r>
+              <a:rPr lang="sv-SE" dirty="0" err="1"/>
+              <a:t>of</a:t>
+            </a:r>
+            <a:r>
+              <a:rPr lang="sv-SE" dirty="0"/>
+              <a:t> the </a:t>
+            </a:r>
+            <a:r>
+              <a:rPr lang="sv-SE" dirty="0" err="1"/>
+              <a:t>liquid-cycling</a:t>
+            </a:r>
+            <a:r>
+              <a:rPr lang="sv-SE" dirty="0"/>
+              <a:t> system (pumps, radiator, </a:t>
+            </a:r>
+            <a:r>
+              <a:rPr lang="sv-SE" dirty="0" err="1"/>
+              <a:t>compressor</a:t>
+            </a:r>
+            <a:r>
+              <a:rPr lang="sv-SE" dirty="0"/>
+              <a:t>, and </a:t>
+            </a:r>
+            <a:r>
+              <a:rPr lang="sv-SE" dirty="0" err="1"/>
+              <a:t>chiller</a:t>
+            </a:r>
+            <a:r>
+              <a:rPr lang="sv-SE" dirty="0"/>
+              <a:t>) </a:t>
+            </a:r>
+            <a:r>
+              <a:rPr lang="sv-SE" dirty="0" err="1"/>
+              <a:t>will</a:t>
+            </a:r>
+            <a:r>
+              <a:rPr lang="sv-SE" dirty="0"/>
+              <a:t> </a:t>
+            </a:r>
+            <a:r>
+              <a:rPr lang="sv-SE" dirty="0" err="1"/>
+              <a:t>remarkably</a:t>
+            </a:r>
+            <a:r>
+              <a:rPr lang="sv-SE" dirty="0"/>
+              <a:t> </a:t>
+            </a:r>
+            <a:r>
+              <a:rPr lang="sv-SE" dirty="0" err="1"/>
+              <a:t>reduce</a:t>
+            </a:r>
+            <a:r>
+              <a:rPr lang="sv-SE" dirty="0"/>
+              <a:t> the overall </a:t>
+            </a:r>
+            <a:r>
+              <a:rPr lang="sv-SE" dirty="0" err="1"/>
+              <a:t>power</a:t>
+            </a:r>
+            <a:r>
+              <a:rPr lang="sv-SE" dirty="0"/>
+              <a:t> </a:t>
+            </a:r>
+            <a:r>
+              <a:rPr lang="sv-SE" dirty="0" err="1"/>
+              <a:t>density</a:t>
+            </a:r>
+            <a:r>
+              <a:rPr lang="sv-SE" dirty="0"/>
+              <a:t> </a:t>
+            </a:r>
+            <a:r>
+              <a:rPr lang="sv-SE" dirty="0" err="1"/>
+              <a:t>of</a:t>
+            </a:r>
+            <a:r>
+              <a:rPr lang="sv-SE" dirty="0"/>
+              <a:t> the PCU.</a:t>
+            </a:r>
+          </a:p>
+        </p:txBody>
+      </p:sp>
+    </p:spTree>
+    <p:extLst>
+      <p:ext uri="{BB962C8B-B14F-4D97-AF65-F5344CB8AC3E}">
+        <p14:creationId xmlns:p14="http://schemas.microsoft.com/office/powerpoint/2010/main" val="4062049576"/>
+      </p:ext>
+    </p:extLst>
+  </p:cSld>
+  <p:clrMapOvr>
+    <a:masterClrMapping/>
+  </p:clrMapOvr>
+</p:sld>
+</file>
+
+<file path=ppt/slides/slide15.xml><?xml version="1.0" encoding="utf-8"?>
+<p:sld xmlns:a="http://schemas.openxmlformats.org/drawingml/2006/main" xmlns:r="http://schemas.openxmlformats.org/officeDocument/2006/relationships" xmlns:p="http://schemas.openxmlformats.org/presentationml/2006/main">
+  <p:cSld>
+    <p:spTree>
+      <p:nvGrpSpPr>
+        <p:cNvPr id="1" name=""/>
+        <p:cNvGrpSpPr/>
+        <p:nvPr/>
+      </p:nvGrpSpPr>
+      <p:grpSpPr>
+        <a:xfrm>
+          <a:off x="0" y="0"/>
+          <a:ext cx="0" cy="0"/>
+          <a:chOff x="0" y="0"/>
+          <a:chExt cx="0" cy="0"/>
+        </a:xfrm>
+      </p:grpSpPr>
+      <p:sp>
+        <p:nvSpPr>
+          <p:cNvPr id="2" name="Title 1"/>
+          <p:cNvSpPr>
+            <a:spLocks noGrp="1"/>
+          </p:cNvSpPr>
+          <p:nvPr>
+            <p:ph type="title"/>
+          </p:nvPr>
+        </p:nvSpPr>
+        <p:spPr>
+          <a:xfrm>
+            <a:off x="697706" y="258394"/>
+            <a:ext cx="11037094" cy="1325563"/>
+          </a:xfrm>
+        </p:spPr>
+        <p:txBody>
+          <a:bodyPr/>
+          <a:lstStyle/>
+          <a:p>
+            <a:r>
+              <a:rPr lang="en-US" dirty="0" smtClean="0">
+                <a:solidFill>
+                  <a:srgbClr val="C00000"/>
+                </a:solidFill>
+              </a:rPr>
+              <a:t>STATE-OF-THE-ART [8]</a:t>
+            </a:r>
+            <a:endParaRPr lang="sv-SE" dirty="0">
+              <a:solidFill>
+                <a:srgbClr val="C00000"/>
+              </a:solidFill>
+            </a:endParaRPr>
+          </a:p>
+        </p:txBody>
+      </p:sp>
+      <p:pic>
+        <p:nvPicPr>
+          <p:cNvPr id="3" name="Picture 2"/>
+          <p:cNvPicPr>
+            <a:picLocks noChangeAspect="1"/>
+          </p:cNvPicPr>
+          <p:nvPr/>
+        </p:nvPicPr>
+        <p:blipFill>
+          <a:blip r:embed="rId2"/>
+          <a:stretch>
+            <a:fillRect/>
+          </a:stretch>
+        </p:blipFill>
+        <p:spPr>
+          <a:xfrm>
+            <a:off x="490754" y="1583957"/>
+            <a:ext cx="11244046" cy="4700587"/>
+          </a:xfrm>
+          <a:prstGeom prst="rect">
+            <a:avLst/>
+          </a:prstGeom>
+        </p:spPr>
+      </p:pic>
+    </p:spTree>
+    <p:extLst>
+      <p:ext uri="{BB962C8B-B14F-4D97-AF65-F5344CB8AC3E}">
+        <p14:creationId xmlns:p14="http://schemas.microsoft.com/office/powerpoint/2010/main" val="3717677914"/>
+      </p:ext>
+    </p:extLst>
+  </p:cSld>
+  <p:clrMapOvr>
+    <a:masterClrMapping/>
+  </p:clrMapOvr>
+</p:sld>
+</file>
+
+<file path=ppt/slides/slide16.xml><?xml version="1.0" encoding="utf-8"?>
+<p:sld xmlns:a="http://schemas.openxmlformats.org/drawingml/2006/main" xmlns:r="http://schemas.openxmlformats.org/officeDocument/2006/relationships" xmlns:p="http://schemas.openxmlformats.org/presentationml/2006/main">
+  <p:cSld>
+    <p:spTree>
+      <p:nvGrpSpPr>
+        <p:cNvPr id="1" name=""/>
+        <p:cNvGrpSpPr/>
+        <p:nvPr/>
+      </p:nvGrpSpPr>
+      <p:grpSpPr>
+        <a:xfrm>
+          <a:off x="0" y="0"/>
+          <a:ext cx="0" cy="0"/>
+          <a:chOff x="0" y="0"/>
+          <a:chExt cx="0" cy="0"/>
+        </a:xfrm>
+      </p:grpSpPr>
+      <p:sp>
+        <p:nvSpPr>
+          <p:cNvPr id="2" name="Title 1"/>
+          <p:cNvSpPr>
+            <a:spLocks noGrp="1"/>
+          </p:cNvSpPr>
+          <p:nvPr>
+            <p:ph type="title"/>
+          </p:nvPr>
+        </p:nvSpPr>
+        <p:spPr>
+          <a:xfrm>
+            <a:off x="838200" y="0"/>
+            <a:ext cx="10515600" cy="1325563"/>
+          </a:xfrm>
+        </p:spPr>
+        <p:txBody>
+          <a:bodyPr/>
+          <a:lstStyle/>
+          <a:p>
+            <a:r>
+              <a:rPr lang="en-US" dirty="0" smtClean="0">
+                <a:solidFill>
+                  <a:srgbClr val="C00000"/>
+                </a:solidFill>
+              </a:rPr>
+              <a:t>Trend [6,8]</a:t>
+            </a:r>
+            <a:endParaRPr lang="sv-SE" dirty="0">
+              <a:solidFill>
+                <a:srgbClr val="C00000"/>
+              </a:solidFill>
+            </a:endParaRPr>
+          </a:p>
+        </p:txBody>
+      </p:sp>
+      <p:sp>
+        <p:nvSpPr>
+          <p:cNvPr id="3" name="Content Placeholder 2"/>
+          <p:cNvSpPr>
+            <a:spLocks noGrp="1"/>
+          </p:cNvSpPr>
+          <p:nvPr>
+            <p:ph idx="1"/>
+          </p:nvPr>
+        </p:nvSpPr>
+        <p:spPr>
+          <a:xfrm>
+            <a:off x="838200" y="952500"/>
+            <a:ext cx="10515600" cy="5819775"/>
+          </a:xfrm>
+        </p:spPr>
+        <p:txBody>
+          <a:bodyPr>
+            <a:normAutofit fontScale="70000" lnSpcReduction="20000"/>
+          </a:bodyPr>
+          <a:lstStyle/>
+          <a:p>
+            <a:r>
+              <a:rPr lang="en-US" sz="2600" dirty="0" smtClean="0"/>
+              <a:t>The </a:t>
+            </a:r>
+            <a:r>
+              <a:rPr lang="en-US" sz="2600" dirty="0"/>
+              <a:t>liquid-cooled Si inverters dominate the market, nowadays</a:t>
+            </a:r>
+            <a:r>
+              <a:rPr lang="en-US" sz="2600" dirty="0" smtClean="0"/>
+              <a:t>.</a:t>
+            </a:r>
+          </a:p>
+          <a:p>
+            <a:r>
+              <a:rPr lang="en-US" sz="2600" dirty="0" smtClean="0"/>
+              <a:t> </a:t>
+            </a:r>
+            <a:r>
+              <a:rPr lang="en-US" sz="2600" dirty="0"/>
+              <a:t>However, </a:t>
+            </a:r>
+            <a:r>
+              <a:rPr lang="en-US" sz="2600" b="1" dirty="0"/>
+              <a:t>the liquid-cooled </a:t>
+            </a:r>
+            <a:r>
+              <a:rPr lang="en-US" sz="2600" b="1" dirty="0" err="1"/>
+              <a:t>SiC</a:t>
+            </a:r>
+            <a:r>
+              <a:rPr lang="en-US" sz="2600" b="1" dirty="0"/>
+              <a:t> inverters </a:t>
+            </a:r>
+            <a:r>
+              <a:rPr lang="en-US" sz="2600" dirty="0"/>
+              <a:t>have been replacing the liquid-cooled Si inverter. </a:t>
+            </a:r>
+            <a:endParaRPr lang="en-US" sz="2600" dirty="0" smtClean="0"/>
+          </a:p>
+          <a:p>
+            <a:r>
+              <a:rPr lang="en-US" sz="2600" dirty="0" smtClean="0"/>
+              <a:t>Direct </a:t>
+            </a:r>
+            <a:r>
+              <a:rPr lang="en-US" sz="2600" dirty="0"/>
+              <a:t>cooling has been demonstrated in the Cadillac CT6 inverter in which the module </a:t>
+            </a:r>
+            <a:r>
+              <a:rPr lang="en-US" sz="2600" dirty="0" smtClean="0"/>
+              <a:t>package </a:t>
+            </a:r>
+            <a:r>
+              <a:rPr lang="en-US" sz="2600" dirty="0"/>
+              <a:t>is fully immersed in the coolant, rather than bolted to a cold </a:t>
+            </a:r>
+            <a:r>
+              <a:rPr lang="en-US" sz="2600" dirty="0" smtClean="0"/>
+              <a:t>plate.</a:t>
+            </a:r>
+          </a:p>
+          <a:p>
+            <a:r>
+              <a:rPr lang="en-US" sz="2600" dirty="0"/>
+              <a:t>Passive 2-phase immersion cooling has been successfully applied to large scale traction </a:t>
+            </a:r>
+            <a:r>
+              <a:rPr lang="en-US" sz="2600" dirty="0" smtClean="0"/>
+              <a:t>inverters. (</a:t>
+            </a:r>
+            <a:r>
+              <a:rPr lang="en-US" sz="2600" dirty="0"/>
+              <a:t>immersing them in a non-conductive cooling fluid</a:t>
+            </a:r>
+            <a:r>
+              <a:rPr lang="en-US" sz="2600" dirty="0" smtClean="0"/>
+              <a:t>.)</a:t>
+            </a:r>
+          </a:p>
+          <a:p>
+            <a:pPr marL="0" indent="0">
+              <a:buNone/>
+            </a:pPr>
+            <a:endParaRPr lang="en-US" sz="2600" dirty="0" smtClean="0"/>
+          </a:p>
+          <a:p>
+            <a:pPr marL="0" indent="0">
+              <a:buNone/>
+            </a:pPr>
+            <a:r>
+              <a:rPr lang="en-US" sz="2600" dirty="0"/>
+              <a:t>Moreover, the undergoing air-cooled </a:t>
+            </a:r>
+            <a:r>
+              <a:rPr lang="en-US" sz="2600" dirty="0" err="1"/>
+              <a:t>SiC</a:t>
+            </a:r>
+            <a:r>
+              <a:rPr lang="en-US" sz="2600" dirty="0"/>
+              <a:t> inverters are expected to be the next-generation PCU of EV powertrain toward the continuously increasing light and compact requirements of the EV</a:t>
+            </a:r>
+            <a:r>
+              <a:rPr lang="en-US" sz="2600" dirty="0" smtClean="0"/>
+              <a:t>.</a:t>
+            </a:r>
+          </a:p>
+          <a:p>
+            <a:r>
+              <a:rPr lang="en-US" sz="2600" dirty="0"/>
+              <a:t>If the </a:t>
+            </a:r>
+            <a:r>
+              <a:rPr lang="en-US" sz="2600" b="1" dirty="0"/>
+              <a:t>air-cooled </a:t>
+            </a:r>
+            <a:r>
+              <a:rPr lang="en-US" sz="2600" b="1" dirty="0" err="1"/>
+              <a:t>SiC</a:t>
+            </a:r>
+            <a:r>
+              <a:rPr lang="en-US" sz="2600" b="1" dirty="0"/>
+              <a:t> inverter </a:t>
+            </a:r>
+            <a:r>
+              <a:rPr lang="en-US" sz="2600" dirty="0"/>
+              <a:t>is desired, it </a:t>
+            </a:r>
+          </a:p>
+          <a:p>
+            <a:pPr lvl="1"/>
+            <a:r>
+              <a:rPr lang="en-US" sz="2600" dirty="0"/>
+              <a:t>Requires innovative to enhance the power dissipation and reduce the thermal resistance, including  </a:t>
+            </a:r>
+          </a:p>
+          <a:p>
+            <a:pPr lvl="2"/>
+            <a:r>
+              <a:rPr lang="en-US" sz="2600" dirty="0"/>
+              <a:t>optimized heat sink structure</a:t>
+            </a:r>
+          </a:p>
+          <a:p>
+            <a:pPr lvl="2"/>
+            <a:r>
+              <a:rPr lang="en-US" sz="2600" dirty="0"/>
+              <a:t>integrated baseplate with pin-fin</a:t>
+            </a:r>
+          </a:p>
+          <a:p>
+            <a:pPr lvl="2"/>
+            <a:r>
+              <a:rPr lang="sv-SE" sz="2600" dirty="0" err="1"/>
+              <a:t>power</a:t>
+            </a:r>
+            <a:r>
+              <a:rPr lang="sv-SE" sz="2600" dirty="0"/>
+              <a:t>-shower </a:t>
+            </a:r>
+            <a:r>
+              <a:rPr lang="sv-SE" sz="2600" dirty="0" err="1"/>
+              <a:t>technologies</a:t>
+            </a:r>
+            <a:endParaRPr lang="sv-SE" sz="2600" dirty="0"/>
+          </a:p>
+          <a:p>
+            <a:pPr lvl="2"/>
+            <a:r>
+              <a:rPr lang="sv-SE" sz="2600" dirty="0"/>
+              <a:t>3-D </a:t>
+            </a:r>
+            <a:r>
+              <a:rPr lang="sv-SE" sz="2600" dirty="0" err="1"/>
+              <a:t>printed</a:t>
+            </a:r>
+            <a:r>
+              <a:rPr lang="sv-SE" sz="2600" dirty="0"/>
+              <a:t> heat sink</a:t>
+            </a:r>
+          </a:p>
+          <a:p>
+            <a:pPr lvl="2"/>
+            <a:r>
+              <a:rPr lang="it-IT" sz="2600" dirty="0"/>
+              <a:t>nano-scale thermal interface material (TIM)</a:t>
+            </a:r>
+          </a:p>
+          <a:p>
+            <a:pPr lvl="2"/>
+            <a:r>
+              <a:rPr lang="en-US" sz="2600" dirty="0"/>
+              <a:t>cold spray low temperature soldering</a:t>
+            </a:r>
+          </a:p>
+          <a:p>
+            <a:pPr lvl="1"/>
+            <a:r>
+              <a:rPr lang="en-US" sz="2600" dirty="0"/>
+              <a:t>Requires on-line regulation of power losses; including</a:t>
+            </a:r>
+          </a:p>
+          <a:p>
+            <a:pPr lvl="2"/>
+            <a:r>
+              <a:rPr lang="en-US" sz="2600" dirty="0"/>
+              <a:t>adaptive switching frequency</a:t>
+            </a:r>
+          </a:p>
+          <a:p>
+            <a:pPr lvl="2"/>
+            <a:r>
+              <a:rPr lang="en-US" sz="2600" dirty="0"/>
+              <a:t>adjustable dc-link voltage</a:t>
+            </a:r>
+            <a:endParaRPr lang="sv-SE" sz="2600" dirty="0"/>
+          </a:p>
+          <a:p>
+            <a:pPr marL="0" indent="0">
+              <a:buNone/>
+            </a:pPr>
+            <a:endParaRPr lang="en-US" sz="2000" dirty="0"/>
+          </a:p>
+          <a:p>
+            <a:endParaRPr lang="sv-SE" sz="2000" dirty="0"/>
+          </a:p>
+        </p:txBody>
+      </p:sp>
+    </p:spTree>
+    <p:extLst>
+      <p:ext uri="{BB962C8B-B14F-4D97-AF65-F5344CB8AC3E}">
+        <p14:creationId xmlns:p14="http://schemas.microsoft.com/office/powerpoint/2010/main" val="86667781"/>
+      </p:ext>
+    </p:extLst>
+  </p:cSld>
+  <p:clrMapOvr>
+    <a:masterClrMapping/>
+  </p:clrMapOvr>
+</p:sld>
+</file>
+
+<file path=ppt/slides/slide17.xml><?xml version="1.0" encoding="utf-8"?>
+<p:sld xmlns:a="http://schemas.openxmlformats.org/drawingml/2006/main" xmlns:r="http://schemas.openxmlformats.org/officeDocument/2006/relationships" xmlns:p="http://schemas.openxmlformats.org/presentationml/2006/main">
+  <p:cSld>
+    <p:spTree>
+      <p:nvGrpSpPr>
+        <p:cNvPr id="1" name=""/>
+        <p:cNvGrpSpPr/>
+        <p:nvPr/>
+      </p:nvGrpSpPr>
+      <p:grpSpPr>
+        <a:xfrm>
+          <a:off x="0" y="0"/>
+          <a:ext cx="0" cy="0"/>
+          <a:chOff x="0" y="0"/>
+          <a:chExt cx="0" cy="0"/>
+        </a:xfrm>
+      </p:grpSpPr>
+      <p:sp>
+        <p:nvSpPr>
+          <p:cNvPr id="2" name="Title 1"/>
+          <p:cNvSpPr>
+            <a:spLocks noGrp="1"/>
+          </p:cNvSpPr>
+          <p:nvPr>
+            <p:ph type="title"/>
+          </p:nvPr>
+        </p:nvSpPr>
+        <p:spPr/>
+        <p:txBody>
+          <a:bodyPr/>
+          <a:lstStyle/>
+          <a:p>
+            <a:r>
+              <a:rPr lang="en-US" dirty="0" smtClean="0">
+                <a:solidFill>
+                  <a:srgbClr val="C00000"/>
+                </a:solidFill>
+              </a:rPr>
+              <a:t>DC-link Capacitor Selection [6]</a:t>
+            </a:r>
+            <a:endParaRPr lang="sv-SE" dirty="0">
+              <a:solidFill>
+                <a:srgbClr val="C00000"/>
+              </a:solidFill>
+            </a:endParaRPr>
+          </a:p>
+        </p:txBody>
+      </p:sp>
+      <mc:AlternateContent xmlns:mc="http://schemas.openxmlformats.org/markup-compatibility/2006" xmlns:a14="http://schemas.microsoft.com/office/drawing/2010/main">
+        <mc:Choice Requires="a14">
+          <p:sp>
+            <p:nvSpPr>
+              <p:cNvPr id="3" name="Content Placeholder 2"/>
+              <p:cNvSpPr>
+                <a:spLocks noGrp="1"/>
+              </p:cNvSpPr>
+              <p:nvPr>
+                <p:ph idx="1"/>
+              </p:nvPr>
+            </p:nvSpPr>
+            <p:spPr>
+              <a:xfrm>
+                <a:off x="838200" y="1522487"/>
+                <a:ext cx="10515600" cy="4902835"/>
+              </a:xfrm>
+            </p:spPr>
+            <p:txBody>
+              <a:bodyPr>
+                <a:noAutofit/>
+              </a:bodyPr>
+              <a:lstStyle/>
+              <a:p>
+                <a:r>
+                  <a:rPr lang="en-US" sz="1600" dirty="0" smtClean="0"/>
+                  <a:t>To </a:t>
+                </a:r>
+                <a:r>
+                  <a:rPr lang="en-US" sz="1600" dirty="0"/>
+                  <a:t>meet the light and compact design target, the capacitance and volume of the dc-link capacitor should be </a:t>
+                </a:r>
+                <a:r>
+                  <a:rPr lang="en-US" sz="1600" dirty="0" smtClean="0"/>
+                  <a:t>optimized</a:t>
+                </a:r>
+              </a:p>
+              <a:p>
+                <a:r>
+                  <a:rPr lang="en-US" sz="1600" dirty="0"/>
+                  <a:t>D</a:t>
+                </a:r>
+                <a:r>
+                  <a:rPr lang="en-US" sz="1600" dirty="0" smtClean="0"/>
+                  <a:t>ue </a:t>
+                </a:r>
+                <a:r>
+                  <a:rPr lang="en-US" sz="1600" dirty="0"/>
+                  <a:t>to the ripple voltage and ripple current caused by the switching behavior of </a:t>
+                </a:r>
+                <a:r>
+                  <a:rPr lang="en-US" sz="1600" dirty="0" err="1"/>
+                  <a:t>SiC</a:t>
+                </a:r>
+                <a:r>
+                  <a:rPr lang="en-US" sz="1600" dirty="0"/>
+                  <a:t> MOSFET</a:t>
+                </a:r>
+                <a:r>
+                  <a:rPr lang="en-US" sz="1600" dirty="0" smtClean="0"/>
+                  <a:t>, the </a:t>
+                </a:r>
+                <a:r>
+                  <a:rPr lang="en-US" sz="1600" dirty="0"/>
+                  <a:t>dc-link capacitor is one of the weakest elements in the </a:t>
+                </a:r>
+                <a:r>
+                  <a:rPr lang="en-US" sz="1600" dirty="0" smtClean="0"/>
+                  <a:t>inverter.</a:t>
+                </a:r>
+                <a:endParaRPr lang="en-US" sz="1600" dirty="0"/>
+              </a:p>
+              <a:p>
+                <a:pPr marL="0" indent="0">
+                  <a:buNone/>
+                </a:pPr>
+                <a:r>
+                  <a:rPr lang="en-US" sz="1600" dirty="0" smtClean="0"/>
+                  <a:t>Objectives:</a:t>
+                </a:r>
+              </a:p>
+              <a:p>
+                <a:pPr lvl="1"/>
+                <a:r>
+                  <a:rPr lang="en-US" sz="1600" dirty="0" smtClean="0"/>
+                  <a:t>Optimal material:</a:t>
+                </a:r>
+              </a:p>
+              <a:p>
+                <a:pPr lvl="2"/>
+                <a:r>
+                  <a:rPr lang="en-US" sz="1600" b="1" dirty="0" smtClean="0"/>
+                  <a:t>Ceramic</a:t>
+                </a:r>
+                <a:r>
+                  <a:rPr lang="en-US" sz="1600" dirty="0" smtClean="0"/>
+                  <a:t> can endure </a:t>
+                </a:r>
+                <a:r>
+                  <a:rPr lang="en-US" sz="1600" dirty="0"/>
+                  <a:t>high temperature, but its capacitance is small and sensitive to humidity</a:t>
+                </a:r>
+                <a:r>
+                  <a:rPr lang="en-US" sz="1600" dirty="0" smtClean="0"/>
+                  <a:t>.</a:t>
+                </a:r>
+                <a:r>
+                  <a:rPr lang="en-US" sz="1600" dirty="0"/>
+                  <a:t> Power density is about </a:t>
+                </a:r>
+                <a:r>
+                  <a:rPr lang="en-US" sz="1600" b="1" dirty="0" smtClean="0"/>
+                  <a:t>2</a:t>
+                </a:r>
+                <a14:m>
+                  <m:oMath xmlns:m="http://schemas.openxmlformats.org/officeDocument/2006/math">
+                    <m:r>
+                      <a:rPr lang="el-GR" sz="1600" b="1" i="1" dirty="0">
+                        <a:latin typeface="Cambria Math" panose="02040503050406030204" pitchFamily="18" charset="0"/>
+                      </a:rPr>
+                      <m:t> </m:t>
+                    </m:r>
+                    <m:r>
+                      <a:rPr lang="el-GR" sz="1600" b="1" i="1" dirty="0">
+                        <a:latin typeface="Cambria Math" panose="02040503050406030204" pitchFamily="18" charset="0"/>
+                      </a:rPr>
+                      <m:t>𝝁</m:t>
+                    </m:r>
+                    <m:r>
+                      <a:rPr lang="en-US" sz="1600" b="1" i="1" dirty="0">
+                        <a:latin typeface="Cambria Math" panose="02040503050406030204" pitchFamily="18" charset="0"/>
+                      </a:rPr>
+                      <m:t>𝑭</m:t>
+                    </m:r>
+                    <m:r>
+                      <a:rPr lang="en-US" sz="1600" b="1" i="1" dirty="0">
+                        <a:latin typeface="Cambria Math" panose="02040503050406030204" pitchFamily="18" charset="0"/>
+                      </a:rPr>
+                      <m:t>/</m:t>
+                    </m:r>
+                    <m:r>
+                      <a:rPr lang="en-US" sz="1600" b="1" i="1" dirty="0">
+                        <a:latin typeface="Cambria Math" panose="02040503050406030204" pitchFamily="18" charset="0"/>
+                      </a:rPr>
+                      <m:t>𝒄</m:t>
+                    </m:r>
+                    <m:sSup>
+                      <m:sSupPr>
+                        <m:ctrlPr>
+                          <a:rPr lang="en-US" sz="1600" b="1" i="1" dirty="0">
+                            <a:latin typeface="Cambria Math" panose="02040503050406030204" pitchFamily="18" charset="0"/>
+                          </a:rPr>
+                        </m:ctrlPr>
+                      </m:sSupPr>
+                      <m:e>
+                        <m:r>
+                          <a:rPr lang="en-US" sz="1600" b="1" i="1" dirty="0">
+                            <a:latin typeface="Cambria Math" panose="02040503050406030204" pitchFamily="18" charset="0"/>
+                          </a:rPr>
+                          <m:t>𝒎</m:t>
+                        </m:r>
+                      </m:e>
+                      <m:sup>
+                        <m:r>
+                          <a:rPr lang="en-US" sz="1600" b="1" i="1" dirty="0">
+                            <a:latin typeface="Cambria Math" panose="02040503050406030204" pitchFamily="18" charset="0"/>
+                          </a:rPr>
+                          <m:t>𝟑</m:t>
+                        </m:r>
+                      </m:sup>
+                    </m:sSup>
+                  </m:oMath>
+                </a14:m>
+                <a:r>
+                  <a:rPr lang="en-US" sz="1600" dirty="0"/>
+                  <a:t>. It </a:t>
+                </a:r>
+                <a:r>
+                  <a:rPr lang="en-US" sz="1600" dirty="0" smtClean="0"/>
+                  <a:t>is </a:t>
+                </a:r>
+                <a:r>
+                  <a:rPr lang="en-US" sz="1600" dirty="0"/>
+                  <a:t>much more </a:t>
+                </a:r>
+                <a:r>
+                  <a:rPr lang="en-US" sz="1600" b="1" dirty="0"/>
+                  <a:t>expensive</a:t>
+                </a:r>
+                <a:r>
+                  <a:rPr lang="en-US" sz="1600" dirty="0"/>
+                  <a:t> than others.</a:t>
+                </a:r>
+                <a:endParaRPr lang="en-US" sz="1600" dirty="0" smtClean="0"/>
+              </a:p>
+              <a:p>
+                <a:pPr lvl="2"/>
+                <a:r>
+                  <a:rPr lang="en-US" sz="1600" b="1" dirty="0"/>
+                  <a:t>Electrolytic</a:t>
+                </a:r>
+                <a:r>
+                  <a:rPr lang="en-US" sz="1600" dirty="0"/>
+                  <a:t> capacitor has large capacitance, it cannot endure high temperature. </a:t>
+                </a:r>
+                <a:r>
+                  <a:rPr lang="en-US" sz="1600" dirty="0" smtClean="0"/>
+                  <a:t>The </a:t>
+                </a:r>
+                <a:r>
+                  <a:rPr lang="en-US" sz="1600" dirty="0"/>
+                  <a:t>hot operation condition dries the electrolytic out and damages the capacitor</a:t>
+                </a:r>
+                <a:r>
+                  <a:rPr lang="en-US" sz="1600" dirty="0" smtClean="0"/>
+                  <a:t>. Higher power density, which is greater than </a:t>
+                </a:r>
+                <a14:m>
+                  <m:oMath xmlns:m="http://schemas.openxmlformats.org/officeDocument/2006/math">
+                    <m:r>
+                      <a:rPr lang="el-GR" sz="1600" b="1" i="1" dirty="0" smtClean="0">
+                        <a:latin typeface="Cambria Math" panose="02040503050406030204" pitchFamily="18" charset="0"/>
+                      </a:rPr>
+                      <m:t>𝟒</m:t>
+                    </m:r>
+                    <m:r>
+                      <a:rPr lang="el-GR" sz="1600" b="1" i="1" dirty="0" smtClean="0">
+                        <a:latin typeface="Cambria Math" panose="02040503050406030204" pitchFamily="18" charset="0"/>
+                      </a:rPr>
+                      <m:t> </m:t>
+                    </m:r>
+                    <m:r>
+                      <a:rPr lang="el-GR" sz="1600" b="1" i="1" dirty="0" smtClean="0">
+                        <a:latin typeface="Cambria Math" panose="02040503050406030204" pitchFamily="18" charset="0"/>
+                      </a:rPr>
+                      <m:t>𝝁</m:t>
+                    </m:r>
+                    <m:r>
+                      <a:rPr lang="en-US" sz="1600" b="1" i="1" dirty="0">
+                        <a:latin typeface="Cambria Math" panose="02040503050406030204" pitchFamily="18" charset="0"/>
+                      </a:rPr>
+                      <m:t>𝑭</m:t>
+                    </m:r>
+                    <m:r>
+                      <a:rPr lang="en-US" sz="1600" b="1" i="1" dirty="0">
+                        <a:latin typeface="Cambria Math" panose="02040503050406030204" pitchFamily="18" charset="0"/>
+                      </a:rPr>
+                      <m:t>/</m:t>
+                    </m:r>
+                    <m:r>
+                      <a:rPr lang="en-US" sz="1600" b="1" i="1" dirty="0">
+                        <a:latin typeface="Cambria Math" panose="02040503050406030204" pitchFamily="18" charset="0"/>
+                      </a:rPr>
+                      <m:t>𝒄</m:t>
+                    </m:r>
+                    <m:sSup>
+                      <m:sSupPr>
+                        <m:ctrlPr>
+                          <a:rPr lang="en-US" sz="1600" b="1" i="1" dirty="0" smtClean="0">
+                            <a:latin typeface="Cambria Math" panose="02040503050406030204" pitchFamily="18" charset="0"/>
+                          </a:rPr>
+                        </m:ctrlPr>
+                      </m:sSupPr>
+                      <m:e>
+                        <m:r>
+                          <a:rPr lang="en-US" sz="1600" b="1" i="1" dirty="0">
+                            <a:latin typeface="Cambria Math" panose="02040503050406030204" pitchFamily="18" charset="0"/>
+                          </a:rPr>
+                          <m:t>𝒎</m:t>
+                        </m:r>
+                      </m:e>
+                      <m:sup>
+                        <m:r>
+                          <a:rPr lang="en-US" sz="1600" b="1" i="1" dirty="0">
+                            <a:latin typeface="Cambria Math" panose="02040503050406030204" pitchFamily="18" charset="0"/>
+                          </a:rPr>
+                          <m:t>𝟑</m:t>
+                        </m:r>
+                      </m:sup>
+                    </m:sSup>
+                  </m:oMath>
+                </a14:m>
+                <a:endParaRPr lang="en-US" sz="1600" dirty="0" smtClean="0"/>
+              </a:p>
+              <a:p>
+                <a:pPr lvl="2"/>
+                <a:r>
+                  <a:rPr lang="en-US" sz="1600" b="1" dirty="0" smtClean="0"/>
+                  <a:t>Film</a:t>
+                </a:r>
+                <a:r>
+                  <a:rPr lang="en-US" sz="1600" dirty="0" smtClean="0"/>
+                  <a:t> </a:t>
+                </a:r>
+                <a:r>
+                  <a:rPr lang="en-US" sz="1600" dirty="0"/>
+                  <a:t>capacitor are between the ceramic and electrolytic capacitors</a:t>
+                </a:r>
+                <a:r>
+                  <a:rPr lang="en-US" sz="1600" dirty="0" smtClean="0"/>
+                  <a:t>. Power density is about </a:t>
+                </a:r>
+                <a:r>
+                  <a:rPr lang="en-US" sz="1600" b="1" dirty="0" smtClean="0"/>
+                  <a:t>1</a:t>
+                </a:r>
+                <a14:m>
+                  <m:oMath xmlns:m="http://schemas.openxmlformats.org/officeDocument/2006/math">
+                    <m:r>
+                      <a:rPr lang="el-GR" sz="1600" b="1" i="1" dirty="0">
+                        <a:latin typeface="Cambria Math" panose="02040503050406030204" pitchFamily="18" charset="0"/>
+                      </a:rPr>
+                      <m:t> </m:t>
+                    </m:r>
+                    <m:r>
+                      <a:rPr lang="el-GR" sz="1600" b="1" i="1" dirty="0">
+                        <a:latin typeface="Cambria Math" panose="02040503050406030204" pitchFamily="18" charset="0"/>
+                      </a:rPr>
+                      <m:t>𝝁</m:t>
+                    </m:r>
+                    <m:r>
+                      <a:rPr lang="en-US" sz="1600" b="1" i="1" dirty="0">
+                        <a:latin typeface="Cambria Math" panose="02040503050406030204" pitchFamily="18" charset="0"/>
+                      </a:rPr>
+                      <m:t>𝑭</m:t>
+                    </m:r>
+                    <m:r>
+                      <a:rPr lang="en-US" sz="1600" b="1" i="1" dirty="0">
+                        <a:latin typeface="Cambria Math" panose="02040503050406030204" pitchFamily="18" charset="0"/>
+                      </a:rPr>
+                      <m:t>/</m:t>
+                    </m:r>
+                    <m:r>
+                      <a:rPr lang="en-US" sz="1600" b="1" i="1" dirty="0">
+                        <a:latin typeface="Cambria Math" panose="02040503050406030204" pitchFamily="18" charset="0"/>
+                      </a:rPr>
+                      <m:t>𝒄</m:t>
+                    </m:r>
+                    <m:sSup>
+                      <m:sSupPr>
+                        <m:ctrlPr>
+                          <a:rPr lang="en-US" sz="1600" b="1" i="1" dirty="0">
+                            <a:latin typeface="Cambria Math" panose="02040503050406030204" pitchFamily="18" charset="0"/>
+                          </a:rPr>
+                        </m:ctrlPr>
+                      </m:sSupPr>
+                      <m:e>
+                        <m:r>
+                          <a:rPr lang="en-US" sz="1600" b="1" i="1" dirty="0">
+                            <a:latin typeface="Cambria Math" panose="02040503050406030204" pitchFamily="18" charset="0"/>
+                          </a:rPr>
+                          <m:t>𝒎</m:t>
+                        </m:r>
+                      </m:e>
+                      <m:sup>
+                        <m:r>
+                          <a:rPr lang="en-US" sz="1600" b="1" i="1" dirty="0">
+                            <a:latin typeface="Cambria Math" panose="02040503050406030204" pitchFamily="18" charset="0"/>
+                          </a:rPr>
+                          <m:t>𝟑</m:t>
+                        </m:r>
+                      </m:sup>
+                    </m:sSup>
+                  </m:oMath>
+                </a14:m>
+                <a:endParaRPr lang="en-US" sz="1600" b="1" dirty="0" smtClean="0"/>
+              </a:p>
+              <a:p>
+                <a:pPr lvl="1"/>
+                <a:r>
+                  <a:rPr lang="en-US" sz="1600" dirty="0" smtClean="0"/>
+                  <a:t>Minimized capacitance</a:t>
+                </a:r>
+              </a:p>
+              <a:p>
+                <a:pPr lvl="2"/>
+                <a:r>
+                  <a:rPr lang="en-US" sz="1600" dirty="0"/>
+                  <a:t>Considering the ripple voltage of the inverter, the minimum capacitance </a:t>
+                </a:r>
+                <a:r>
+                  <a:rPr lang="en-US" sz="1600" dirty="0" err="1" smtClean="0"/>
+                  <a:t>Cv</a:t>
+                </a:r>
+                <a:r>
+                  <a:rPr lang="en-US" sz="1600" dirty="0" smtClean="0"/>
+                  <a:t> can be found respecting topology. </a:t>
+                </a:r>
+              </a:p>
+              <a:p>
+                <a:pPr lvl="2"/>
+                <a:r>
+                  <a:rPr lang="en-US" sz="1600" dirty="0"/>
+                  <a:t>Considering the ripple </a:t>
+                </a:r>
+                <a:r>
+                  <a:rPr lang="en-US" sz="1600" dirty="0" smtClean="0"/>
+                  <a:t>current, </a:t>
+                </a:r>
+                <a:r>
+                  <a:rPr lang="en-US" sz="1600" dirty="0"/>
+                  <a:t>the minimum capacitance </a:t>
+                </a:r>
+                <a:r>
+                  <a:rPr lang="en-US" sz="1600" dirty="0" smtClean="0"/>
+                  <a:t>Ci </a:t>
+                </a:r>
+                <a:r>
+                  <a:rPr lang="en-US" sz="1600" dirty="0"/>
+                  <a:t>can be found respecting topology. </a:t>
+                </a:r>
+              </a:p>
+              <a:p>
+                <a:pPr lvl="2"/>
+                <a:r>
+                  <a:rPr lang="en-US" sz="1600" dirty="0" smtClean="0"/>
+                  <a:t>Multi level or multi-module decreases the capacitance requirement?</a:t>
+                </a:r>
+                <a:endParaRPr lang="en-US" sz="1600" dirty="0"/>
+              </a:p>
+              <a:p>
+                <a:pPr marL="0" indent="0">
+                  <a:buNone/>
+                </a:pPr>
+                <a:r>
+                  <a:rPr lang="en-US" sz="1600" dirty="0"/>
+                  <a:t>C</a:t>
+                </a:r>
+                <a:r>
+                  <a:rPr lang="en-US" sz="1600" dirty="0" smtClean="0"/>
+                  <a:t>onstraints: </a:t>
+                </a:r>
+              </a:p>
+              <a:p>
+                <a:pPr marL="457200" lvl="1" indent="0">
+                  <a:buNone/>
+                </a:pPr>
+                <a:r>
+                  <a:rPr lang="en-US" sz="1600" dirty="0" smtClean="0"/>
+                  <a:t>1. Ripple voltage, 2.Ripple current , 3.Cost, 4.Size, 5.Weight</a:t>
+                </a:r>
+                <a:endParaRPr lang="sv-SE" sz="1600" dirty="0"/>
+              </a:p>
+            </p:txBody>
+          </p:sp>
+        </mc:Choice>
+        <mc:Fallback xmlns="">
+          <p:sp>
+            <p:nvSpPr>
+              <p:cNvPr id="3" name="Content Placeholder 2"/>
+              <p:cNvSpPr>
+                <a:spLocks noGrp="1" noRot="1" noChangeAspect="1" noMove="1" noResize="1" noEditPoints="1" noAdjustHandles="1" noChangeArrowheads="1" noChangeShapeType="1" noTextEdit="1"/>
+              </p:cNvSpPr>
+              <p:nvPr>
+                <p:ph idx="1"/>
+              </p:nvPr>
+            </p:nvSpPr>
+            <p:spPr>
+              <a:xfrm>
+                <a:off x="838200" y="1522487"/>
+                <a:ext cx="10515600" cy="4902835"/>
+              </a:xfrm>
+              <a:blipFill>
+                <a:blip r:embed="rId2"/>
+                <a:stretch>
+                  <a:fillRect l="-348" t="-871"/>
+                </a:stretch>
+              </a:blipFill>
+            </p:spPr>
+            <p:txBody>
+              <a:bodyPr/>
+              <a:lstStyle/>
+              <a:p>
+                <a:r>
+                  <a:rPr lang="sv-SE">
+                    <a:noFill/>
+                  </a:rPr>
+                  <a:t> </a:t>
+                </a:r>
+              </a:p>
+            </p:txBody>
+          </p:sp>
+        </mc:Fallback>
+      </mc:AlternateContent>
+      <p:pic>
+        <p:nvPicPr>
+          <p:cNvPr id="4" name="Picture 3"/>
+          <p:cNvPicPr>
+            <a:picLocks noChangeAspect="1"/>
+          </p:cNvPicPr>
+          <p:nvPr/>
+        </p:nvPicPr>
+        <p:blipFill rotWithShape="1">
+          <a:blip r:embed="rId3"/>
+          <a:srcRect t="6431" b="1"/>
+          <a:stretch/>
+        </p:blipFill>
+        <p:spPr>
+          <a:xfrm>
+            <a:off x="8502014" y="5387339"/>
+            <a:ext cx="3217545" cy="611997"/>
+          </a:xfrm>
+          <a:prstGeom prst="rect">
+            <a:avLst/>
+          </a:prstGeom>
+        </p:spPr>
+      </p:pic>
+      <p:pic>
+        <p:nvPicPr>
+          <p:cNvPr id="5" name="Picture 4"/>
+          <p:cNvPicPr>
+            <a:picLocks noChangeAspect="1"/>
+          </p:cNvPicPr>
+          <p:nvPr/>
+        </p:nvPicPr>
+        <p:blipFill>
+          <a:blip r:embed="rId4"/>
+          <a:stretch>
+            <a:fillRect/>
+          </a:stretch>
+        </p:blipFill>
+        <p:spPr>
+          <a:xfrm>
+            <a:off x="8387713" y="5950706"/>
+            <a:ext cx="3446145" cy="605404"/>
+          </a:xfrm>
+          <a:prstGeom prst="rect">
+            <a:avLst/>
+          </a:prstGeom>
+        </p:spPr>
+      </p:pic>
+      <p:pic>
+        <p:nvPicPr>
+          <p:cNvPr id="6" name="Picture 5"/>
+          <p:cNvPicPr>
+            <a:picLocks noChangeAspect="1"/>
+          </p:cNvPicPr>
+          <p:nvPr/>
+        </p:nvPicPr>
+        <p:blipFill>
+          <a:blip r:embed="rId5"/>
+          <a:stretch>
+            <a:fillRect/>
+          </a:stretch>
+        </p:blipFill>
+        <p:spPr>
+          <a:xfrm>
+            <a:off x="6847522" y="5794330"/>
+            <a:ext cx="1862139" cy="410012"/>
+          </a:xfrm>
+          <a:prstGeom prst="rect">
+            <a:avLst/>
+          </a:prstGeom>
+        </p:spPr>
+      </p:pic>
+    </p:spTree>
+    <p:extLst>
+      <p:ext uri="{BB962C8B-B14F-4D97-AF65-F5344CB8AC3E}">
+        <p14:creationId xmlns:p14="http://schemas.microsoft.com/office/powerpoint/2010/main" val="454855468"/>
+      </p:ext>
+    </p:extLst>
+  </p:cSld>
+  <p:clrMapOvr>
+    <a:masterClrMapping/>
+  </p:clrMapOvr>
+</p:sld>
+</file>
+
+<file path=ppt/slides/slide18.xml><?xml version="1.0" encoding="utf-8"?>
+<p:sld xmlns:a="http://schemas.openxmlformats.org/drawingml/2006/main" xmlns:r="http://schemas.openxmlformats.org/officeDocument/2006/relationships" xmlns:p="http://schemas.openxmlformats.org/presentationml/2006/main">
+  <p:cSld>
+    <p:spTree>
+      <p:nvGrpSpPr>
+        <p:cNvPr id="1" name=""/>
+        <p:cNvGrpSpPr/>
+        <p:nvPr/>
+      </p:nvGrpSpPr>
+      <p:grpSpPr>
+        <a:xfrm>
+          <a:off x="0" y="0"/>
+          <a:ext cx="0" cy="0"/>
+          <a:chOff x="0" y="0"/>
+          <a:chExt cx="0" cy="0"/>
+        </a:xfrm>
+      </p:grpSpPr>
+      <p:sp>
+        <p:nvSpPr>
+          <p:cNvPr id="2" name="Title 1"/>
+          <p:cNvSpPr>
+            <a:spLocks noGrp="1"/>
+          </p:cNvSpPr>
+          <p:nvPr>
+            <p:ph type="title"/>
+          </p:nvPr>
+        </p:nvSpPr>
+        <p:spPr/>
+        <p:txBody>
+          <a:bodyPr/>
+          <a:lstStyle/>
+          <a:p>
+            <a:pPr algn="ctr"/>
+            <a:r>
+              <a:rPr lang="en-US" dirty="0" smtClean="0">
+                <a:solidFill>
+                  <a:srgbClr val="C00000"/>
+                </a:solidFill>
+              </a:rPr>
+              <a:t>DC-link Capacitor Selection- Example Weight/Volume/Cost[6]</a:t>
+            </a:r>
+            <a:endParaRPr lang="sv-SE" dirty="0">
+              <a:solidFill>
+                <a:srgbClr val="C00000"/>
+              </a:solidFill>
+            </a:endParaRPr>
+          </a:p>
+        </p:txBody>
+      </p:sp>
+      <p:pic>
+        <p:nvPicPr>
+          <p:cNvPr id="4" name="Picture 3"/>
+          <p:cNvPicPr>
+            <a:picLocks noChangeAspect="1"/>
+          </p:cNvPicPr>
+          <p:nvPr/>
+        </p:nvPicPr>
+        <p:blipFill>
+          <a:blip r:embed="rId2"/>
+          <a:stretch>
+            <a:fillRect/>
+          </a:stretch>
+        </p:blipFill>
+        <p:spPr>
+          <a:xfrm>
+            <a:off x="2321243" y="1777831"/>
+            <a:ext cx="7820978" cy="3974316"/>
+          </a:xfrm>
+          <a:prstGeom prst="rect">
+            <a:avLst/>
+          </a:prstGeom>
+        </p:spPr>
+      </p:pic>
+    </p:spTree>
+    <p:extLst>
+      <p:ext uri="{BB962C8B-B14F-4D97-AF65-F5344CB8AC3E}">
+        <p14:creationId xmlns:p14="http://schemas.microsoft.com/office/powerpoint/2010/main" val="1857659919"/>
+      </p:ext>
+    </p:extLst>
+  </p:cSld>
+  <p:clrMapOvr>
+    <a:masterClrMapping/>
+  </p:clrMapOvr>
+</p:sld>
+</file>
+
+<file path=ppt/slides/slide19.xml><?xml version="1.0" encoding="utf-8"?>
+<p:sld xmlns:a="http://schemas.openxmlformats.org/drawingml/2006/main" xmlns:r="http://schemas.openxmlformats.org/officeDocument/2006/relationships" xmlns:p="http://schemas.openxmlformats.org/presentationml/2006/main">
+  <p:cSld>
+    <p:spTree>
+      <p:nvGrpSpPr>
+        <p:cNvPr id="1" name=""/>
+        <p:cNvGrpSpPr/>
+        <p:nvPr/>
+      </p:nvGrpSpPr>
+      <p:grpSpPr>
+        <a:xfrm>
+          <a:off x="0" y="0"/>
+          <a:ext cx="0" cy="0"/>
+          <a:chOff x="0" y="0"/>
+          <a:chExt cx="0" cy="0"/>
+        </a:xfrm>
+      </p:grpSpPr>
+      <p:sp>
+        <p:nvSpPr>
+          <p:cNvPr id="2" name="Title 1"/>
+          <p:cNvSpPr>
+            <a:spLocks noGrp="1"/>
+          </p:cNvSpPr>
+          <p:nvPr>
+            <p:ph type="title"/>
+          </p:nvPr>
+        </p:nvSpPr>
+        <p:spPr>
+          <a:xfrm>
+            <a:off x="838200" y="159385"/>
+            <a:ext cx="10515600" cy="1325563"/>
+          </a:xfrm>
+        </p:spPr>
+        <p:txBody>
+          <a:bodyPr/>
+          <a:lstStyle/>
+          <a:p>
+            <a:r>
+              <a:rPr lang="en-US" dirty="0" err="1" smtClean="0">
+                <a:solidFill>
+                  <a:srgbClr val="C00000"/>
+                </a:solidFill>
+              </a:rPr>
+              <a:t>Busbar</a:t>
+            </a:r>
+            <a:r>
+              <a:rPr lang="en-US" dirty="0" smtClean="0">
+                <a:solidFill>
+                  <a:srgbClr val="C00000"/>
+                </a:solidFill>
+              </a:rPr>
+              <a:t> Design [11]</a:t>
+            </a:r>
+            <a:endParaRPr lang="sv-SE" dirty="0">
+              <a:solidFill>
+                <a:srgbClr val="C00000"/>
+              </a:solidFill>
+            </a:endParaRPr>
+          </a:p>
+        </p:txBody>
+      </p:sp>
+      <p:sp>
+        <p:nvSpPr>
+          <p:cNvPr id="3" name="Content Placeholder 2"/>
+          <p:cNvSpPr>
+            <a:spLocks noGrp="1"/>
+          </p:cNvSpPr>
+          <p:nvPr>
+            <p:ph idx="1"/>
+          </p:nvPr>
+        </p:nvSpPr>
+        <p:spPr>
+          <a:xfrm>
+            <a:off x="769620" y="1116964"/>
+            <a:ext cx="10515600" cy="5923916"/>
+          </a:xfrm>
+        </p:spPr>
+        <p:txBody>
+          <a:bodyPr>
+            <a:noAutofit/>
+          </a:bodyPr>
+          <a:lstStyle/>
+          <a:p>
+            <a:pPr marL="0" indent="0">
+              <a:buNone/>
+            </a:pPr>
+            <a:r>
+              <a:rPr lang="en-US" sz="2000" dirty="0" smtClean="0"/>
+              <a:t>High switching speed of </a:t>
+            </a:r>
+            <a:r>
+              <a:rPr lang="en-US" sz="2000" dirty="0" err="1" smtClean="0"/>
+              <a:t>SiC</a:t>
+            </a:r>
+            <a:r>
+              <a:rPr lang="en-US" sz="2000" dirty="0" smtClean="0"/>
+              <a:t> may potentially cause:</a:t>
+            </a:r>
+          </a:p>
+          <a:p>
+            <a:pPr lvl="1"/>
+            <a:r>
+              <a:rPr lang="en-US" sz="2000" dirty="0"/>
+              <a:t>E</a:t>
+            </a:r>
+            <a:r>
+              <a:rPr lang="en-US" sz="2000" dirty="0" smtClean="0"/>
+              <a:t>xcessive </a:t>
+            </a:r>
+            <a:r>
+              <a:rPr lang="en-US" sz="2000" dirty="0"/>
+              <a:t>voltage </a:t>
+            </a:r>
+            <a:r>
+              <a:rPr lang="en-US" sz="2000" dirty="0" smtClean="0"/>
+              <a:t>overshoot</a:t>
+            </a:r>
+          </a:p>
+          <a:p>
+            <a:pPr lvl="1"/>
+            <a:r>
+              <a:rPr lang="sv-SE" sz="2000" dirty="0" err="1" smtClean="0"/>
+              <a:t>Ringing</a:t>
+            </a:r>
+            <a:r>
+              <a:rPr lang="sv-SE" sz="2000" dirty="0" smtClean="0"/>
+              <a:t> </a:t>
+            </a:r>
+            <a:endParaRPr lang="en-US" sz="2000" dirty="0"/>
+          </a:p>
+          <a:p>
+            <a:pPr marL="0" indent="0">
+              <a:buNone/>
+            </a:pPr>
+            <a:r>
+              <a:rPr lang="en-US" sz="2000" dirty="0" smtClean="0"/>
+              <a:t>The </a:t>
+            </a:r>
+            <a:r>
+              <a:rPr lang="en-US" sz="2000" dirty="0"/>
+              <a:t>overshoot voltage during </a:t>
+            </a:r>
+            <a:r>
+              <a:rPr lang="en-US" sz="2000" dirty="0" err="1"/>
+              <a:t>turn-OFF</a:t>
+            </a:r>
+            <a:r>
+              <a:rPr lang="en-US" sz="2000" dirty="0"/>
+              <a:t> transient is a common </a:t>
+            </a:r>
+            <a:r>
+              <a:rPr lang="en-US" sz="2000" dirty="0" smtClean="0"/>
+              <a:t>issue. </a:t>
+            </a:r>
+            <a:r>
+              <a:rPr lang="sv-SE" sz="2000" dirty="0" smtClean="0"/>
+              <a:t>It </a:t>
+            </a:r>
+            <a:r>
+              <a:rPr lang="sv-SE" sz="2000" dirty="0" err="1" smtClean="0"/>
+              <a:t>stems</a:t>
+            </a:r>
+            <a:r>
+              <a:rPr lang="sv-SE" sz="2000" dirty="0" smtClean="0"/>
+              <a:t> from: </a:t>
+            </a:r>
+          </a:p>
+          <a:p>
+            <a:pPr lvl="1"/>
+            <a:r>
+              <a:rPr lang="en-US" sz="2000" dirty="0" smtClean="0"/>
+              <a:t>high di/</a:t>
+            </a:r>
+            <a:r>
+              <a:rPr lang="en-US" sz="2000" dirty="0" err="1" smtClean="0"/>
+              <a:t>dt</a:t>
+            </a:r>
+            <a:r>
+              <a:rPr lang="en-US" sz="2000" dirty="0" smtClean="0"/>
+              <a:t> (5-10  times higher than Si)</a:t>
+            </a:r>
+          </a:p>
+          <a:p>
+            <a:pPr lvl="1"/>
+            <a:r>
+              <a:rPr lang="en-US" sz="2000" dirty="0" smtClean="0"/>
+              <a:t>the </a:t>
+            </a:r>
+            <a:r>
+              <a:rPr lang="en-US" sz="2000" dirty="0"/>
+              <a:t>total stray inductance in the current commutation loops </a:t>
+            </a:r>
+            <a:r>
+              <a:rPr lang="en-US" sz="2000" dirty="0" smtClean="0"/>
+              <a:t>	(</a:t>
+            </a:r>
+            <a:r>
+              <a:rPr lang="en-US" sz="2000" dirty="0"/>
+              <a:t>CCLs</a:t>
+            </a:r>
+            <a:r>
+              <a:rPr lang="en-US" sz="2000" dirty="0" smtClean="0"/>
+              <a:t>)</a:t>
+            </a:r>
+          </a:p>
+          <a:p>
+            <a:pPr lvl="2"/>
+            <a:r>
+              <a:rPr lang="en-US" dirty="0"/>
+              <a:t>the parasitic inductance of the dc-link </a:t>
+            </a:r>
+            <a:r>
+              <a:rPr lang="en-US" dirty="0" smtClean="0"/>
+              <a:t>capacitors</a:t>
+            </a:r>
+          </a:p>
+          <a:p>
+            <a:pPr lvl="2"/>
+            <a:r>
+              <a:rPr lang="en-US" dirty="0"/>
+              <a:t>the stray inductance of the semiconductor devices or power </a:t>
+            </a:r>
+            <a:r>
+              <a:rPr lang="en-US" dirty="0" smtClean="0"/>
+              <a:t>modules</a:t>
+            </a:r>
+            <a:endParaRPr lang="en-US" dirty="0"/>
+          </a:p>
+          <a:p>
+            <a:pPr lvl="2"/>
+            <a:r>
+              <a:rPr lang="en-US" dirty="0"/>
+              <a:t>the stray inductance on the bus bars connecting the capacitors and the power devices</a:t>
+            </a:r>
+            <a:r>
+              <a:rPr lang="en-US" dirty="0" smtClean="0"/>
+              <a:t>.</a:t>
+            </a:r>
+            <a:endParaRPr lang="en-US" dirty="0"/>
+          </a:p>
+          <a:p>
+            <a:pPr marL="0" indent="0">
+              <a:buNone/>
+            </a:pPr>
+            <a:r>
+              <a:rPr lang="en-US" sz="2000" b="1" dirty="0"/>
+              <a:t>The </a:t>
+            </a:r>
+            <a:r>
+              <a:rPr lang="en-US" sz="2000" b="1" dirty="0" smtClean="0"/>
+              <a:t>laminated </a:t>
+            </a:r>
+            <a:r>
+              <a:rPr lang="en-US" sz="2000" b="1" dirty="0"/>
+              <a:t>bus bar structure</a:t>
+            </a:r>
+            <a:r>
+              <a:rPr lang="en-US" sz="2000" dirty="0"/>
+              <a:t>, which consists of multiple copper sheets, separated from each other by a </a:t>
+            </a:r>
+            <a:r>
+              <a:rPr lang="en-US" sz="2000" b="1" dirty="0"/>
+              <a:t>dielectric material</a:t>
+            </a:r>
+            <a:r>
+              <a:rPr lang="en-US" sz="2000" dirty="0"/>
+              <a:t>, is commonly used since it can effectively reduce the stray inductance</a:t>
+            </a:r>
+            <a:r>
+              <a:rPr lang="en-US" sz="2000" dirty="0" smtClean="0"/>
+              <a:t>. A proper </a:t>
+            </a:r>
+            <a:r>
+              <a:rPr lang="en-US" sz="2000" dirty="0" err="1" smtClean="0"/>
+              <a:t>busbar</a:t>
+            </a:r>
+            <a:r>
+              <a:rPr lang="en-US" sz="2000" dirty="0" smtClean="0"/>
+              <a:t> decrease:</a:t>
+            </a:r>
+          </a:p>
+          <a:p>
+            <a:pPr lvl="1">
+              <a:lnSpc>
+                <a:spcPct val="100000"/>
+              </a:lnSpc>
+            </a:pPr>
+            <a:r>
+              <a:rPr lang="en-US" sz="1800" dirty="0" smtClean="0"/>
+              <a:t>voltage overshoot</a:t>
+            </a:r>
+          </a:p>
+          <a:p>
+            <a:pPr lvl="1">
+              <a:lnSpc>
+                <a:spcPct val="100000"/>
+              </a:lnSpc>
+            </a:pPr>
+            <a:r>
+              <a:rPr lang="en-US" sz="1800" dirty="0" smtClean="0"/>
+              <a:t>electromagnetic </a:t>
+            </a:r>
+            <a:r>
+              <a:rPr lang="en-US" sz="1800" dirty="0"/>
+              <a:t>interference (EMI) </a:t>
+            </a:r>
+            <a:r>
+              <a:rPr lang="en-US" sz="1800" dirty="0" smtClean="0"/>
+              <a:t>emission</a:t>
+            </a:r>
+          </a:p>
+          <a:p>
+            <a:pPr lvl="1">
+              <a:lnSpc>
+                <a:spcPct val="100000"/>
+              </a:lnSpc>
+            </a:pPr>
+            <a:r>
+              <a:rPr lang="en-US" sz="1800" dirty="0" smtClean="0"/>
+              <a:t>switching losses</a:t>
+            </a:r>
+          </a:p>
+          <a:p>
+            <a:pPr lvl="1">
+              <a:lnSpc>
+                <a:spcPct val="100000"/>
+              </a:lnSpc>
+            </a:pPr>
+            <a:r>
+              <a:rPr lang="en-US" sz="1800" dirty="0" smtClean="0"/>
+              <a:t>thermal </a:t>
+            </a:r>
+            <a:r>
+              <a:rPr lang="en-US" sz="1800" dirty="0"/>
+              <a:t>stress</a:t>
+            </a:r>
+            <a:endParaRPr lang="en-US" sz="1800" dirty="0" smtClean="0"/>
+          </a:p>
+        </p:txBody>
+      </p:sp>
+    </p:spTree>
+    <p:extLst>
+      <p:ext uri="{BB962C8B-B14F-4D97-AF65-F5344CB8AC3E}">
+        <p14:creationId xmlns:p14="http://schemas.microsoft.com/office/powerpoint/2010/main" val="1238592378"/>
       </p:ext>
     </p:extLst>
   </p:cSld>
@@ -3917,11 +6549,7 @@
             </a:r>
             <a:r>
               <a:rPr lang="en-US" sz="1600" dirty="0" smtClean="0"/>
-              <a:t>modules, Common-collector </a:t>
-            </a:r>
-            <a:r>
-              <a:rPr lang="en-US" sz="1600" dirty="0" smtClean="0"/>
-              <a:t>modules</a:t>
+              <a:t>modules, Common-collector modules</a:t>
             </a:r>
           </a:p>
           <a:p>
@@ -4037,10 +6665,702 @@
           </a:p>
         </p:txBody>
       </p:sp>
+      <p:sp>
+        <p:nvSpPr>
+          <p:cNvPr id="4" name="TextBox 3"/>
+          <p:cNvSpPr txBox="1"/>
+          <p:nvPr/>
+        </p:nvSpPr>
+        <p:spPr>
+          <a:xfrm>
+            <a:off x="8864600" y="2705824"/>
+            <a:ext cx="2559050" cy="1477328"/>
+          </a:xfrm>
+          <a:prstGeom prst="rect">
+            <a:avLst/>
+          </a:prstGeom>
+          <a:noFill/>
+        </p:spPr>
+        <p:txBody>
+          <a:bodyPr wrap="square" rtlCol="0">
+            <a:spAutoFit/>
+          </a:bodyPr>
+          <a:lstStyle/>
+          <a:p>
+            <a:r>
+              <a:rPr lang="en-US" dirty="0" smtClean="0"/>
+              <a:t>Additionally, the </a:t>
+            </a:r>
+            <a:r>
+              <a:rPr lang="en-US" b="1" dirty="0" smtClean="0"/>
+              <a:t>life-time </a:t>
+            </a:r>
+            <a:r>
+              <a:rPr lang="en-US" dirty="0" smtClean="0"/>
+              <a:t>modelling </a:t>
+            </a:r>
+            <a:r>
+              <a:rPr lang="en-US" dirty="0" smtClean="0"/>
+              <a:t>and </a:t>
+            </a:r>
+            <a:r>
+              <a:rPr lang="en-US" b="1" dirty="0" smtClean="0"/>
+              <a:t>common </a:t>
+            </a:r>
+            <a:r>
+              <a:rPr lang="en-US" b="1" dirty="0" smtClean="0"/>
+              <a:t>mode voltage and EMI </a:t>
+            </a:r>
+            <a:r>
+              <a:rPr lang="en-US" dirty="0" smtClean="0"/>
+              <a:t>issues should be consireded.  </a:t>
+            </a:r>
+            <a:endParaRPr lang="sv-SE" dirty="0"/>
+          </a:p>
+        </p:txBody>
+      </p:sp>
     </p:spTree>
     <p:extLst>
       <p:ext uri="{BB962C8B-B14F-4D97-AF65-F5344CB8AC3E}">
         <p14:creationId xmlns:p14="http://schemas.microsoft.com/office/powerpoint/2010/main" val="3577491442"/>
+      </p:ext>
+    </p:extLst>
+  </p:cSld>
+  <p:clrMapOvr>
+    <a:masterClrMapping/>
+  </p:clrMapOvr>
+</p:sld>
+</file>
+
+<file path=ppt/slides/slide20.xml><?xml version="1.0" encoding="utf-8"?>
+<p:sld xmlns:a="http://schemas.openxmlformats.org/drawingml/2006/main" xmlns:r="http://schemas.openxmlformats.org/officeDocument/2006/relationships" xmlns:p="http://schemas.openxmlformats.org/presentationml/2006/main">
+  <p:cSld>
+    <p:spTree>
+      <p:nvGrpSpPr>
+        <p:cNvPr id="1" name=""/>
+        <p:cNvGrpSpPr/>
+        <p:nvPr/>
+      </p:nvGrpSpPr>
+      <p:grpSpPr>
+        <a:xfrm>
+          <a:off x="0" y="0"/>
+          <a:ext cx="0" cy="0"/>
+          <a:chOff x="0" y="0"/>
+          <a:chExt cx="0" cy="0"/>
+        </a:xfrm>
+      </p:grpSpPr>
+      <p:sp>
+        <p:nvSpPr>
+          <p:cNvPr id="2" name="Title 1"/>
+          <p:cNvSpPr>
+            <a:spLocks noGrp="1"/>
+          </p:cNvSpPr>
+          <p:nvPr>
+            <p:ph type="title"/>
+          </p:nvPr>
+        </p:nvSpPr>
+        <p:spPr>
+          <a:xfrm>
+            <a:off x="838200" y="159385"/>
+            <a:ext cx="10515600" cy="1325563"/>
+          </a:xfrm>
+        </p:spPr>
+        <p:txBody>
+          <a:bodyPr/>
+          <a:lstStyle/>
+          <a:p>
+            <a:r>
+              <a:rPr lang="en-US" dirty="0" err="1" smtClean="0">
+                <a:solidFill>
+                  <a:srgbClr val="C00000"/>
+                </a:solidFill>
+              </a:rPr>
+              <a:t>Busbar</a:t>
+            </a:r>
+            <a:r>
+              <a:rPr lang="en-US" dirty="0" smtClean="0">
+                <a:solidFill>
+                  <a:srgbClr val="C00000"/>
+                </a:solidFill>
+              </a:rPr>
+              <a:t> Design Example[12]</a:t>
+            </a:r>
+            <a:endParaRPr lang="sv-SE" dirty="0">
+              <a:solidFill>
+                <a:srgbClr val="C00000"/>
+              </a:solidFill>
+            </a:endParaRPr>
+          </a:p>
+        </p:txBody>
+      </p:sp>
+      <p:pic>
+        <p:nvPicPr>
+          <p:cNvPr id="6" name="Content Placeholder 5"/>
+          <p:cNvPicPr>
+            <a:picLocks noGrp="1" noChangeAspect="1"/>
+          </p:cNvPicPr>
+          <p:nvPr>
+            <p:ph idx="1"/>
+          </p:nvPr>
+        </p:nvPicPr>
+        <p:blipFill rotWithShape="1">
+          <a:blip r:embed="rId2"/>
+          <a:srcRect l="4462" t="3108" r="7375" b="879"/>
+          <a:stretch/>
+        </p:blipFill>
+        <p:spPr>
+          <a:xfrm>
+            <a:off x="5010149" y="4244341"/>
+            <a:ext cx="3169920" cy="1974237"/>
+          </a:xfrm>
+          <a:prstGeom prst="rect">
+            <a:avLst/>
+          </a:prstGeom>
+        </p:spPr>
+      </p:pic>
+      <p:pic>
+        <p:nvPicPr>
+          <p:cNvPr id="4" name="Picture 3"/>
+          <p:cNvPicPr>
+            <a:picLocks noChangeAspect="1"/>
+          </p:cNvPicPr>
+          <p:nvPr/>
+        </p:nvPicPr>
+        <p:blipFill rotWithShape="1">
+          <a:blip r:embed="rId3"/>
+          <a:srcRect l="8400" t="3712" r="7605" b="1143"/>
+          <a:stretch/>
+        </p:blipFill>
+        <p:spPr>
+          <a:xfrm>
+            <a:off x="4876799" y="1354811"/>
+            <a:ext cx="3124201" cy="2538946"/>
+          </a:xfrm>
+          <a:prstGeom prst="rect">
+            <a:avLst/>
+          </a:prstGeom>
+        </p:spPr>
+      </p:pic>
+      <p:pic>
+        <p:nvPicPr>
+          <p:cNvPr id="5" name="Picture 4"/>
+          <p:cNvPicPr>
+            <a:picLocks noChangeAspect="1"/>
+          </p:cNvPicPr>
+          <p:nvPr/>
+        </p:nvPicPr>
+        <p:blipFill rotWithShape="1">
+          <a:blip r:embed="rId4"/>
+          <a:srcRect l="8744" t="11355" r="7727"/>
+          <a:stretch/>
+        </p:blipFill>
+        <p:spPr>
+          <a:xfrm>
+            <a:off x="8420099" y="1267710"/>
+            <a:ext cx="3627120" cy="2495909"/>
+          </a:xfrm>
+          <a:prstGeom prst="rect">
+            <a:avLst/>
+          </a:prstGeom>
+        </p:spPr>
+      </p:pic>
+      <p:pic>
+        <p:nvPicPr>
+          <p:cNvPr id="8" name="Picture 7"/>
+          <p:cNvPicPr>
+            <a:picLocks noChangeAspect="1"/>
+          </p:cNvPicPr>
+          <p:nvPr/>
+        </p:nvPicPr>
+        <p:blipFill rotWithShape="1">
+          <a:blip r:embed="rId5"/>
+          <a:srcRect l="6311" r="13921"/>
+          <a:stretch/>
+        </p:blipFill>
+        <p:spPr>
+          <a:xfrm>
+            <a:off x="8420098" y="4101392"/>
+            <a:ext cx="3467101" cy="2430779"/>
+          </a:xfrm>
+          <a:prstGeom prst="rect">
+            <a:avLst/>
+          </a:prstGeom>
+        </p:spPr>
+      </p:pic>
+      <p:sp>
+        <p:nvSpPr>
+          <p:cNvPr id="9" name="TextBox 8"/>
+          <p:cNvSpPr txBox="1"/>
+          <p:nvPr/>
+        </p:nvSpPr>
+        <p:spPr>
+          <a:xfrm>
+            <a:off x="114300" y="2209990"/>
+            <a:ext cx="4655820" cy="3693319"/>
+          </a:xfrm>
+          <a:prstGeom prst="rect">
+            <a:avLst/>
+          </a:prstGeom>
+          <a:noFill/>
+        </p:spPr>
+        <p:txBody>
+          <a:bodyPr wrap="square" rtlCol="0">
+            <a:spAutoFit/>
+          </a:bodyPr>
+          <a:lstStyle/>
+          <a:p>
+            <a:pPr marL="285750" indent="-285750">
+              <a:buFont typeface="Arial" panose="020B0604020202020204" pitchFamily="34" charset="0"/>
+              <a:buChar char="•"/>
+            </a:pPr>
+            <a:r>
+              <a:rPr lang="en-US" dirty="0"/>
+              <a:t>High-frequency current flow </a:t>
+            </a:r>
+            <a:r>
+              <a:rPr lang="en-US" dirty="0" smtClean="0"/>
+              <a:t>paths should be considered.</a:t>
+            </a:r>
+          </a:p>
+          <a:p>
+            <a:pPr marL="285750" indent="-285750">
+              <a:buFont typeface="Arial" panose="020B0604020202020204" pitchFamily="34" charset="0"/>
+              <a:buChar char="•"/>
+            </a:pPr>
+            <a:r>
+              <a:rPr lang="en-US" dirty="0"/>
+              <a:t>The layout of the </a:t>
+            </a:r>
+            <a:r>
+              <a:rPr lang="en-US" dirty="0" err="1"/>
+              <a:t>busbar</a:t>
+            </a:r>
+            <a:r>
+              <a:rPr lang="en-US" dirty="0"/>
+              <a:t> should be </a:t>
+            </a:r>
+            <a:r>
+              <a:rPr lang="en-US" dirty="0" smtClean="0"/>
+              <a:t>symmetric.</a:t>
+            </a:r>
+            <a:endParaRPr lang="en-US" dirty="0"/>
+          </a:p>
+          <a:p>
+            <a:pPr marL="285750" indent="-285750">
+              <a:buFont typeface="Arial" panose="020B0604020202020204" pitchFamily="34" charset="0"/>
+              <a:buChar char="•"/>
+            </a:pPr>
+            <a:r>
+              <a:rPr lang="en-US" dirty="0" smtClean="0"/>
+              <a:t>Current distribution should be homogenized.</a:t>
+            </a:r>
+          </a:p>
+          <a:p>
+            <a:pPr marL="285750" indent="-285750">
+              <a:buFont typeface="Arial" panose="020B0604020202020204" pitchFamily="34" charset="0"/>
+              <a:buChar char="•"/>
+            </a:pPr>
+            <a:endParaRPr lang="en-US" dirty="0"/>
+          </a:p>
+          <a:p>
+            <a:r>
+              <a:rPr lang="en-US" dirty="0" smtClean="0"/>
+              <a:t>Analytical calculations or FEA can be used to calculate stray inductances. </a:t>
+            </a:r>
+          </a:p>
+          <a:p>
+            <a:endParaRPr lang="en-US" dirty="0"/>
+          </a:p>
+          <a:p>
+            <a:r>
+              <a:rPr lang="en-US" dirty="0" smtClean="0"/>
+              <a:t>The </a:t>
+            </a:r>
+            <a:r>
+              <a:rPr lang="en-US" dirty="0"/>
+              <a:t>stray inductances in current commutation </a:t>
+            </a:r>
+            <a:r>
+              <a:rPr lang="en-US" dirty="0" smtClean="0"/>
+              <a:t>loops should be minimized. (Typically order of 10nH)</a:t>
+            </a:r>
+          </a:p>
+          <a:p>
+            <a:endParaRPr lang="sv-SE" dirty="0"/>
+          </a:p>
+        </p:txBody>
+      </p:sp>
+    </p:spTree>
+    <p:extLst>
+      <p:ext uri="{BB962C8B-B14F-4D97-AF65-F5344CB8AC3E}">
+        <p14:creationId xmlns:p14="http://schemas.microsoft.com/office/powerpoint/2010/main" val="237881060"/>
+      </p:ext>
+    </p:extLst>
+  </p:cSld>
+  <p:clrMapOvr>
+    <a:masterClrMapping/>
+  </p:clrMapOvr>
+</p:sld>
+</file>
+
+<file path=ppt/slides/slide21.xml><?xml version="1.0" encoding="utf-8"?>
+<p:sld xmlns:a="http://schemas.openxmlformats.org/drawingml/2006/main" xmlns:r="http://schemas.openxmlformats.org/officeDocument/2006/relationships" xmlns:p="http://schemas.openxmlformats.org/presentationml/2006/main">
+  <p:cSld>
+    <p:spTree>
+      <p:nvGrpSpPr>
+        <p:cNvPr id="1" name=""/>
+        <p:cNvGrpSpPr/>
+        <p:nvPr/>
+      </p:nvGrpSpPr>
+      <p:grpSpPr>
+        <a:xfrm>
+          <a:off x="0" y="0"/>
+          <a:ext cx="0" cy="0"/>
+          <a:chOff x="0" y="0"/>
+          <a:chExt cx="0" cy="0"/>
+        </a:xfrm>
+      </p:grpSpPr>
+      <p:sp>
+        <p:nvSpPr>
+          <p:cNvPr id="2" name="Title 1"/>
+          <p:cNvSpPr>
+            <a:spLocks noGrp="1"/>
+          </p:cNvSpPr>
+          <p:nvPr>
+            <p:ph type="title"/>
+          </p:nvPr>
+        </p:nvSpPr>
+        <p:spPr/>
+        <p:txBody>
+          <a:bodyPr/>
+          <a:lstStyle/>
+          <a:p>
+            <a:r>
+              <a:rPr lang="en-US" dirty="0" smtClean="0">
+                <a:solidFill>
+                  <a:srgbClr val="C00000"/>
+                </a:solidFill>
+              </a:rPr>
+              <a:t>References</a:t>
+            </a:r>
+            <a:endParaRPr lang="sv-SE" dirty="0">
+              <a:solidFill>
+                <a:srgbClr val="C00000"/>
+              </a:solidFill>
+            </a:endParaRPr>
+          </a:p>
+        </p:txBody>
+      </p:sp>
+      <p:sp>
+        <p:nvSpPr>
+          <p:cNvPr id="3" name="Content Placeholder 2"/>
+          <p:cNvSpPr>
+            <a:spLocks noGrp="1"/>
+          </p:cNvSpPr>
+          <p:nvPr>
+            <p:ph idx="1"/>
+          </p:nvPr>
+        </p:nvSpPr>
+        <p:spPr/>
+        <p:txBody>
+          <a:bodyPr>
+            <a:normAutofit fontScale="85000" lnSpcReduction="20000"/>
+          </a:bodyPr>
+          <a:lstStyle/>
+          <a:p>
+            <a:r>
+              <a:rPr lang="en-US" dirty="0" smtClean="0"/>
+              <a:t>[1</a:t>
+            </a:r>
+            <a:r>
+              <a:rPr lang="en-US" dirty="0"/>
+              <a:t>] A Compact 250 kW Silicon Carbide MOSFET based Three-Level Traction Inverter for Heavy Equipment </a:t>
+            </a:r>
+            <a:r>
+              <a:rPr lang="en-US" dirty="0" smtClean="0"/>
+              <a:t>Applications</a:t>
+            </a:r>
+          </a:p>
+          <a:p>
+            <a:r>
+              <a:rPr lang="en-US" dirty="0"/>
+              <a:t>[2] Design and Validation of A 250-kW All-Silicon Carbide High-Density Three-Level T-Type </a:t>
+            </a:r>
+            <a:r>
+              <a:rPr lang="en-US" dirty="0" smtClean="0"/>
+              <a:t>Inverter</a:t>
+            </a:r>
+          </a:p>
+          <a:p>
+            <a:r>
+              <a:rPr lang="en-US" dirty="0"/>
+              <a:t>[3] Comparative Study of Conducted Common-Mode EMI in WBG-Enabled DC-Fed Three-Phase Current-Source </a:t>
+            </a:r>
+            <a:r>
+              <a:rPr lang="en-US" dirty="0" smtClean="0"/>
+              <a:t>Inverter</a:t>
+            </a:r>
+          </a:p>
+          <a:p>
+            <a:r>
+              <a:rPr lang="en-US" dirty="0" smtClean="0"/>
+              <a:t>[4] </a:t>
+            </a:r>
+            <a:r>
+              <a:rPr lang="en-US" dirty="0"/>
+              <a:t>Design of High Power Density 100 kW Surface Permanent Magnet Machine with No Heavy Rare Earth Material Using Current Source Inverter for Traction </a:t>
+            </a:r>
+            <a:r>
+              <a:rPr lang="en-US" dirty="0" smtClean="0"/>
+              <a:t>Application</a:t>
+            </a:r>
+          </a:p>
+          <a:p>
+            <a:r>
+              <a:rPr lang="en-US" dirty="0" smtClean="0"/>
+              <a:t>[5] </a:t>
+            </a:r>
+            <a:r>
+              <a:rPr lang="en-US" dirty="0"/>
+              <a:t>Modulation and Power Losses of a </a:t>
+            </a:r>
+            <a:r>
+              <a:rPr lang="en-US" dirty="0" smtClean="0"/>
+              <a:t>Stacked </a:t>
+            </a:r>
+            <a:r>
+              <a:rPr lang="en-US" dirty="0" err="1" smtClean="0"/>
+              <a:t>Polyphase</a:t>
+            </a:r>
+            <a:r>
+              <a:rPr lang="en-US" dirty="0" smtClean="0"/>
+              <a:t> </a:t>
+            </a:r>
+            <a:r>
+              <a:rPr lang="en-US" dirty="0"/>
+              <a:t>Bridge </a:t>
+            </a:r>
+            <a:r>
+              <a:rPr lang="en-US" dirty="0" smtClean="0"/>
+              <a:t>Converter</a:t>
+            </a:r>
+          </a:p>
+          <a:p>
+            <a:r>
+              <a:rPr lang="en-US" dirty="0"/>
+              <a:t>[6] Stepwise Design Methodology and Heterogeneous Integration Routine of Air-Cooled </a:t>
+            </a:r>
+            <a:r>
+              <a:rPr lang="en-US" dirty="0" err="1"/>
+              <a:t>SiC</a:t>
+            </a:r>
+            <a:r>
+              <a:rPr lang="en-US" dirty="0"/>
+              <a:t> Inverter for Electric </a:t>
+            </a:r>
+            <a:r>
+              <a:rPr lang="en-US" dirty="0" smtClean="0"/>
+              <a:t>Vehicle</a:t>
+            </a:r>
+          </a:p>
+          <a:p>
+            <a:r>
+              <a:rPr lang="en-US" dirty="0"/>
+              <a:t>[7] Recent Developments in Thermal Management of Electrified Powertrains</a:t>
+            </a:r>
+            <a:endParaRPr lang="en-US" dirty="0" smtClean="0"/>
+          </a:p>
+        </p:txBody>
+      </p:sp>
+    </p:spTree>
+    <p:extLst>
+      <p:ext uri="{BB962C8B-B14F-4D97-AF65-F5344CB8AC3E}">
+        <p14:creationId xmlns:p14="http://schemas.microsoft.com/office/powerpoint/2010/main" val="3359806929"/>
+      </p:ext>
+    </p:extLst>
+  </p:cSld>
+  <p:clrMapOvr>
+    <a:masterClrMapping/>
+  </p:clrMapOvr>
+</p:sld>
+</file>
+
+<file path=ppt/slides/slide22.xml><?xml version="1.0" encoding="utf-8"?>
+<p:sld xmlns:a="http://schemas.openxmlformats.org/drawingml/2006/main" xmlns:r="http://schemas.openxmlformats.org/officeDocument/2006/relationships" xmlns:p="http://schemas.openxmlformats.org/presentationml/2006/main">
+  <p:cSld>
+    <p:spTree>
+      <p:nvGrpSpPr>
+        <p:cNvPr id="1" name=""/>
+        <p:cNvGrpSpPr/>
+        <p:nvPr/>
+      </p:nvGrpSpPr>
+      <p:grpSpPr>
+        <a:xfrm>
+          <a:off x="0" y="0"/>
+          <a:ext cx="0" cy="0"/>
+          <a:chOff x="0" y="0"/>
+          <a:chExt cx="0" cy="0"/>
+        </a:xfrm>
+      </p:grpSpPr>
+      <p:sp>
+        <p:nvSpPr>
+          <p:cNvPr id="2" name="Title 1"/>
+          <p:cNvSpPr>
+            <a:spLocks noGrp="1"/>
+          </p:cNvSpPr>
+          <p:nvPr>
+            <p:ph type="title"/>
+          </p:nvPr>
+        </p:nvSpPr>
+        <p:spPr/>
+        <p:txBody>
+          <a:bodyPr/>
+          <a:lstStyle/>
+          <a:p>
+            <a:r>
+              <a:rPr lang="en-US" dirty="0" smtClean="0">
+                <a:solidFill>
+                  <a:srgbClr val="C00000"/>
+                </a:solidFill>
+              </a:rPr>
+              <a:t>References</a:t>
+            </a:r>
+            <a:endParaRPr lang="sv-SE" dirty="0">
+              <a:solidFill>
+                <a:srgbClr val="C00000"/>
+              </a:solidFill>
+            </a:endParaRPr>
+          </a:p>
+        </p:txBody>
+      </p:sp>
+      <p:sp>
+        <p:nvSpPr>
+          <p:cNvPr id="3" name="Content Placeholder 2"/>
+          <p:cNvSpPr>
+            <a:spLocks noGrp="1"/>
+          </p:cNvSpPr>
+          <p:nvPr>
+            <p:ph idx="1"/>
+          </p:nvPr>
+        </p:nvSpPr>
+        <p:spPr/>
+        <p:txBody>
+          <a:bodyPr>
+            <a:normAutofit lnSpcReduction="10000"/>
+          </a:bodyPr>
+          <a:lstStyle/>
+          <a:p>
+            <a:r>
+              <a:rPr lang="en-US" dirty="0" smtClean="0"/>
+              <a:t>[</a:t>
+            </a:r>
+            <a:r>
+              <a:rPr lang="en-US" dirty="0"/>
+              <a:t>8] Automotive Traction Inverters: Current Status and Future </a:t>
+            </a:r>
+            <a:r>
+              <a:rPr lang="en-US" dirty="0" smtClean="0"/>
+              <a:t>Trends</a:t>
+            </a:r>
+          </a:p>
+          <a:p>
+            <a:r>
+              <a:rPr lang="en-US" dirty="0" smtClean="0"/>
+              <a:t>[9] Multi-objective </a:t>
+            </a:r>
+            <a:r>
+              <a:rPr lang="en-US" dirty="0"/>
+              <a:t>optimization design of electric vehicle converters based on ε-γ-σ</a:t>
+            </a:r>
+          </a:p>
+          <a:p>
+            <a:r>
+              <a:rPr lang="en-US" dirty="0" smtClean="0"/>
+              <a:t>[10] </a:t>
+            </a:r>
+            <a:r>
+              <a:rPr lang="en-US" dirty="0"/>
+              <a:t>Comparative Life Cycle Cost Analysis of Si and </a:t>
+            </a:r>
+            <a:r>
+              <a:rPr lang="en-US" dirty="0" err="1"/>
+              <a:t>SiC</a:t>
+            </a:r>
+            <a:r>
+              <a:rPr lang="en-US" dirty="0"/>
+              <a:t> PV Converter Systems Based on Advanced η-ρ-σ </a:t>
+            </a:r>
+            <a:r>
+              <a:rPr lang="en-US" dirty="0" err="1"/>
+              <a:t>Multiobjective</a:t>
+            </a:r>
+            <a:r>
+              <a:rPr lang="en-US" dirty="0"/>
+              <a:t> Optimization </a:t>
+            </a:r>
+            <a:r>
+              <a:rPr lang="en-US" dirty="0" smtClean="0"/>
+              <a:t>Techniques</a:t>
+            </a:r>
+          </a:p>
+          <a:p>
+            <a:r>
+              <a:rPr lang="en-US" dirty="0"/>
+              <a:t>[11] </a:t>
+            </a:r>
+            <a:r>
+              <a:rPr lang="en-US" dirty="0" err="1"/>
+              <a:t>Busbar</a:t>
+            </a:r>
+            <a:r>
+              <a:rPr lang="en-US" dirty="0"/>
+              <a:t> Design and Optimization for Voltage Overshoot Mitigation of a Silicon Carbide High-Power Three-Phase T-Type </a:t>
+            </a:r>
+            <a:r>
+              <a:rPr lang="en-US" dirty="0" smtClean="0"/>
+              <a:t>Inverter</a:t>
+            </a:r>
+          </a:p>
+          <a:p>
+            <a:r>
+              <a:rPr lang="en-US" dirty="0"/>
+              <a:t>[12] A low-inductance Sectional </a:t>
+            </a:r>
+            <a:r>
+              <a:rPr lang="en-US" dirty="0" err="1"/>
+              <a:t>Busbar</a:t>
+            </a:r>
+            <a:r>
+              <a:rPr lang="en-US" dirty="0"/>
+              <a:t> for </a:t>
+            </a:r>
+            <a:r>
+              <a:rPr lang="en-US" dirty="0" err="1"/>
+              <a:t>Snuberless</a:t>
+            </a:r>
+            <a:r>
+              <a:rPr lang="en-US" dirty="0"/>
+              <a:t> Operation of </a:t>
+            </a:r>
+            <a:r>
+              <a:rPr lang="en-US" dirty="0" err="1"/>
+              <a:t>SiC</a:t>
+            </a:r>
+            <a:r>
+              <a:rPr lang="en-US" dirty="0"/>
+              <a:t>-based EV Traction Inverters</a:t>
+            </a:r>
+            <a:endParaRPr lang="sv-SE" dirty="0"/>
+          </a:p>
+          <a:p>
+            <a:endParaRPr lang="en-US" dirty="0" smtClean="0"/>
+          </a:p>
+        </p:txBody>
+      </p:sp>
+    </p:spTree>
+    <p:extLst>
+      <p:ext uri="{BB962C8B-B14F-4D97-AF65-F5344CB8AC3E}">
+        <p14:creationId xmlns:p14="http://schemas.microsoft.com/office/powerpoint/2010/main" val="2008523756"/>
       </p:ext>
     </p:extLst>
   </p:cSld>
@@ -4079,8 +7399,8 @@
         </p:nvSpPr>
         <p:spPr>
           <a:xfrm>
-            <a:off x="723900" y="57150"/>
-            <a:ext cx="10515600" cy="885824"/>
+            <a:off x="711687" y="102117"/>
+            <a:ext cx="10795000" cy="1325563"/>
           </a:xfrm>
         </p:spPr>
         <p:txBody>
@@ -4094,31 +7414,7 @@
                   <a:srgbClr val="C00000"/>
                 </a:solidFill>
               </a:rPr>
-              <a:t>Conceptual System </a:t>
-            </a:r>
-            <a:r>
-              <a:rPr lang="en-US" dirty="0">
-                <a:solidFill>
-                  <a:srgbClr val="C00000"/>
-                </a:solidFill>
-              </a:rPr>
-              <a:t>L</a:t>
-            </a:r>
-            <a:r>
-              <a:rPr lang="en-US" dirty="0" smtClean="0">
-                <a:solidFill>
-                  <a:srgbClr val="C00000"/>
-                </a:solidFill>
-              </a:rPr>
-              <a:t>evel Design [</a:t>
-            </a:r>
-            <a:r>
-              <a:rPr lang="en-US" dirty="0" smtClean="0">
-                <a:solidFill>
-                  <a:srgbClr val="C00000"/>
-                </a:solidFill>
-              </a:rPr>
-              <a:t>2,5]</a:t>
+              <a:t>Stepwise Design Methodology and Multi-objective Optimization [6,9,10]</a:t>
             </a:r>
             <a:endParaRPr lang="sv-SE" dirty="0">
               <a:solidFill>
@@ -4128,241 +7424,288 @@
           </a:p>
         </p:txBody>
       </p:sp>
-      <p:sp>
-        <p:nvSpPr>
-          <p:cNvPr id="3" name="Content Placeholder 2"/>
-          <p:cNvSpPr>
-            <a:spLocks noGrp="1"/>
-          </p:cNvSpPr>
-          <p:nvPr>
-            <p:ph idx="1"/>
-          </p:nvPr>
-        </p:nvSpPr>
+      <p:pic>
+        <p:nvPicPr>
+          <p:cNvPr id="4" name="Picture 3"/>
+          <p:cNvPicPr>
+            <a:picLocks noChangeAspect="1"/>
+          </p:cNvPicPr>
+          <p:nvPr/>
+        </p:nvPicPr>
+        <p:blipFill>
+          <a:blip r:embed="rId2"/>
+          <a:stretch>
+            <a:fillRect/>
+          </a:stretch>
+        </p:blipFill>
         <p:spPr>
           <a:xfrm>
-            <a:off x="723900" y="727075"/>
-            <a:ext cx="10515600" cy="5832475"/>
+            <a:off x="5790406" y="1335983"/>
+            <a:ext cx="3630612" cy="5060429"/>
           </a:xfrm>
+          <a:prstGeom prst="rect">
+            <a:avLst/>
+          </a:prstGeom>
         </p:spPr>
-        <p:txBody>
-          <a:bodyPr>
-            <a:noAutofit/>
+      </p:pic>
+      <p:pic>
+        <p:nvPicPr>
+          <p:cNvPr id="5" name="Picture 4"/>
+          <p:cNvPicPr>
+            <a:picLocks noChangeAspect="1"/>
+          </p:cNvPicPr>
+          <p:nvPr/>
+        </p:nvPicPr>
+        <p:blipFill>
+          <a:blip r:embed="rId3"/>
+          <a:stretch>
+            <a:fillRect/>
+          </a:stretch>
+        </p:blipFill>
+        <p:spPr>
+          <a:xfrm>
+            <a:off x="9383712" y="1427680"/>
+            <a:ext cx="2704239" cy="4877037"/>
+          </a:xfrm>
+          <a:prstGeom prst="rect">
+            <a:avLst/>
+          </a:prstGeom>
+        </p:spPr>
+      </p:pic>
+      <p:sp>
+        <p:nvSpPr>
+          <p:cNvPr id="6" name="Rectangle 5"/>
+          <p:cNvSpPr/>
+          <p:nvPr/>
+        </p:nvSpPr>
+        <p:spPr>
+          <a:xfrm>
+            <a:off x="315363" y="2045500"/>
+            <a:ext cx="3321050" cy="4524315"/>
+          </a:xfrm>
+          <a:prstGeom prst="rect">
+            <a:avLst/>
+          </a:prstGeom>
+        </p:spPr>
+        <p:txBody>
+          <a:bodyPr wrap="square">
+            <a:spAutoFit/>
           </a:bodyPr>
           <a:lstStyle/>
           <a:p>
-            <a:pPr marL="0" indent="0">
-              <a:buNone/>
+            <a:r>
+              <a:rPr lang="en-US" dirty="0" smtClean="0"/>
+              <a:t>Multi-performance indicators :</a:t>
+            </a:r>
+          </a:p>
+          <a:p>
+            <a:pPr marL="742950" lvl="1" indent="-285750">
+              <a:buFont typeface="Arial" panose="020B0604020202020204" pitchFamily="34" charset="0"/>
+              <a:buChar char="•"/>
             </a:pPr>
             <a:r>
-              <a:rPr lang="en-US" sz="2000" dirty="0"/>
-              <a:t>The potential solutions to enable </a:t>
-            </a:r>
-            <a:r>
-              <a:rPr lang="en-US" sz="2000" b="1" dirty="0" smtClean="0"/>
-              <a:t>high-density</a:t>
-            </a:r>
-            <a:r>
-              <a:rPr lang="en-US" sz="2000" dirty="0" smtClean="0"/>
+              <a:rPr lang="en-US" dirty="0" smtClean="0"/>
+              <a:t>Higher reliability</a:t>
+            </a:r>
+          </a:p>
+          <a:p>
+            <a:pPr marL="742950" lvl="1" indent="-285750">
+              <a:buFont typeface="Arial" panose="020B0604020202020204" pitchFamily="34" charset="0"/>
+              <a:buChar char="•"/>
+            </a:pPr>
+            <a:r>
+              <a:rPr lang="en-US" dirty="0"/>
+              <a:t>Higher </a:t>
+            </a:r>
+            <a:r>
+              <a:rPr lang="en-US" dirty="0" smtClean="0"/>
+              <a:t>efficiency </a:t>
+            </a:r>
+          </a:p>
+          <a:p>
+            <a:pPr marL="742950" lvl="1" indent="-285750">
+              <a:buFont typeface="Arial" panose="020B0604020202020204" pitchFamily="34" charset="0"/>
+              <a:buChar char="•"/>
+            </a:pPr>
+            <a:r>
+              <a:rPr lang="en-US" dirty="0"/>
+              <a:t>L</a:t>
+            </a:r>
+            <a:r>
+              <a:rPr lang="en-US" dirty="0" smtClean="0"/>
+              <a:t>ower cost</a:t>
+            </a:r>
+          </a:p>
+          <a:p>
+            <a:pPr marL="742950" lvl="1" indent="-285750">
+              <a:buFont typeface="Arial" panose="020B0604020202020204" pitchFamily="34" charset="0"/>
+              <a:buChar char="•"/>
+            </a:pPr>
+            <a:r>
+              <a:rPr lang="en-US" dirty="0"/>
+              <a:t>S</a:t>
+            </a:r>
+            <a:r>
+              <a:rPr lang="en-US" dirty="0" smtClean="0"/>
+              <a:t>maller package</a:t>
+            </a:r>
+          </a:p>
+          <a:p>
+            <a:pPr lvl="1"/>
+            <a:endParaRPr lang="en-US" dirty="0" smtClean="0"/>
+          </a:p>
+          <a:p>
+            <a:r>
+              <a:rPr lang="sv-SE" dirty="0" err="1"/>
+              <a:t>O</a:t>
+            </a:r>
+            <a:r>
+              <a:rPr lang="sv-SE" dirty="0" err="1" smtClean="0"/>
+              <a:t>ptimization</a:t>
+            </a:r>
+            <a:r>
+              <a:rPr lang="sv-SE" dirty="0" smtClean="0"/>
               <a:t> </a:t>
             </a:r>
             <a:r>
-              <a:rPr lang="en-US" sz="2000" dirty="0"/>
-              <a:t>and </a:t>
-            </a:r>
-            <a:r>
-              <a:rPr lang="en-US" sz="2000" b="1" dirty="0"/>
-              <a:t>high-efficiency </a:t>
-            </a:r>
-            <a:r>
-              <a:rPr lang="en-US" sz="2000" dirty="0"/>
-              <a:t>traction </a:t>
-            </a:r>
-            <a:r>
-              <a:rPr lang="en-US" sz="2000" dirty="0" smtClean="0"/>
-              <a:t>inverters:</a:t>
-            </a:r>
-          </a:p>
-          <a:p>
-            <a:pPr marL="914400" lvl="1" indent="-457200">
-              <a:buFont typeface="+mj-lt"/>
-              <a:buAutoNum type="arabicPeriod"/>
+              <a:rPr lang="en-US" dirty="0" smtClean="0"/>
+              <a:t>:</a:t>
+            </a:r>
+            <a:endParaRPr lang="en-US" dirty="0"/>
+          </a:p>
+          <a:p>
+            <a:pPr marL="742950" lvl="1" indent="-285750">
+              <a:buFont typeface="Arial" panose="020B0604020202020204" pitchFamily="34" charset="0"/>
+              <a:buChar char="•"/>
             </a:pPr>
             <a:r>
-              <a:rPr lang="en-US" sz="2000" dirty="0" smtClean="0"/>
-              <a:t>Utilize WBG devices (all-</a:t>
-            </a:r>
-            <a:r>
-              <a:rPr lang="en-US" sz="2000" dirty="0" err="1" smtClean="0"/>
-              <a:t>SiC</a:t>
-            </a:r>
-            <a:r>
-              <a:rPr lang="en-US" sz="2000" dirty="0" smtClean="0"/>
-              <a:t>)</a:t>
-            </a:r>
-            <a:endParaRPr lang="en-US" sz="2000" dirty="0" smtClean="0"/>
-          </a:p>
-          <a:p>
-            <a:pPr marL="914400" lvl="1" indent="-457200">
-              <a:buFont typeface="+mj-lt"/>
-              <a:buAutoNum type="arabicPeriod"/>
+              <a:rPr lang="sv-SE" dirty="0" err="1" smtClean="0"/>
+              <a:t>Stochastic</a:t>
+            </a:r>
+            <a:r>
+              <a:rPr lang="sv-SE" dirty="0"/>
+              <a:t> </a:t>
+            </a:r>
+            <a:r>
+              <a:rPr lang="sv-SE" dirty="0" err="1" smtClean="0"/>
+              <a:t>optimizations</a:t>
+            </a:r>
+            <a:r>
+              <a:rPr lang="sv-SE" dirty="0" smtClean="0"/>
+              <a:t> like </a:t>
+            </a:r>
+            <a:r>
+              <a:rPr lang="sv-SE" dirty="0" err="1" smtClean="0"/>
+              <a:t>Genetic</a:t>
+            </a:r>
+            <a:r>
+              <a:rPr lang="sv-SE" dirty="0" smtClean="0"/>
+              <a:t> </a:t>
+            </a:r>
+            <a:r>
+              <a:rPr lang="sv-SE" dirty="0" err="1" smtClean="0"/>
+              <a:t>Algorithm</a:t>
+            </a:r>
+            <a:r>
+              <a:rPr lang="sv-SE" dirty="0" smtClean="0"/>
+              <a:t> (</a:t>
+            </a:r>
+            <a:r>
+              <a:rPr lang="sv-SE" dirty="0" err="1" smtClean="0"/>
+              <a:t>but</a:t>
+            </a:r>
+            <a:r>
+              <a:rPr lang="sv-SE" dirty="0" smtClean="0"/>
+              <a:t> it has </a:t>
+            </a:r>
+            <a:r>
+              <a:rPr lang="sv-SE" dirty="0" err="1" smtClean="0"/>
+              <a:t>local</a:t>
+            </a:r>
+            <a:r>
+              <a:rPr lang="sv-SE" dirty="0" smtClean="0"/>
+              <a:t> optima problem)</a:t>
+            </a:r>
+          </a:p>
+          <a:p>
+            <a:pPr marL="742950" lvl="1" indent="-285750">
+              <a:buFont typeface="Arial" panose="020B0604020202020204" pitchFamily="34" charset="0"/>
+              <a:buChar char="•"/>
             </a:pPr>
             <a:r>
-              <a:rPr lang="en-US" sz="2000" dirty="0" smtClean="0"/>
-              <a:t>Still medium frequency range 10-25kHz </a:t>
-            </a:r>
-            <a:r>
-              <a:rPr lang="en-US" sz="2000" dirty="0" smtClean="0"/>
-              <a:t>????</a:t>
-            </a:r>
-            <a:endParaRPr lang="en-US" sz="2000" dirty="0" smtClean="0"/>
-          </a:p>
-          <a:p>
-            <a:pPr marL="914400" lvl="1" indent="-457200">
-              <a:buFont typeface="+mj-lt"/>
-              <a:buAutoNum type="arabicPeriod"/>
+              <a:rPr lang="sv-SE" dirty="0" err="1" smtClean="0"/>
+              <a:t>Direct</a:t>
+            </a:r>
+            <a:r>
+              <a:rPr lang="sv-SE" dirty="0" smtClean="0"/>
+              <a:t> </a:t>
+            </a:r>
+            <a:r>
+              <a:rPr lang="sv-SE" dirty="0" err="1"/>
+              <a:t>search</a:t>
+            </a:r>
+            <a:endParaRPr lang="sv-SE" dirty="0" smtClean="0"/>
+          </a:p>
+          <a:p>
+            <a:pPr marL="742950" lvl="1" indent="-285750">
+              <a:buFont typeface="Arial" panose="020B0604020202020204" pitchFamily="34" charset="0"/>
+              <a:buChar char="•"/>
             </a:pPr>
             <a:r>
-              <a:rPr lang="en-US" sz="2000" dirty="0" smtClean="0"/>
-              <a:t>Passing to multi level (especially 3L) inverters since 2L inverters have</a:t>
-            </a:r>
-          </a:p>
-          <a:p>
-            <a:pPr lvl="3"/>
-            <a:r>
-              <a:rPr lang="en-US" i="1" dirty="0" smtClean="0"/>
-              <a:t>Higher output voltage harmonics</a:t>
-            </a:r>
-          </a:p>
-          <a:p>
-            <a:pPr lvl="3"/>
-            <a:r>
-              <a:rPr lang="en-US" i="1" dirty="0" smtClean="0"/>
-              <a:t>Lower efficiency at higher switching frequency, which is vital to decrease the volume</a:t>
-            </a:r>
-          </a:p>
-          <a:p>
-            <a:pPr lvl="3"/>
-            <a:r>
-              <a:rPr lang="en-US" i="1" dirty="0" smtClean="0"/>
-              <a:t>Higher dv/</a:t>
-            </a:r>
-            <a:r>
-              <a:rPr lang="en-US" i="1" dirty="0" err="1" smtClean="0"/>
-              <a:t>dt</a:t>
-            </a:r>
-            <a:r>
-              <a:rPr lang="en-US" i="1" dirty="0" smtClean="0"/>
-              <a:t> and EMI, which causes common mode problems at the motor side</a:t>
-            </a:r>
-          </a:p>
-          <a:p>
-            <a:pPr lvl="3"/>
-            <a:r>
-              <a:rPr lang="en-US" i="1" dirty="0" smtClean="0"/>
-              <a:t>Higher voltage </a:t>
-            </a:r>
-            <a:r>
-              <a:rPr lang="en-US" i="1" dirty="0"/>
-              <a:t>ratings</a:t>
-            </a:r>
-            <a:r>
-              <a:rPr lang="en-US" i="1" dirty="0" smtClean="0"/>
-              <a:t> for switches</a:t>
-            </a:r>
-          </a:p>
-          <a:p>
-            <a:pPr marL="457200" lvl="1" indent="0">
-              <a:buNone/>
-            </a:pPr>
-            <a:r>
-              <a:rPr lang="en-US" sz="2000" dirty="0" smtClean="0"/>
-              <a:t>	</a:t>
-            </a:r>
-            <a:r>
-              <a:rPr lang="en-US" sz="2000" dirty="0" smtClean="0"/>
-              <a:t>But  </a:t>
-            </a:r>
-            <a:r>
-              <a:rPr lang="en-US" sz="2000" dirty="0"/>
-              <a:t>3L inverters (NPC, ANPC, T-type) have </a:t>
-            </a:r>
-          </a:p>
-          <a:p>
-            <a:pPr lvl="3"/>
-            <a:r>
-              <a:rPr lang="en-US" i="1" dirty="0"/>
-              <a:t>increased number of switches</a:t>
-            </a:r>
-          </a:p>
-          <a:p>
-            <a:pPr lvl="3"/>
-            <a:r>
-              <a:rPr lang="en-US" i="1" dirty="0"/>
-              <a:t>increased isolated gate drives</a:t>
-            </a:r>
-          </a:p>
-          <a:p>
-            <a:pPr lvl="3"/>
-            <a:r>
-              <a:rPr lang="en-US" i="1" dirty="0"/>
-              <a:t>Increased cost and complexity</a:t>
-            </a:r>
-          </a:p>
-          <a:p>
-            <a:pPr marL="457200" lvl="1" indent="0">
-              <a:buNone/>
-            </a:pPr>
-            <a:r>
-              <a:rPr lang="en-US" sz="2000" dirty="0" smtClean="0"/>
-              <a:t>	NPC </a:t>
-            </a:r>
-            <a:r>
-              <a:rPr lang="en-US" sz="2000" dirty="0"/>
-              <a:t>and ANPC have</a:t>
-            </a:r>
-          </a:p>
-          <a:p>
-            <a:pPr lvl="3"/>
-            <a:r>
-              <a:rPr lang="en-US" i="1" dirty="0"/>
-              <a:t>Higher conduction losses due to the series connection of two devices</a:t>
-            </a:r>
-          </a:p>
-          <a:p>
-            <a:pPr marL="457200" lvl="1" indent="0">
-              <a:buNone/>
-            </a:pPr>
-            <a:r>
-              <a:rPr lang="en-US" sz="2000" dirty="0"/>
-              <a:t>	T-type </a:t>
-            </a:r>
-          </a:p>
-          <a:p>
-            <a:pPr lvl="3"/>
-            <a:r>
-              <a:rPr lang="en-US" i="1" dirty="0"/>
-              <a:t>Higher voltage ratings for some of the switches</a:t>
-            </a:r>
-          </a:p>
-          <a:p>
-            <a:pPr lvl="3"/>
-            <a:r>
-              <a:rPr lang="en-US" i="1" dirty="0"/>
-              <a:t>Higher switching losses because of higher voltage stress on single-switches</a:t>
-            </a:r>
-          </a:p>
-          <a:p>
-            <a:pPr marL="457200" lvl="1" indent="0">
-              <a:buNone/>
-            </a:pPr>
+              <a:rPr lang="sv-SE" dirty="0" err="1" smtClean="0"/>
+              <a:t>Pareto</a:t>
+            </a:r>
+            <a:r>
+              <a:rPr lang="sv-SE" dirty="0" smtClean="0"/>
+              <a:t> </a:t>
+            </a:r>
+            <a:r>
+              <a:rPr lang="sv-SE" dirty="0" err="1"/>
+              <a:t>frontiers</a:t>
+            </a:r>
+            <a:endParaRPr lang="sv-SE" dirty="0"/>
+          </a:p>
+          <a:p>
+            <a:pPr lvl="1"/>
+            <a:endParaRPr lang="en-US" dirty="0"/>
+          </a:p>
+          <a:p>
+            <a:pPr lvl="1"/>
             <a:endParaRPr lang="en-US" dirty="0" smtClean="0"/>
           </a:p>
-        </p:txBody>
-      </p:sp>
+          <a:p>
+            <a:pPr lvl="1"/>
+            <a:endParaRPr lang="en-US" dirty="0"/>
+          </a:p>
+        </p:txBody>
+      </p:sp>
+      <p:pic>
+        <p:nvPicPr>
+          <p:cNvPr id="7" name="Picture 6"/>
+          <p:cNvPicPr>
+            <a:picLocks noChangeAspect="1"/>
+          </p:cNvPicPr>
+          <p:nvPr/>
+        </p:nvPicPr>
+        <p:blipFill rotWithShape="1">
+          <a:blip r:embed="rId4"/>
+          <a:srcRect l="12045"/>
+          <a:stretch/>
+        </p:blipFill>
+        <p:spPr>
+          <a:xfrm>
+            <a:off x="3613150" y="1335983"/>
+            <a:ext cx="2496037" cy="5424487"/>
+          </a:xfrm>
+          <a:prstGeom prst="rect">
+            <a:avLst/>
+          </a:prstGeom>
+        </p:spPr>
+      </p:pic>
     </p:spTree>
     <p:extLst>
       <p:ext uri="{BB962C8B-B14F-4D97-AF65-F5344CB8AC3E}">
-        <p14:creationId xmlns:p14="http://schemas.microsoft.com/office/powerpoint/2010/main" val="824230882"/>
+        <p14:creationId xmlns:p14="http://schemas.microsoft.com/office/powerpoint/2010/main" val="2358401050"/>
       </p:ext>
     </p:extLst>
   </p:cSld>
@@ -4391,6 +7734,59 @@
       </p:grpSpPr>
       <p:sp>
         <p:nvSpPr>
+          <p:cNvPr id="2" name="Title 1"/>
+          <p:cNvSpPr>
+            <a:spLocks noGrp="1"/>
+          </p:cNvSpPr>
+          <p:nvPr>
+            <p:ph type="title"/>
+          </p:nvPr>
+        </p:nvSpPr>
+        <p:spPr>
+          <a:xfrm>
+            <a:off x="723900" y="57150"/>
+            <a:ext cx="10515600" cy="885824"/>
+          </a:xfrm>
+        </p:spPr>
+        <p:txBody>
+          <a:bodyPr/>
+          <a:lstStyle/>
+          <a:p>
+            <a:pPr algn="ctr"/>
+            <a:r>
+              <a:rPr lang="en-US" dirty="0" smtClean="0">
+                <a:solidFill>
+                  <a:srgbClr val="C00000"/>
+                </a:solidFill>
+              </a:rPr>
+              <a:t>Conceptual Topology </a:t>
+            </a:r>
+            <a:r>
+              <a:rPr lang="en-US" dirty="0">
+                <a:solidFill>
+                  <a:srgbClr val="C00000"/>
+                </a:solidFill>
+              </a:rPr>
+              <a:t>L</a:t>
+            </a:r>
+            <a:r>
+              <a:rPr lang="en-US" dirty="0" smtClean="0">
+                <a:solidFill>
+                  <a:srgbClr val="C00000"/>
+                </a:solidFill>
+              </a:rPr>
+              <a:t>evel Design [2,5]</a:t>
+            </a:r>
+            <a:endParaRPr lang="sv-SE" dirty="0">
+              <a:solidFill>
+                <a:srgbClr val="C00000"/>
+              </a:solidFill>
+            </a:endParaRPr>
+          </a:p>
+        </p:txBody>
+      </p:sp>
+      <p:sp>
+        <p:nvSpPr>
           <p:cNvPr id="3" name="Content Placeholder 2"/>
           <p:cNvSpPr>
             <a:spLocks noGrp="1"/>
@@ -4401,7 +7797,7 @@
         </p:nvSpPr>
         <p:spPr>
           <a:xfrm>
-            <a:off x="654050" y="511175"/>
+            <a:off x="723900" y="942974"/>
             <a:ext cx="10515600" cy="5832475"/>
           </a:xfrm>
         </p:spPr>
@@ -4411,85 +7807,620 @@
           </a:bodyPr>
           <a:lstStyle/>
           <a:p>
+            <a:pPr marL="0" indent="0">
+              <a:buNone/>
+            </a:pPr>
+            <a:r>
+              <a:rPr lang="en-US" sz="2000" dirty="0"/>
+              <a:t>The potential solutions to enable </a:t>
+            </a:r>
+            <a:r>
+              <a:rPr lang="en-US" sz="2000" b="1" dirty="0" smtClean="0"/>
+              <a:t>high-density</a:t>
+            </a:r>
+            <a:r>
+              <a:rPr lang="en-US" sz="2000" dirty="0" smtClean="0"/>
+              <a:t> </a:t>
+            </a:r>
+            <a:r>
+              <a:rPr lang="en-US" sz="2000" dirty="0"/>
+              <a:t>and </a:t>
+            </a:r>
+            <a:r>
+              <a:rPr lang="en-US" sz="2000" b="1" dirty="0"/>
+              <a:t>high-efficiency </a:t>
+            </a:r>
+            <a:r>
+              <a:rPr lang="en-US" sz="2000" dirty="0"/>
+              <a:t>traction </a:t>
+            </a:r>
+            <a:r>
+              <a:rPr lang="en-US" sz="2000" dirty="0" smtClean="0"/>
+              <a:t>inverters:</a:t>
+            </a:r>
+          </a:p>
+          <a:p>
+            <a:pPr marL="914400" lvl="1" indent="-457200">
+              <a:buFont typeface="+mj-lt"/>
+              <a:buAutoNum type="arabicPeriod"/>
+            </a:pPr>
+            <a:r>
+              <a:rPr lang="en-US" sz="2000" dirty="0" smtClean="0"/>
+              <a:t>Utilize WBG devices (all-</a:t>
+            </a:r>
+            <a:r>
+              <a:rPr lang="en-US" sz="2000" dirty="0" err="1" smtClean="0"/>
+              <a:t>SiC</a:t>
+            </a:r>
+            <a:r>
+              <a:rPr lang="en-US" sz="2000" dirty="0" smtClean="0"/>
+              <a:t>), with off-the-shelf modules, discrete or an optimized DBC???//</a:t>
+            </a:r>
+          </a:p>
+          <a:p>
+            <a:pPr marL="914400" lvl="1" indent="-457200">
+              <a:buFont typeface="+mj-lt"/>
+              <a:buAutoNum type="arabicPeriod"/>
+            </a:pPr>
+            <a:r>
+              <a:rPr lang="en-US" sz="2000" dirty="0" smtClean="0"/>
+              <a:t>Still medium frequency range 10-25kHz up to 80kHz ????</a:t>
+            </a:r>
+          </a:p>
+          <a:p>
+            <a:pPr marL="914400" lvl="1" indent="-457200">
+              <a:buFont typeface="+mj-lt"/>
+              <a:buAutoNum type="arabicPeriod"/>
+            </a:pPr>
+            <a:r>
+              <a:rPr lang="en-US" sz="2000" dirty="0" smtClean="0"/>
+              <a:t>Passing to multi level (especially 3L) inverters since 2L inverters have</a:t>
+            </a:r>
+          </a:p>
+          <a:p>
+            <a:pPr lvl="3"/>
+            <a:r>
+              <a:rPr lang="en-US" i="1" dirty="0" smtClean="0"/>
+              <a:t>Higher output voltage harmonics</a:t>
+            </a:r>
+          </a:p>
+          <a:p>
+            <a:pPr lvl="3"/>
+            <a:r>
+              <a:rPr lang="en-US" i="1" dirty="0" smtClean="0"/>
+              <a:t>Lower efficiency at higher switching frequency, which is vital to decrease the volume</a:t>
+            </a:r>
+          </a:p>
+          <a:p>
+            <a:pPr lvl="3"/>
+            <a:r>
+              <a:rPr lang="en-US" i="1" dirty="0" smtClean="0"/>
+              <a:t>Higher dv/</a:t>
+            </a:r>
+            <a:r>
+              <a:rPr lang="en-US" i="1" dirty="0" err="1" smtClean="0"/>
+              <a:t>dt</a:t>
+            </a:r>
+            <a:r>
+              <a:rPr lang="en-US" i="1" dirty="0" smtClean="0"/>
+              <a:t> and EMI, which causes common mode problems at the motor side</a:t>
+            </a:r>
+          </a:p>
+          <a:p>
+            <a:pPr lvl="3"/>
+            <a:r>
+              <a:rPr lang="en-US" i="1" dirty="0" smtClean="0"/>
+              <a:t>Higher voltage </a:t>
+            </a:r>
+            <a:r>
+              <a:rPr lang="en-US" i="1" dirty="0"/>
+              <a:t>ratings</a:t>
+            </a:r>
+            <a:r>
+              <a:rPr lang="en-US" i="1" dirty="0" smtClean="0"/>
+              <a:t> for switches</a:t>
+            </a:r>
+          </a:p>
+          <a:p>
             <a:pPr marL="457200" lvl="1" indent="0">
               <a:buNone/>
             </a:pPr>
             <a:r>
+              <a:rPr lang="en-US" sz="2000" dirty="0" smtClean="0"/>
+              <a:t>	But  </a:t>
+            </a:r>
+            <a:r>
               <a:rPr lang="en-US" sz="2000" dirty="0"/>
-              <a:t>	</a:t>
-            </a:r>
-            <a:r>
-              <a:rPr lang="en-US" sz="2000" dirty="0" smtClean="0"/>
-              <a:t>4. Modular Motor Drives, Stacked Poly-Phase </a:t>
-            </a:r>
-            <a:r>
-              <a:rPr lang="en-US" sz="2000" dirty="0"/>
-              <a:t>B</a:t>
-            </a:r>
-            <a:r>
-              <a:rPr lang="en-US" sz="2000" dirty="0" smtClean="0"/>
-              <a:t>ridges [5] </a:t>
+              <a:t>3L inverters (NPC, ANPC, T-type) have </a:t>
             </a:r>
           </a:p>
           <a:p>
             <a:pPr lvl="3"/>
             <a:r>
-              <a:rPr lang="en-US" sz="2000" i="1" dirty="0" smtClean="0"/>
-              <a:t>Series or parallel connected </a:t>
-            </a:r>
-            <a:endParaRPr lang="en-US" sz="2000" i="1" dirty="0" smtClean="0"/>
+              <a:rPr lang="en-US" i="1" dirty="0"/>
+              <a:t>increased number of switches</a:t>
+            </a:r>
           </a:p>
           <a:p>
             <a:pPr lvl="3"/>
             <a:r>
-              <a:rPr lang="en-US" sz="2000" i="1" dirty="0" smtClean="0"/>
-              <a:t>Lower semiconductor voltage/current ratings</a:t>
+              <a:rPr lang="en-US" i="1" dirty="0"/>
+              <a:t>increased isolated gate drives</a:t>
             </a:r>
           </a:p>
           <a:p>
             <a:pPr lvl="3"/>
             <a:r>
-              <a:rPr lang="en-US" sz="2000" i="1" dirty="0" smtClean="0"/>
-              <a:t>High switching frequency</a:t>
-            </a:r>
-          </a:p>
-          <a:p>
-            <a:pPr lvl="3"/>
-            <a:r>
-              <a:rPr lang="en-US" sz="2000" i="1" dirty="0" smtClean="0"/>
-              <a:t>Compact design</a:t>
-            </a:r>
-          </a:p>
-          <a:p>
-            <a:pPr lvl="3"/>
-            <a:r>
-              <a:rPr lang="en-US" sz="2000" i="1" dirty="0" smtClean="0"/>
-              <a:t>Phase shift/ interleaving to reduce DC-link ripple</a:t>
-            </a:r>
-            <a:endParaRPr lang="en-US" sz="2000" i="1" dirty="0" smtClean="0"/>
-          </a:p>
-          <a:p>
-            <a:pPr marL="914400" lvl="2" indent="0">
+              <a:rPr lang="en-US" i="1" dirty="0"/>
+              <a:t>Increased cost and complexity</a:t>
+            </a:r>
+          </a:p>
+          <a:p>
+            <a:pPr marL="457200" lvl="1" indent="0">
               <a:buNone/>
             </a:pPr>
             <a:r>
-              <a:rPr lang="en-US" dirty="0"/>
-              <a:t>	</a:t>
-            </a:r>
-            <a:r>
-              <a:rPr lang="en-US" dirty="0" smtClean="0"/>
-              <a:t>	</a:t>
-            </a:r>
-            <a:endParaRPr lang="en-US" dirty="0" smtClean="0"/>
-          </a:p>
-          <a:p>
-            <a:pPr marL="0" indent="0">
+              <a:rPr lang="en-US" sz="2000" dirty="0" smtClean="0"/>
+              <a:t>	NPC </a:t>
+            </a:r>
+            <a:r>
+              <a:rPr lang="en-US" sz="2000" dirty="0"/>
+              <a:t>and ANPC have</a:t>
+            </a:r>
+          </a:p>
+          <a:p>
+            <a:pPr lvl="3"/>
+            <a:r>
+              <a:rPr lang="en-US" i="1" dirty="0"/>
+              <a:t>Higher conduction losses due to the series connection of two devices</a:t>
+            </a:r>
+          </a:p>
+          <a:p>
+            <a:pPr marL="457200" lvl="1" indent="0">
               <a:buNone/>
             </a:pPr>
-            <a:endParaRPr lang="en-US" sz="2000" dirty="0" smtClean="0"/>
-          </a:p>
-        </p:txBody>
-      </p:sp>
+            <a:r>
+              <a:rPr lang="en-US" sz="2000" dirty="0"/>
+              <a:t>	T-type </a:t>
+            </a:r>
+          </a:p>
+          <a:p>
+            <a:pPr lvl="3"/>
+            <a:r>
+              <a:rPr lang="en-US" i="1" dirty="0"/>
+              <a:t>Higher voltage ratings for some of the switches</a:t>
+            </a:r>
+          </a:p>
+          <a:p>
+            <a:pPr lvl="3"/>
+            <a:r>
+              <a:rPr lang="en-US" i="1" dirty="0"/>
+              <a:t>Higher switching losses because of higher voltage stress on single-switches</a:t>
+            </a:r>
+          </a:p>
+          <a:p>
+            <a:pPr marL="457200" lvl="1" indent="0">
+              <a:buNone/>
+            </a:pPr>
+            <a:endParaRPr lang="en-US" dirty="0" smtClean="0"/>
+          </a:p>
+        </p:txBody>
+      </p:sp>
+    </p:spTree>
+    <p:extLst>
+      <p:ext uri="{BB962C8B-B14F-4D97-AF65-F5344CB8AC3E}">
+        <p14:creationId xmlns:p14="http://schemas.microsoft.com/office/powerpoint/2010/main" val="824230882"/>
+      </p:ext>
+    </p:extLst>
+  </p:cSld>
+  <p:clrMapOvr>
+    <a:masterClrMapping/>
+  </p:clrMapOvr>
+</p:sld>
+</file>
+
+<file path=ppt/slides/slide5.xml><?xml version="1.0" encoding="utf-8"?>
+<p:sld xmlns:a="http://schemas.openxmlformats.org/drawingml/2006/main" xmlns:r="http://schemas.openxmlformats.org/officeDocument/2006/relationships" xmlns:p="http://schemas.openxmlformats.org/presentationml/2006/main">
+  <p:cSld>
+    <p:spTree>
+      <p:nvGrpSpPr>
+        <p:cNvPr id="1" name=""/>
+        <p:cNvGrpSpPr/>
+        <p:nvPr/>
+      </p:nvGrpSpPr>
+      <p:grpSpPr>
+        <a:xfrm>
+          <a:off x="0" y="0"/>
+          <a:ext cx="0" cy="0"/>
+          <a:chOff x="0" y="0"/>
+          <a:chExt cx="0" cy="0"/>
+        </a:xfrm>
+      </p:grpSpPr>
+      <mc:AlternateContent xmlns:mc="http://schemas.openxmlformats.org/markup-compatibility/2006" xmlns:a14="http://schemas.microsoft.com/office/drawing/2010/main">
+        <mc:Choice Requires="a14">
+          <p:sp>
+            <p:nvSpPr>
+              <p:cNvPr id="3" name="Content Placeholder 2"/>
+              <p:cNvSpPr>
+                <a:spLocks noGrp="1"/>
+              </p:cNvSpPr>
+              <p:nvPr>
+                <p:ph idx="1"/>
+              </p:nvPr>
+            </p:nvSpPr>
+            <p:spPr>
+              <a:xfrm>
+                <a:off x="654050" y="511175"/>
+                <a:ext cx="10515600" cy="5832475"/>
+              </a:xfrm>
+            </p:spPr>
+            <p:txBody>
+              <a:bodyPr>
+                <a:noAutofit/>
+              </a:bodyPr>
+              <a:lstStyle/>
+              <a:p>
+                <a:pPr marL="457200" lvl="1" indent="0">
+                  <a:buNone/>
+                </a:pPr>
+                <a:r>
+                  <a:rPr lang="en-US" sz="2000" dirty="0"/>
+                  <a:t>	</a:t>
+                </a:r>
+                <a:r>
+                  <a:rPr lang="en-US" sz="2000" dirty="0" smtClean="0"/>
+                  <a:t>4. Modular Motor Drives, Stacked Poly-Phase </a:t>
+                </a:r>
+                <a:r>
+                  <a:rPr lang="en-US" sz="2000" dirty="0"/>
+                  <a:t>B</a:t>
+                </a:r>
+                <a:r>
+                  <a:rPr lang="en-US" sz="2000" dirty="0" smtClean="0"/>
+                  <a:t>ridges [5] </a:t>
+                </a:r>
+              </a:p>
+              <a:p>
+                <a:pPr lvl="3"/>
+                <a:r>
+                  <a:rPr lang="en-US" sz="2000" i="1" dirty="0" smtClean="0"/>
+                  <a:t>Series or parallel connected </a:t>
+                </a:r>
+              </a:p>
+              <a:p>
+                <a:pPr lvl="3"/>
+                <a:r>
+                  <a:rPr lang="en-US" sz="2000" i="1" dirty="0" smtClean="0"/>
+                  <a:t>Lower semiconductor voltage/current ratings</a:t>
+                </a:r>
+              </a:p>
+              <a:p>
+                <a:pPr lvl="3"/>
+                <a:r>
+                  <a:rPr lang="en-US" sz="2000" i="1" dirty="0" smtClean="0"/>
+                  <a:t>High switching frequency</a:t>
+                </a:r>
+              </a:p>
+              <a:p>
+                <a:pPr lvl="3"/>
+                <a:r>
+                  <a:rPr lang="en-US" sz="2000" i="1" dirty="0" smtClean="0"/>
+                  <a:t>Compact design</a:t>
+                </a:r>
+              </a:p>
+              <a:p>
+                <a:pPr lvl="3"/>
+                <a:r>
+                  <a:rPr lang="en-US" sz="2000" i="1" dirty="0" smtClean="0"/>
+                  <a:t>Phase shift/ interleaving to reduce DC-link ripple</a:t>
+                </a:r>
+                <a:endParaRPr lang="en-US" sz="2000" i="1" dirty="0"/>
+              </a:p>
+              <a:p>
+                <a:pPr lvl="1"/>
+                <a:endParaRPr lang="en-US" sz="2000" dirty="0" smtClean="0"/>
+              </a:p>
+              <a:p>
+                <a:pPr marL="0" indent="0">
+                  <a:buNone/>
+                </a:pPr>
+                <a:r>
+                  <a:rPr lang="en-US" sz="2000" dirty="0" smtClean="0"/>
+                  <a:t>	5. Other </a:t>
+                </a:r>
+                <a:r>
+                  <a:rPr lang="en-US" sz="2000" dirty="0"/>
+                  <a:t>Topologies, which will be considered afterward : </a:t>
+                </a:r>
+              </a:p>
+              <a:p>
+                <a:pPr lvl="3"/>
+                <a:r>
+                  <a:rPr lang="en-US" sz="2000" dirty="0" smtClean="0"/>
+                  <a:t>Alternatively</a:t>
+                </a:r>
+                <a:r>
+                  <a:rPr lang="en-US" sz="2000" dirty="0"/>
+                  <a:t>, the </a:t>
+                </a:r>
+                <a14:m>
+                  <m:oMath xmlns:m="http://schemas.openxmlformats.org/officeDocument/2006/math">
+                    <m:r>
+                      <a:rPr lang="en-US" sz="2000" i="1" dirty="0">
+                        <a:latin typeface="Cambria Math" panose="02040503050406030204" pitchFamily="18" charset="0"/>
+                      </a:rPr>
+                      <m:t>3</m:t>
+                    </m:r>
+                    <m:r>
+                      <a:rPr lang="en-US" sz="2000" i="1" dirty="0">
+                        <a:latin typeface="Cambria Math" panose="02040503050406030204" pitchFamily="18" charset="0"/>
+                      </a:rPr>
+                      <m:t>𝐿</m:t>
+                    </m:r>
+                    <m:sSup>
+                      <m:sSupPr>
+                        <m:ctrlPr>
+                          <a:rPr lang="en-US" sz="2000" i="1" dirty="0">
+                            <a:latin typeface="Cambria Math" panose="02040503050406030204" pitchFamily="18" charset="0"/>
+                          </a:rPr>
+                        </m:ctrlPr>
+                      </m:sSupPr>
+                      <m:e>
+                        <m:r>
+                          <a:rPr lang="en-US" sz="2000" i="1" dirty="0">
+                            <a:latin typeface="Cambria Math" panose="02040503050406030204" pitchFamily="18" charset="0"/>
+                          </a:rPr>
+                          <m:t>𝑇</m:t>
+                        </m:r>
+                      </m:e>
+                      <m:sup>
+                        <m:r>
+                          <a:rPr lang="en-US" sz="2000" i="1" dirty="0">
+                            <a:latin typeface="Cambria Math" panose="02040503050406030204" pitchFamily="18" charset="0"/>
+                          </a:rPr>
+                          <m:t>2</m:t>
+                        </m:r>
+                      </m:sup>
+                    </m:sSup>
+                    <m:r>
+                      <a:rPr lang="en-US" sz="2000" i="1" dirty="0">
+                        <a:latin typeface="Cambria Math" panose="02040503050406030204" pitchFamily="18" charset="0"/>
+                      </a:rPr>
+                      <m:t>𝐶</m:t>
+                    </m:r>
+                  </m:oMath>
+                </a14:m>
+                <a:r>
+                  <a:rPr lang="en-US" sz="2000" dirty="0"/>
+                  <a:t> can be implemented with series connected  </a:t>
+                </a:r>
+                <a:r>
+                  <a:rPr lang="en-US" sz="2000" dirty="0" smtClean="0"/>
+                  <a:t>IGBTs </a:t>
+                </a:r>
+                <a:r>
+                  <a:rPr lang="en-US" sz="2000" dirty="0"/>
+                  <a:t>replacing the  </a:t>
+                </a:r>
+                <a:r>
+                  <a:rPr lang="en-US" sz="2000" dirty="0" smtClean="0"/>
+                  <a:t>single </a:t>
+                </a:r>
+                <a:r>
+                  <a:rPr lang="en-US" sz="2000" dirty="0"/>
+                  <a:t>switches T1 and T4 if it is used for </a:t>
+                </a:r>
+                <a:r>
+                  <a:rPr lang="en-US" sz="2000" dirty="0" smtClean="0"/>
+                  <a:t>medium-voltage </a:t>
+                </a:r>
+                <a:r>
+                  <a:rPr lang="en-US" sz="2000" dirty="0"/>
+                  <a:t>applications. There, the topology  </a:t>
+                </a:r>
+                <a:r>
+                  <a:rPr lang="en-US" sz="2000" dirty="0" smtClean="0"/>
+                  <a:t>is </a:t>
+                </a:r>
+                <a:r>
+                  <a:rPr lang="en-US" sz="2000" dirty="0"/>
+                  <a:t>also known as</a:t>
+                </a:r>
+                <a:r>
+                  <a:rPr lang="en-US" sz="2000" b="1" dirty="0"/>
+                  <a:t> </a:t>
+                </a:r>
+                <a:r>
+                  <a:rPr lang="en-US" sz="2000" b="1" dirty="0" smtClean="0"/>
+                  <a:t>neutral-point-piloted </a:t>
+                </a:r>
+                <a:r>
+                  <a:rPr lang="en-US" sz="2000" b="1" dirty="0"/>
+                  <a:t>converter or transistor clamped converter</a:t>
+                </a:r>
+                <a:r>
+                  <a:rPr lang="en-US" sz="2000" b="1" dirty="0" smtClean="0"/>
+                  <a:t>.</a:t>
+                </a:r>
+                <a:endParaRPr lang="en-US" sz="2000" b="1" dirty="0"/>
+              </a:p>
+              <a:p>
+                <a:pPr lvl="3"/>
+                <a:r>
+                  <a:rPr lang="sv-SE" sz="2000" dirty="0" smtClean="0"/>
+                  <a:t>Split </a:t>
+                </a:r>
+                <a:r>
+                  <a:rPr lang="sv-SE" sz="2000" dirty="0" err="1"/>
+                  <a:t>inductor</a:t>
+                </a:r>
+                <a:r>
+                  <a:rPr lang="sv-SE" sz="2000" dirty="0"/>
+                  <a:t> </a:t>
+                </a:r>
+                <a:r>
+                  <a:rPr lang="sv-SE" sz="2000" dirty="0" err="1" smtClean="0"/>
+                  <a:t>converter</a:t>
+                </a:r>
+                <a:endParaRPr lang="sv-SE" sz="2000" dirty="0"/>
+              </a:p>
+              <a:p>
+                <a:pPr lvl="3"/>
+                <a:r>
+                  <a:rPr lang="sv-SE" sz="2000" b="1" dirty="0"/>
+                  <a:t>Active </a:t>
+                </a:r>
+                <a:r>
+                  <a:rPr lang="sv-SE" sz="2000" b="1" dirty="0" err="1"/>
+                  <a:t>clamped</a:t>
+                </a:r>
+                <a:r>
+                  <a:rPr lang="sv-SE" sz="2000" b="1" dirty="0"/>
+                  <a:t> </a:t>
+                </a:r>
+                <a:r>
+                  <a:rPr lang="sv-SE" sz="2000" b="1" dirty="0" err="1"/>
+                  <a:t>three-level</a:t>
+                </a:r>
+                <a:r>
+                  <a:rPr lang="sv-SE" sz="2000" b="1" dirty="0"/>
+                  <a:t> </a:t>
+                </a:r>
+                <a:r>
+                  <a:rPr lang="sv-SE" sz="2000" b="1" dirty="0" err="1" smtClean="0"/>
+                  <a:t>topologies</a:t>
+                </a:r>
+                <a:endParaRPr lang="sv-SE" sz="2000" b="1" dirty="0"/>
+              </a:p>
+              <a:p>
+                <a:pPr lvl="3"/>
+                <a:r>
+                  <a:rPr lang="sv-SE" sz="2000" dirty="0"/>
+                  <a:t>Three-</a:t>
+                </a:r>
+                <a:r>
+                  <a:rPr lang="sv-SE" sz="2000" dirty="0" err="1"/>
+                  <a:t>level</a:t>
+                </a:r>
+                <a:r>
+                  <a:rPr lang="sv-SE" sz="2000" dirty="0"/>
+                  <a:t> matrix </a:t>
+                </a:r>
+                <a:r>
+                  <a:rPr lang="sv-SE" sz="2000" dirty="0" err="1" smtClean="0"/>
+                  <a:t>converters</a:t>
+                </a:r>
+                <a:endParaRPr lang="sv-SE" sz="2000" dirty="0"/>
+              </a:p>
+              <a:p>
+                <a:pPr lvl="3"/>
+                <a:r>
+                  <a:rPr lang="en-US" sz="2000" b="1" dirty="0"/>
+                  <a:t>Three-level flying capacitor converter </a:t>
+                </a:r>
+                <a14:m>
+                  <m:oMath xmlns:m="http://schemas.openxmlformats.org/officeDocument/2006/math">
+                    <m:r>
+                      <a:rPr lang="en-US" sz="2000" b="1" i="1" dirty="0">
+                        <a:latin typeface="Cambria Math" panose="02040503050406030204" pitchFamily="18" charset="0"/>
+                      </a:rPr>
+                      <m:t>𝟑</m:t>
+                    </m:r>
+                    <m:r>
+                      <a:rPr lang="en-US" sz="2000" b="1" i="1" dirty="0">
+                        <a:latin typeface="Cambria Math" panose="02040503050406030204" pitchFamily="18" charset="0"/>
+                      </a:rPr>
+                      <m:t>𝑳𝑭</m:t>
+                    </m:r>
+                    <m:sSup>
+                      <m:sSupPr>
+                        <m:ctrlPr>
+                          <a:rPr lang="en-US" sz="2000" b="1" i="1" dirty="0">
+                            <a:latin typeface="Cambria Math" panose="02040503050406030204" pitchFamily="18" charset="0"/>
+                          </a:rPr>
+                        </m:ctrlPr>
+                      </m:sSupPr>
+                      <m:e>
+                        <m:r>
+                          <a:rPr lang="en-US" sz="2000" b="1" i="1" dirty="0">
+                            <a:latin typeface="Cambria Math" panose="02040503050406030204" pitchFamily="18" charset="0"/>
+                          </a:rPr>
+                          <m:t>𝑪</m:t>
+                        </m:r>
+                      </m:e>
+                      <m:sup>
+                        <m:r>
+                          <a:rPr lang="en-US" sz="2000" b="1" i="1" dirty="0">
+                            <a:latin typeface="Cambria Math" panose="02040503050406030204" pitchFamily="18" charset="0"/>
+                          </a:rPr>
+                          <m:t>𝟐</m:t>
+                        </m:r>
+                      </m:sup>
+                    </m:sSup>
+                  </m:oMath>
+                </a14:m>
+                <a:endParaRPr lang="en-US" sz="2000" i="1" dirty="0" smtClean="0"/>
+              </a:p>
+              <a:p>
+                <a:pPr marL="914400" lvl="2" indent="0">
+                  <a:buNone/>
+                </a:pPr>
+                <a:r>
+                  <a:rPr lang="en-US" dirty="0"/>
+                  <a:t>	</a:t>
+                </a:r>
+                <a:r>
+                  <a:rPr lang="en-US" dirty="0" smtClean="0"/>
+                  <a:t>	</a:t>
+                </a:r>
+              </a:p>
+              <a:p>
+                <a:pPr marL="0" indent="0">
+                  <a:buNone/>
+                </a:pPr>
+                <a:endParaRPr lang="en-US" sz="2000" dirty="0" smtClean="0"/>
+              </a:p>
+            </p:txBody>
+          </p:sp>
+        </mc:Choice>
+        <mc:Fallback xmlns="">
+          <p:sp>
+            <p:nvSpPr>
+              <p:cNvPr id="3" name="Content Placeholder 2"/>
+              <p:cNvSpPr>
+                <a:spLocks noGrp="1" noRot="1" noChangeAspect="1" noMove="1" noResize="1" noEditPoints="1" noAdjustHandles="1" noChangeArrowheads="1" noChangeShapeType="1" noTextEdit="1"/>
+              </p:cNvSpPr>
+              <p:nvPr>
+                <p:ph idx="1"/>
+              </p:nvPr>
+            </p:nvSpPr>
+            <p:spPr>
+              <a:xfrm>
+                <a:off x="654050" y="511175"/>
+                <a:ext cx="10515600" cy="5832475"/>
+              </a:xfrm>
+              <a:blipFill>
+                <a:blip r:embed="rId2"/>
+                <a:stretch>
+                  <a:fillRect t="-1149" r="-1101"/>
+                </a:stretch>
+              </a:blipFill>
+            </p:spPr>
+            <p:txBody>
+              <a:bodyPr/>
+              <a:lstStyle/>
+              <a:p>
+                <a:r>
+                  <a:rPr lang="sv-SE">
+                    <a:noFill/>
+                  </a:rPr>
+                  <a:t> </a:t>
+                </a:r>
+              </a:p>
+            </p:txBody>
+          </p:sp>
+        </mc:Fallback>
+      </mc:AlternateContent>
     </p:spTree>
     <p:extLst>
       <p:ext uri="{BB962C8B-B14F-4D97-AF65-F5344CB8AC3E}">
@@ -4503,7 +8434,7 @@
 </p:sld>
 </file>
 
-<file path=ppt/slides/slide5.xml><?xml version="1.0" encoding="utf-8"?>
+<file path=ppt/slides/slide6.xml><?xml version="1.0" encoding="utf-8"?>
 <p:sld xmlns:a="http://schemas.openxmlformats.org/drawingml/2006/main" xmlns:r="http://schemas.openxmlformats.org/officeDocument/2006/relationships" xmlns:p="http://schemas.openxmlformats.org/presentationml/2006/main">
   <p:cSld>
     <p:spTree>
@@ -4915,7 +8846,7 @@
 </p:sld>
 </file>
 
-<file path=ppt/slides/slide6.xml><?xml version="1.0" encoding="utf-8"?>
+<file path=ppt/slides/slide7.xml><?xml version="1.0" encoding="utf-8"?>
 <p:sld xmlns:a="http://schemas.openxmlformats.org/drawingml/2006/main" xmlns:r="http://schemas.openxmlformats.org/officeDocument/2006/relationships" xmlns:p="http://schemas.openxmlformats.org/presentationml/2006/main">
   <p:cSld>
     <p:spTree>
@@ -4932,8 +8863,8 @@
           <a:chExt cx="0" cy="0"/>
         </a:xfrm>
       </p:grpSpPr>
-      <mc:AlternateContent xmlns:mc="http://schemas.openxmlformats.org/markup-compatibility/2006">
-        <mc:Choice xmlns:a14="http://schemas.microsoft.com/office/drawing/2010/main" Requires="a14">
+      <mc:AlternateContent xmlns:mc="http://schemas.openxmlformats.org/markup-compatibility/2006" xmlns:a14="http://schemas.microsoft.com/office/drawing/2010/main">
+        <mc:Choice Requires="a14">
           <p:sp>
             <p:nvSpPr>
               <p:cNvPr id="2" name="Title 1"/>
@@ -4991,7 +8922,7 @@
             </p:txBody>
           </p:sp>
         </mc:Choice>
-        <mc:Fallback>
+        <mc:Fallback xmlns="">
           <p:sp>
             <p:nvSpPr>
               <p:cNvPr id="2" name="Title 1"/>
@@ -5167,7 +9098,7 @@
 </p:sld>
 </file>
 
-<file path=ppt/slides/slide7.xml><?xml version="1.0" encoding="utf-8"?>
+<file path=ppt/slides/slide8.xml><?xml version="1.0" encoding="utf-8"?>
 <p:sld xmlns:a="http://schemas.openxmlformats.org/drawingml/2006/main" xmlns:r="http://schemas.openxmlformats.org/officeDocument/2006/relationships" xmlns:p="http://schemas.openxmlformats.org/presentationml/2006/main">
   <p:cSld>
     <p:spTree>
@@ -5430,7 +9361,7 @@
 </p:sld>
 </file>
 
-<file path=ppt/slides/slide8.xml><?xml version="1.0" encoding="utf-8"?>
+<file path=ppt/slides/slide9.xml><?xml version="1.0" encoding="utf-8"?>
 <p:sld xmlns:a="http://schemas.openxmlformats.org/drawingml/2006/main" xmlns:r="http://schemas.openxmlformats.org/officeDocument/2006/relationships" xmlns:p="http://schemas.openxmlformats.org/presentationml/2006/main">
   <p:cSld>
     <p:spTree>
@@ -5804,289 +9735,6 @@
     <p:extLst>
       <p:ext uri="{BB962C8B-B14F-4D97-AF65-F5344CB8AC3E}">
         <p14:creationId xmlns:p14="http://schemas.microsoft.com/office/powerpoint/2010/main" val="4251194809"/>
-      </p:ext>
-    </p:extLst>
-  </p:cSld>
-  <p:clrMapOvr>
-    <a:masterClrMapping/>
-  </p:clrMapOvr>
-</p:sld>
-</file>
-
-<file path=ppt/slides/slide9.xml><?xml version="1.0" encoding="utf-8"?>
-<p:sld xmlns:a="http://schemas.openxmlformats.org/drawingml/2006/main" xmlns:r="http://schemas.openxmlformats.org/officeDocument/2006/relationships" xmlns:p="http://schemas.openxmlformats.org/presentationml/2006/main">
-  <p:cSld>
-    <p:spTree>
-      <p:nvGrpSpPr>
-        <p:cNvPr id="1" name=""/>
-        <p:cNvGrpSpPr/>
-        <p:nvPr/>
-      </p:nvGrpSpPr>
-      <p:grpSpPr>
-        <a:xfrm>
-          <a:off x="0" y="0"/>
-          <a:ext cx="0" cy="0"/>
-          <a:chOff x="0" y="0"/>
-          <a:chExt cx="0" cy="0"/>
-        </a:xfrm>
-      </p:grpSpPr>
-      <p:sp>
-        <p:nvSpPr>
-          <p:cNvPr id="2" name="Title 1"/>
-          <p:cNvSpPr>
-            <a:spLocks noGrp="1"/>
-          </p:cNvSpPr>
-          <p:nvPr>
-            <p:ph type="title"/>
-          </p:nvPr>
-        </p:nvSpPr>
-        <p:spPr>
-          <a:xfrm>
-            <a:off x="863600" y="155575"/>
-            <a:ext cx="10515600" cy="1325563"/>
-          </a:xfrm>
-        </p:spPr>
-        <p:txBody>
-          <a:bodyPr/>
-          <a:lstStyle/>
-          <a:p>
-            <a:pPr algn="ctr"/>
-            <a:r>
-              <a:rPr lang="sv-SE" dirty="0">
-                <a:solidFill>
-                  <a:srgbClr val="C00000"/>
-                </a:solidFill>
-              </a:rPr>
-              <a:t>SPB</a:t>
-            </a:r>
-          </a:p>
-        </p:txBody>
-      </p:sp>
-      <p:pic>
-        <p:nvPicPr>
-          <p:cNvPr id="4" name="Content Placeholder 3"/>
-          <p:cNvPicPr>
-            <a:picLocks noGrp="1" noChangeAspect="1"/>
-          </p:cNvPicPr>
-          <p:nvPr>
-            <p:ph idx="1"/>
-          </p:nvPr>
-        </p:nvPicPr>
-        <p:blipFill rotWithShape="1">
-          <a:blip r:embed="rId2"/>
-          <a:srcRect l="20064" r="5668" b="10723"/>
-          <a:stretch/>
-        </p:blipFill>
-        <p:spPr>
-          <a:xfrm>
-            <a:off x="247650" y="2247920"/>
-            <a:ext cx="4959350" cy="2400300"/>
-          </a:xfrm>
-          <a:prstGeom prst="rect">
-            <a:avLst/>
-          </a:prstGeom>
-        </p:spPr>
-      </p:pic>
-      <p:sp>
-        <p:nvSpPr>
-          <p:cNvPr id="5" name="TextBox 4"/>
-          <p:cNvSpPr txBox="1"/>
-          <p:nvPr/>
-        </p:nvSpPr>
-        <p:spPr>
-          <a:xfrm>
-            <a:off x="5505450" y="1481138"/>
-            <a:ext cx="6280150" cy="6155531"/>
-          </a:xfrm>
-          <a:prstGeom prst="rect">
-            <a:avLst/>
-          </a:prstGeom>
-          <a:noFill/>
-        </p:spPr>
-        <p:txBody>
-          <a:bodyPr wrap="square" rtlCol="0">
-            <a:spAutoFit/>
-          </a:bodyPr>
-          <a:lstStyle/>
-          <a:p>
-            <a:pPr marL="342900" indent="-342900">
-              <a:buFont typeface="+mj-lt"/>
-              <a:buAutoNum type="arabicPeriod"/>
-            </a:pPr>
-            <a:r>
-              <a:rPr lang="en-US" sz="2200" dirty="0" smtClean="0"/>
-              <a:t>The  voltage ratings of the switches depends on the number </a:t>
-            </a:r>
-            <a:r>
-              <a:rPr lang="en-US" sz="2200" dirty="0"/>
-              <a:t>of series connected </a:t>
-            </a:r>
-            <a:r>
-              <a:rPr lang="en-US" sz="2200" dirty="0" smtClean="0"/>
-              <a:t>submodules.</a:t>
-            </a:r>
-          </a:p>
-          <a:p>
-            <a:pPr marL="342900" indent="-342900">
-              <a:buFont typeface="+mj-lt"/>
-              <a:buAutoNum type="arabicPeriod"/>
-            </a:pPr>
-            <a:r>
-              <a:rPr lang="en-US" sz="2200" dirty="0"/>
-              <a:t>C</a:t>
-            </a:r>
-            <a:r>
-              <a:rPr lang="en-US" sz="2200" dirty="0" smtClean="0"/>
-              <a:t>an drive multi-phase or multi-3-phase machines</a:t>
-            </a:r>
-          </a:p>
-          <a:p>
-            <a:pPr marL="342900" indent="-342900">
-              <a:buFont typeface="+mj-lt"/>
-              <a:buAutoNum type="arabicPeriod"/>
-            </a:pPr>
-            <a:r>
-              <a:rPr lang="en-US" sz="2200" dirty="0" smtClean="0"/>
-              <a:t>Reduces capacitor size </a:t>
-            </a:r>
-            <a:r>
-              <a:rPr lang="en-US" sz="2200" dirty="0"/>
-              <a:t>in submodules, allowing for high switching </a:t>
-            </a:r>
-            <a:r>
-              <a:rPr lang="en-US" sz="2200" dirty="0" smtClean="0"/>
-              <a:t>frequencies.</a:t>
-            </a:r>
-          </a:p>
-          <a:p>
-            <a:pPr marL="342900" indent="-342900">
-              <a:buFont typeface="+mj-lt"/>
-              <a:buAutoNum type="arabicPeriod"/>
-            </a:pPr>
-            <a:r>
-              <a:rPr lang="en-US" sz="2200" dirty="0" smtClean="0"/>
-              <a:t>Possesses </a:t>
-            </a:r>
-            <a:r>
-              <a:rPr lang="en-US" sz="2200" dirty="0"/>
-              <a:t>an inherent fault-tolerant capability.</a:t>
-            </a:r>
-            <a:endParaRPr lang="en-US" sz="2200" dirty="0" smtClean="0"/>
-          </a:p>
-          <a:p>
-            <a:pPr marL="342900" indent="-342900">
-              <a:buFont typeface="+mj-lt"/>
-              <a:buAutoNum type="arabicPeriod"/>
-            </a:pPr>
-            <a:r>
-              <a:rPr lang="en-US" sz="2200" dirty="0"/>
-              <a:t>I</a:t>
-            </a:r>
-            <a:r>
-              <a:rPr lang="en-US" sz="2200" dirty="0" smtClean="0"/>
-              <a:t>ntegration </a:t>
-            </a:r>
-            <a:r>
-              <a:rPr lang="en-US" sz="2200" dirty="0"/>
-              <a:t>and </a:t>
-            </a:r>
-            <a:r>
-              <a:rPr lang="en-US" sz="2200" dirty="0" smtClean="0"/>
-              <a:t>scalability</a:t>
-            </a:r>
-            <a:r>
-              <a:rPr lang="en-US" sz="2200" dirty="0"/>
-              <a:t> </a:t>
-            </a:r>
-          </a:p>
-          <a:p>
-            <a:pPr marL="342900" indent="-342900">
-              <a:buFont typeface="+mj-lt"/>
-              <a:buAutoNum type="arabicPeriod"/>
-            </a:pPr>
-            <a:endParaRPr lang="en-US" sz="2200" dirty="0"/>
-          </a:p>
-          <a:p>
-            <a:endParaRPr lang="en-US" sz="2200" dirty="0"/>
-          </a:p>
-          <a:p>
-            <a:pPr marL="342900" indent="-342900">
-              <a:buFont typeface="+mj-lt"/>
-              <a:buAutoNum type="arabicPeriod"/>
-            </a:pPr>
-            <a:r>
-              <a:rPr lang="en-US" sz="2200" dirty="0"/>
-              <a:t>Since the series connected submodules are sharing the dc </a:t>
-            </a:r>
-            <a:r>
-              <a:rPr lang="en-US" sz="2200" dirty="0" smtClean="0"/>
-              <a:t>voltage, submodule capacitor voltage </a:t>
-            </a:r>
-            <a:r>
-              <a:rPr lang="en-US" sz="2200" dirty="0"/>
-              <a:t>balance </a:t>
-            </a:r>
-            <a:r>
-              <a:rPr lang="en-US" sz="2200" dirty="0" smtClean="0"/>
-              <a:t>should be </a:t>
-            </a:r>
-            <a:r>
-              <a:rPr lang="en-US" sz="2200" dirty="0"/>
-              <a:t>maintained under both normal and fault conditions</a:t>
-            </a:r>
-            <a:r>
-              <a:rPr lang="en-US" sz="2200" dirty="0" smtClean="0"/>
-              <a:t>. </a:t>
-            </a:r>
-          </a:p>
-          <a:p>
-            <a:pPr marL="285750" indent="-285750">
-              <a:buFont typeface="Arial" panose="020B0604020202020204" pitchFamily="34" charset="0"/>
-              <a:buChar char="•"/>
-            </a:pPr>
-            <a:endParaRPr lang="en-US" dirty="0"/>
-          </a:p>
-          <a:p>
-            <a:pPr marL="285750" indent="-285750">
-              <a:buFont typeface="Arial" panose="020B0604020202020204" pitchFamily="34" charset="0"/>
-              <a:buChar char="•"/>
-            </a:pPr>
-            <a:endParaRPr lang="en-US" dirty="0" smtClean="0"/>
-          </a:p>
-          <a:p>
-            <a:pPr marL="285750" indent="-285750">
-              <a:buFont typeface="Arial" panose="020B0604020202020204" pitchFamily="34" charset="0"/>
-              <a:buChar char="•"/>
-            </a:pPr>
-            <a:endParaRPr lang="en-US" dirty="0"/>
-          </a:p>
-          <a:p>
-            <a:pPr marL="285750" indent="-285750">
-              <a:buFont typeface="Arial" panose="020B0604020202020204" pitchFamily="34" charset="0"/>
-              <a:buChar char="•"/>
-            </a:pPr>
-            <a:endParaRPr lang="en-US" dirty="0" smtClean="0"/>
-          </a:p>
-          <a:p>
-            <a:pPr marL="285750" indent="-285750">
-              <a:buFont typeface="Arial" panose="020B0604020202020204" pitchFamily="34" charset="0"/>
-              <a:buChar char="•"/>
-            </a:pPr>
-            <a:endParaRPr lang="en-US" dirty="0"/>
-          </a:p>
-          <a:p>
-            <a:pPr marL="285750" indent="-285750">
-              <a:buFont typeface="Arial" panose="020B0604020202020204" pitchFamily="34" charset="0"/>
-              <a:buChar char="•"/>
-            </a:pPr>
-            <a:endParaRPr lang="sv-SE" dirty="0"/>
-          </a:p>
-        </p:txBody>
-      </p:sp>
-    </p:spTree>
-    <p:extLst>
-      <p:ext uri="{BB962C8B-B14F-4D97-AF65-F5344CB8AC3E}">
-        <p14:creationId xmlns:p14="http://schemas.microsoft.com/office/powerpoint/2010/main" val="2912227968"/>
       </p:ext>
     </p:extLst>
   </p:cSld>

--- a/Weekly-Reports/InverterDesignConsideration.pptx
+++ b/Weekly-Reports/InverterDesignConsideration.pptx
@@ -248,7 +248,7 @@
           <a:p>
             <a:fld id="{F4F1A71A-9BFD-4E2F-8CB1-3FF418E5A8DE}" type="datetimeFigureOut">
               <a:rPr lang="sv-SE" smtClean="0"/>
-              <a:t>2023-06-02</a:t>
+              <a:t>2023-06-08</a:t>
             </a:fld>
             <a:endParaRPr lang="sv-SE"/>
           </a:p>
@@ -647,7 +647,7 @@
           <a:p>
             <a:fld id="{F1EF6EBA-2446-4F83-BF27-4368AC2AD5AA}" type="datetimeFigureOut">
               <a:rPr lang="sv-SE" smtClean="0"/>
-              <a:t>2023-06-02</a:t>
+              <a:t>2023-06-08</a:t>
             </a:fld>
             <a:endParaRPr lang="sv-SE"/>
           </a:p>
@@ -817,7 +817,7 @@
           <a:p>
             <a:fld id="{F1EF6EBA-2446-4F83-BF27-4368AC2AD5AA}" type="datetimeFigureOut">
               <a:rPr lang="sv-SE" smtClean="0"/>
-              <a:t>2023-06-02</a:t>
+              <a:t>2023-06-08</a:t>
             </a:fld>
             <a:endParaRPr lang="sv-SE"/>
           </a:p>
@@ -997,7 +997,7 @@
           <a:p>
             <a:fld id="{F1EF6EBA-2446-4F83-BF27-4368AC2AD5AA}" type="datetimeFigureOut">
               <a:rPr lang="sv-SE" smtClean="0"/>
-              <a:t>2023-06-02</a:t>
+              <a:t>2023-06-08</a:t>
             </a:fld>
             <a:endParaRPr lang="sv-SE"/>
           </a:p>
@@ -1167,7 +1167,7 @@
           <a:p>
             <a:fld id="{F1EF6EBA-2446-4F83-BF27-4368AC2AD5AA}" type="datetimeFigureOut">
               <a:rPr lang="sv-SE" smtClean="0"/>
-              <a:t>2023-06-02</a:t>
+              <a:t>2023-06-08</a:t>
             </a:fld>
             <a:endParaRPr lang="sv-SE"/>
           </a:p>
@@ -1413,7 +1413,7 @@
           <a:p>
             <a:fld id="{F1EF6EBA-2446-4F83-BF27-4368AC2AD5AA}" type="datetimeFigureOut">
               <a:rPr lang="sv-SE" smtClean="0"/>
-              <a:t>2023-06-02</a:t>
+              <a:t>2023-06-08</a:t>
             </a:fld>
             <a:endParaRPr lang="sv-SE"/>
           </a:p>
@@ -1645,7 +1645,7 @@
           <a:p>
             <a:fld id="{F1EF6EBA-2446-4F83-BF27-4368AC2AD5AA}" type="datetimeFigureOut">
               <a:rPr lang="sv-SE" smtClean="0"/>
-              <a:t>2023-06-02</a:t>
+              <a:t>2023-06-08</a:t>
             </a:fld>
             <a:endParaRPr lang="sv-SE"/>
           </a:p>
@@ -2012,7 +2012,7 @@
           <a:p>
             <a:fld id="{F1EF6EBA-2446-4F83-BF27-4368AC2AD5AA}" type="datetimeFigureOut">
               <a:rPr lang="sv-SE" smtClean="0"/>
-              <a:t>2023-06-02</a:t>
+              <a:t>2023-06-08</a:t>
             </a:fld>
             <a:endParaRPr lang="sv-SE"/>
           </a:p>
@@ -2130,7 +2130,7 @@
           <a:p>
             <a:fld id="{F1EF6EBA-2446-4F83-BF27-4368AC2AD5AA}" type="datetimeFigureOut">
               <a:rPr lang="sv-SE" smtClean="0"/>
-              <a:t>2023-06-02</a:t>
+              <a:t>2023-06-08</a:t>
             </a:fld>
             <a:endParaRPr lang="sv-SE"/>
           </a:p>
@@ -2225,7 +2225,7 @@
           <a:p>
             <a:fld id="{F1EF6EBA-2446-4F83-BF27-4368AC2AD5AA}" type="datetimeFigureOut">
               <a:rPr lang="sv-SE" smtClean="0"/>
-              <a:t>2023-06-02</a:t>
+              <a:t>2023-06-08</a:t>
             </a:fld>
             <a:endParaRPr lang="sv-SE"/>
           </a:p>
@@ -2502,7 +2502,7 @@
           <a:p>
             <a:fld id="{F1EF6EBA-2446-4F83-BF27-4368AC2AD5AA}" type="datetimeFigureOut">
               <a:rPr lang="sv-SE" smtClean="0"/>
-              <a:t>2023-06-02</a:t>
+              <a:t>2023-06-08</a:t>
             </a:fld>
             <a:endParaRPr lang="sv-SE"/>
           </a:p>
@@ -2755,7 +2755,7 @@
           <a:p>
             <a:fld id="{F1EF6EBA-2446-4F83-BF27-4368AC2AD5AA}" type="datetimeFigureOut">
               <a:rPr lang="sv-SE" smtClean="0"/>
-              <a:t>2023-06-02</a:t>
+              <a:t>2023-06-08</a:t>
             </a:fld>
             <a:endParaRPr lang="sv-SE"/>
           </a:p>
@@ -2968,7 +2968,7 @@
           <a:p>
             <a:fld id="{F1EF6EBA-2446-4F83-BF27-4368AC2AD5AA}" type="datetimeFigureOut">
               <a:rPr lang="sv-SE" smtClean="0"/>
-              <a:t>2023-06-02</a:t>
+              <a:t>2023-06-08</a:t>
             </a:fld>
             <a:endParaRPr lang="sv-SE"/>
           </a:p>
@@ -6697,19 +6697,11 @@
             </a:r>
             <a:r>
               <a:rPr lang="en-US" dirty="0" smtClean="0"/>
-              <a:t>modelling </a:t>
-            </a:r>
-            <a:r>
-              <a:rPr lang="en-US" dirty="0" smtClean="0"/>
-              <a:t>and </a:t>
+              <a:t>modelling and </a:t>
             </a:r>
             <a:r>
               <a:rPr lang="en-US" b="1" dirty="0" smtClean="0"/>
-              <a:t>common </a:t>
-            </a:r>
-            <a:r>
-              <a:rPr lang="en-US" b="1" dirty="0" smtClean="0"/>
-              <a:t>mode voltage and EMI </a:t>
+              <a:t>common mode voltage and EMI </a:t>
             </a:r>
             <a:r>
               <a:rPr lang="en-US" dirty="0" smtClean="0"/>

--- a/Weekly-Reports/InverterDesignConsideration.pptx
+++ b/Weekly-Reports/InverterDesignConsideration.pptx
@@ -248,7 +248,7 @@
           <a:p>
             <a:fld id="{F4F1A71A-9BFD-4E2F-8CB1-3FF418E5A8DE}" type="datetimeFigureOut">
               <a:rPr lang="sv-SE" smtClean="0"/>
-              <a:t>2023-06-08</a:t>
+              <a:t>2023-09-14</a:t>
             </a:fld>
             <a:endParaRPr lang="sv-SE"/>
           </a:p>
@@ -647,7 +647,7 @@
           <a:p>
             <a:fld id="{F1EF6EBA-2446-4F83-BF27-4368AC2AD5AA}" type="datetimeFigureOut">
               <a:rPr lang="sv-SE" smtClean="0"/>
-              <a:t>2023-06-08</a:t>
+              <a:t>2023-09-14</a:t>
             </a:fld>
             <a:endParaRPr lang="sv-SE"/>
           </a:p>
@@ -817,7 +817,7 @@
           <a:p>
             <a:fld id="{F1EF6EBA-2446-4F83-BF27-4368AC2AD5AA}" type="datetimeFigureOut">
               <a:rPr lang="sv-SE" smtClean="0"/>
-              <a:t>2023-06-08</a:t>
+              <a:t>2023-09-14</a:t>
             </a:fld>
             <a:endParaRPr lang="sv-SE"/>
           </a:p>
@@ -997,7 +997,7 @@
           <a:p>
             <a:fld id="{F1EF6EBA-2446-4F83-BF27-4368AC2AD5AA}" type="datetimeFigureOut">
               <a:rPr lang="sv-SE" smtClean="0"/>
-              <a:t>2023-06-08</a:t>
+              <a:t>2023-09-14</a:t>
             </a:fld>
             <a:endParaRPr lang="sv-SE"/>
           </a:p>
@@ -1167,7 +1167,7 @@
           <a:p>
             <a:fld id="{F1EF6EBA-2446-4F83-BF27-4368AC2AD5AA}" type="datetimeFigureOut">
               <a:rPr lang="sv-SE" smtClean="0"/>
-              <a:t>2023-06-08</a:t>
+              <a:t>2023-09-14</a:t>
             </a:fld>
             <a:endParaRPr lang="sv-SE"/>
           </a:p>
@@ -1413,7 +1413,7 @@
           <a:p>
             <a:fld id="{F1EF6EBA-2446-4F83-BF27-4368AC2AD5AA}" type="datetimeFigureOut">
               <a:rPr lang="sv-SE" smtClean="0"/>
-              <a:t>2023-06-08</a:t>
+              <a:t>2023-09-14</a:t>
             </a:fld>
             <a:endParaRPr lang="sv-SE"/>
           </a:p>
@@ -1645,7 +1645,7 @@
           <a:p>
             <a:fld id="{F1EF6EBA-2446-4F83-BF27-4368AC2AD5AA}" type="datetimeFigureOut">
               <a:rPr lang="sv-SE" smtClean="0"/>
-              <a:t>2023-06-08</a:t>
+              <a:t>2023-09-14</a:t>
             </a:fld>
             <a:endParaRPr lang="sv-SE"/>
           </a:p>
@@ -2012,7 +2012,7 @@
           <a:p>
             <a:fld id="{F1EF6EBA-2446-4F83-BF27-4368AC2AD5AA}" type="datetimeFigureOut">
               <a:rPr lang="sv-SE" smtClean="0"/>
-              <a:t>2023-06-08</a:t>
+              <a:t>2023-09-14</a:t>
             </a:fld>
             <a:endParaRPr lang="sv-SE"/>
           </a:p>
@@ -2130,7 +2130,7 @@
           <a:p>
             <a:fld id="{F1EF6EBA-2446-4F83-BF27-4368AC2AD5AA}" type="datetimeFigureOut">
               <a:rPr lang="sv-SE" smtClean="0"/>
-              <a:t>2023-06-08</a:t>
+              <a:t>2023-09-14</a:t>
             </a:fld>
             <a:endParaRPr lang="sv-SE"/>
           </a:p>
@@ -2225,7 +2225,7 @@
           <a:p>
             <a:fld id="{F1EF6EBA-2446-4F83-BF27-4368AC2AD5AA}" type="datetimeFigureOut">
               <a:rPr lang="sv-SE" smtClean="0"/>
-              <a:t>2023-06-08</a:t>
+              <a:t>2023-09-14</a:t>
             </a:fld>
             <a:endParaRPr lang="sv-SE"/>
           </a:p>
@@ -2502,7 +2502,7 @@
           <a:p>
             <a:fld id="{F1EF6EBA-2446-4F83-BF27-4368AC2AD5AA}" type="datetimeFigureOut">
               <a:rPr lang="sv-SE" smtClean="0"/>
-              <a:t>2023-06-08</a:t>
+              <a:t>2023-09-14</a:t>
             </a:fld>
             <a:endParaRPr lang="sv-SE"/>
           </a:p>
@@ -2755,7 +2755,7 @@
           <a:p>
             <a:fld id="{F1EF6EBA-2446-4F83-BF27-4368AC2AD5AA}" type="datetimeFigureOut">
               <a:rPr lang="sv-SE" smtClean="0"/>
-              <a:t>2023-06-08</a:t>
+              <a:t>2023-09-14</a:t>
             </a:fld>
             <a:endParaRPr lang="sv-SE"/>
           </a:p>
@@ -2968,7 +2968,7 @@
           <a:p>
             <a:fld id="{F1EF6EBA-2446-4F83-BF27-4368AC2AD5AA}" type="datetimeFigureOut">
               <a:rPr lang="sv-SE" smtClean="0"/>
-              <a:t>2023-06-08</a:t>
+              <a:t>2023-09-14</a:t>
             </a:fld>
             <a:endParaRPr lang="sv-SE"/>
           </a:p>
@@ -3897,20 +3897,12 @@
           <a:lstStyle/>
           <a:p>
             <a:r>
-              <a:rPr lang="en-US" dirty="0">
-                <a:solidFill>
-                  <a:srgbClr val="C00000"/>
-                </a:solidFill>
-              </a:rPr>
-              <a:t>Thermal </a:t>
-            </a:r>
-            <a:r>
               <a:rPr lang="en-US" dirty="0" smtClean="0">
                 <a:solidFill>
                   <a:srgbClr val="C00000"/>
                 </a:solidFill>
               </a:rPr>
-              <a:t>Management [6,7]</a:t>
+              <a:t>Thermal Management [6,7]</a:t>
             </a:r>
             <a:endParaRPr lang="sv-SE" dirty="0">
               <a:solidFill>
@@ -7472,7 +7464,7 @@
         </p:nvSpPr>
         <p:spPr>
           <a:xfrm>
-            <a:off x="315363" y="2045500"/>
+            <a:off x="148547" y="2064035"/>
             <a:ext cx="3321050" cy="4524315"/>
           </a:xfrm>
           <a:prstGeom prst="rect">
